--- a/Study/statistics/20. 감마분포의 근친 분포들.pptx
+++ b/Study/statistics/20. 감마분포의 근친 분포들.pptx
@@ -9,6 +9,9 @@
     <p:sldId id="257" r:id="rId3"/>
     <p:sldId id="258" r:id="rId4"/>
     <p:sldId id="259" r:id="rId5"/>
+    <p:sldId id="260" r:id="rId6"/>
+    <p:sldId id="261" r:id="rId7"/>
+    <p:sldId id="262" r:id="rId8"/>
   </p:sldIdLst>
   <p:sldSz cx="12192000" cy="6858000"/>
   <p:notesSz cx="6858000" cy="9144000"/>
@@ -3451,8 +3454,8 @@
           </a:p>
         </p:txBody>
       </p:sp>
-      <mc:AlternateContent xmlns:mc="http://schemas.openxmlformats.org/markup-compatibility/2006">
-        <mc:Choice xmlns:a14="http://schemas.microsoft.com/office/drawing/2010/main" Requires="a14">
+      <mc:AlternateContent xmlns:mc="http://schemas.openxmlformats.org/markup-compatibility/2006" xmlns:a14="http://schemas.microsoft.com/office/drawing/2010/main">
+        <mc:Choice Requires="a14">
           <p:sp>
             <p:nvSpPr>
               <p:cNvPr id="3" name="내용 개체 틀 2">
@@ -4128,17 +4131,7 @@
                         <a:latin typeface="Cambria Math" panose="02040503050406030204" pitchFamily="18" charset="0"/>
                         <a:ea typeface="Cambria Math" panose="02040503050406030204" pitchFamily="18" charset="0"/>
                       </a:rPr>
-                      <m:t>∙</m:t>
-                    </m:r>
-                    <m:r>
-                      <a:rPr lang="en-US" altLang="ko-KR" sz="2000" b="0" i="1" smtClean="0">
-                        <a:solidFill>
-                          <a:schemeClr val="tx1"/>
-                        </a:solidFill>
-                        <a:latin typeface="Cambria Math" panose="02040503050406030204" pitchFamily="18" charset="0"/>
-                        <a:ea typeface="Cambria Math" panose="02040503050406030204" pitchFamily="18" charset="0"/>
-                      </a:rPr>
-                      <m:t>4</m:t>
+                      <m:t>∙4</m:t>
                     </m:r>
                   </m:oMath>
                 </a14:m>
@@ -4151,7 +4144,7 @@
             </p:txBody>
           </p:sp>
         </mc:Choice>
-        <mc:Fallback>
+        <mc:Fallback xmlns="">
           <p:sp>
             <p:nvSpPr>
               <p:cNvPr id="3" name="내용 개체 틀 2">
@@ -4249,8 +4242,8 @@
           </a:p>
         </p:txBody>
       </p:sp>
-      <mc:AlternateContent xmlns:mc="http://schemas.openxmlformats.org/markup-compatibility/2006">
-        <mc:Choice xmlns:a14="http://schemas.microsoft.com/office/drawing/2010/main" Requires="a14">
+      <mc:AlternateContent xmlns:mc="http://schemas.openxmlformats.org/markup-compatibility/2006" xmlns:a14="http://schemas.microsoft.com/office/drawing/2010/main">
+        <mc:Choice Requires="a14">
           <p:sp>
             <p:nvSpPr>
               <p:cNvPr id="3" name="내용 개체 틀 2">
@@ -5474,7 +5467,7 @@
                                   <m:nor/>
                                 </m:rPr>
                                 <a:rPr lang="en-US" altLang="ko-KR" sz="2000" dirty="0" smtClean="0"/>
-                                <m:t>(1-</m:t>
+                                <m:t>(1−</m:t>
                               </m:r>
                               <m:r>
                                 <m:rPr>
@@ -5874,7 +5867,7 @@
             </p:txBody>
           </p:sp>
         </mc:Choice>
-        <mc:Fallback>
+        <mc:Fallback xmlns="">
           <p:sp>
             <p:nvSpPr>
               <p:cNvPr id="3" name="내용 개체 틀 2">
@@ -5998,7 +5991,7 @@
             <p:spPr/>
             <p:txBody>
               <a:bodyPr>
-                <a:normAutofit fontScale="92500" lnSpcReduction="20000"/>
+                <a:normAutofit fontScale="85000" lnSpcReduction="20000"/>
               </a:bodyPr>
               <a:lstStyle/>
               <a:p>
@@ -6480,6 +6473,9 @@
                     </m:r>
                   </m:oMath>
                 </a14:m>
+                <a:br>
+                  <a:rPr lang="en-US" altLang="ko-KR" sz="2000" b="0" dirty="0"/>
+                </a:br>
                 <a:br>
                   <a:rPr lang="en-US" altLang="ko-KR" sz="2000" b="0" dirty="0"/>
                 </a:br>
@@ -7261,6 +7257,11 @@
                     </m:nary>
                   </m:oMath>
                 </a14:m>
+                <a:br>
+                  <a:rPr lang="en-US" altLang="ko-KR" sz="2000" i="1" dirty="0">
+                    <a:latin typeface="Cambria Math" panose="02040503050406030204" pitchFamily="18" charset="0"/>
+                  </a:rPr>
+                </a:br>
                 <a:endParaRPr lang="en-US" altLang="ko-KR" sz="2000" i="1" dirty="0">
                   <a:latin typeface="Cambria Math" panose="02040503050406030204" pitchFamily="18" charset="0"/>
                 </a:endParaRPr>
@@ -8968,7 +8969,7 @@
               <a:blipFill>
                 <a:blip r:embed="rId2"/>
                 <a:stretch>
-                  <a:fillRect l="-754" t="-2661"/>
+                  <a:fillRect l="-522" t="-2241"/>
                 </a:stretch>
               </a:blipFill>
             </p:spPr>
@@ -8991,6 +8992,6641 @@
     <p:extLst>
       <p:ext uri="{BB962C8B-B14F-4D97-AF65-F5344CB8AC3E}">
         <p14:creationId xmlns:p14="http://schemas.microsoft.com/office/powerpoint/2010/main" val="3529469108"/>
+      </p:ext>
+    </p:extLst>
+  </p:cSld>
+  <p:clrMapOvr>
+    <a:masterClrMapping/>
+  </p:clrMapOvr>
+</p:sld>
+</file>
+
+<file path=ppt/slides/slide5.xml><?xml version="1.0" encoding="utf-8"?>
+<p:sld xmlns:a="http://schemas.openxmlformats.org/drawingml/2006/main" xmlns:r="http://schemas.openxmlformats.org/officeDocument/2006/relationships" xmlns:p="http://schemas.openxmlformats.org/presentationml/2006/main">
+  <p:cSld>
+    <p:spTree>
+      <p:nvGrpSpPr>
+        <p:cNvPr id="1" name=""/>
+        <p:cNvGrpSpPr/>
+        <p:nvPr/>
+      </p:nvGrpSpPr>
+      <p:grpSpPr>
+        <a:xfrm>
+          <a:off x="0" y="0"/>
+          <a:ext cx="0" cy="0"/>
+          <a:chOff x="0" y="0"/>
+          <a:chExt cx="0" cy="0"/>
+        </a:xfrm>
+      </p:grpSpPr>
+      <p:sp>
+        <p:nvSpPr>
+          <p:cNvPr id="2" name="제목 1">
+            <a:extLst>
+              <a:ext uri="{FF2B5EF4-FFF2-40B4-BE49-F238E27FC236}">
+                <a16:creationId xmlns:a16="http://schemas.microsoft.com/office/drawing/2014/main" id="{0CDCBC19-94FE-4A32-AA21-97EB77614E99}"/>
+              </a:ext>
+            </a:extLst>
+          </p:cNvPr>
+          <p:cNvSpPr>
+            <a:spLocks noGrp="1"/>
+          </p:cNvSpPr>
+          <p:nvPr>
+            <p:ph type="title"/>
+          </p:nvPr>
+        </p:nvSpPr>
+        <p:spPr/>
+        <p:txBody>
+          <a:bodyPr/>
+          <a:lstStyle/>
+          <a:p>
+            <a:r>
+              <a:rPr lang="ko-KR" altLang="en-US" dirty="0"/>
+              <a:t>정의</a:t>
+            </a:r>
+          </a:p>
+        </p:txBody>
+      </p:sp>
+      <mc:AlternateContent xmlns:mc="http://schemas.openxmlformats.org/markup-compatibility/2006">
+        <mc:Choice xmlns:a14="http://schemas.microsoft.com/office/drawing/2010/main" Requires="a14">
+          <p:sp>
+            <p:nvSpPr>
+              <p:cNvPr id="3" name="내용 개체 틀 2">
+                <a:extLst>
+                  <a:ext uri="{FF2B5EF4-FFF2-40B4-BE49-F238E27FC236}">
+                    <a16:creationId xmlns:a16="http://schemas.microsoft.com/office/drawing/2014/main" id="{21D46E77-FE9C-4030-970B-71043B018655}"/>
+                  </a:ext>
+                </a:extLst>
+              </p:cNvPr>
+              <p:cNvSpPr>
+                <a:spLocks noGrp="1"/>
+              </p:cNvSpPr>
+              <p:nvPr>
+                <p:ph idx="1"/>
+              </p:nvPr>
+            </p:nvSpPr>
+            <p:spPr/>
+            <p:txBody>
+              <a:bodyPr>
+                <a:normAutofit/>
+              </a:bodyPr>
+              <a:lstStyle/>
+              <a:p>
+                <a:r>
+                  <a:rPr lang="ko-KR" altLang="en-US" sz="2000" dirty="0"/>
+                  <a:t>디리클레 분포</a:t>
+                </a:r>
+                <a:endParaRPr lang="en-US" altLang="ko-KR" sz="2000" dirty="0"/>
+              </a:p>
+              <a:p>
+                <a:pPr marL="0" indent="0">
+                  <a:buNone/>
+                </a:pPr>
+                <a:r>
+                  <a:rPr lang="en-US" altLang="ko-KR" sz="2000" dirty="0"/>
+                  <a:t>1. </a:t>
+                </a:r>
+                <a:r>
+                  <a:rPr lang="ko-KR" altLang="en-US" sz="2000" dirty="0"/>
+                  <a:t>감마분포를 따르는 </a:t>
+                </a:r>
+                <a14:m>
+                  <m:oMath xmlns:m="http://schemas.openxmlformats.org/officeDocument/2006/math">
+                    <m:acc>
+                      <m:accPr>
+                        <m:chr m:val="⃗"/>
+                        <m:ctrlPr>
+                          <a:rPr lang="ko-KR" altLang="en-US" sz="2000" i="1" smtClean="0">
+                            <a:latin typeface="Cambria Math" panose="02040503050406030204" pitchFamily="18" charset="0"/>
+                          </a:rPr>
+                        </m:ctrlPr>
+                      </m:accPr>
+                      <m:e>
+                        <m:sSub>
+                          <m:sSubPr>
+                            <m:ctrlPr>
+                              <a:rPr lang="ko-KR" altLang="en-US" sz="2000" i="1">
+                                <a:latin typeface="Cambria Math" panose="02040503050406030204" pitchFamily="18" charset="0"/>
+                              </a:rPr>
+                            </m:ctrlPr>
+                          </m:sSubPr>
+                          <m:e>
+                            <m:r>
+                              <a:rPr lang="ko-KR" altLang="en-US" sz="2000" i="1">
+                                <a:latin typeface="Cambria Math" panose="02040503050406030204" pitchFamily="18" charset="0"/>
+                              </a:rPr>
+                              <m:t>𝑥</m:t>
+                            </m:r>
+                          </m:e>
+                          <m:sub>
+                            <m:r>
+                              <a:rPr lang="ko-KR" altLang="en-US" sz="2000" i="1">
+                                <a:latin typeface="Cambria Math" panose="02040503050406030204" pitchFamily="18" charset="0"/>
+                              </a:rPr>
+                              <m:t>1</m:t>
+                            </m:r>
+                          </m:sub>
+                        </m:sSub>
+                      </m:e>
+                    </m:acc>
+                  </m:oMath>
+                </a14:m>
+                <a:r>
+                  <a:rPr lang="en-US" altLang="ko-KR" sz="2000" dirty="0"/>
+                  <a:t>,</a:t>
+                </a:r>
+                <a:r>
+                  <a:rPr lang="ko-KR" altLang="en-US" sz="2000" dirty="0"/>
+                  <a:t> </a:t>
+                </a:r>
+                <a14:m>
+                  <m:oMath xmlns:m="http://schemas.openxmlformats.org/officeDocument/2006/math">
+                    <m:acc>
+                      <m:accPr>
+                        <m:chr m:val="⃗"/>
+                        <m:ctrlPr>
+                          <a:rPr lang="ko-KR" altLang="en-US" sz="2000" i="1">
+                            <a:latin typeface="Cambria Math" panose="02040503050406030204" pitchFamily="18" charset="0"/>
+                          </a:rPr>
+                        </m:ctrlPr>
+                      </m:accPr>
+                      <m:e>
+                        <m:sSub>
+                          <m:sSubPr>
+                            <m:ctrlPr>
+                              <a:rPr lang="ko-KR" altLang="en-US" sz="2000" i="1">
+                                <a:latin typeface="Cambria Math" panose="02040503050406030204" pitchFamily="18" charset="0"/>
+                              </a:rPr>
+                            </m:ctrlPr>
+                          </m:sSubPr>
+                          <m:e>
+                            <m:r>
+                              <a:rPr lang="ko-KR" altLang="en-US" sz="2000" i="1">
+                                <a:latin typeface="Cambria Math" panose="02040503050406030204" pitchFamily="18" charset="0"/>
+                              </a:rPr>
+                              <m:t>𝑥</m:t>
+                            </m:r>
+                          </m:e>
+                          <m:sub>
+                            <m:r>
+                              <a:rPr lang="en-US" altLang="ko-KR" sz="2000" b="0" i="1" smtClean="0">
+                                <a:latin typeface="Cambria Math" panose="02040503050406030204" pitchFamily="18" charset="0"/>
+                              </a:rPr>
+                              <m:t>2</m:t>
+                            </m:r>
+                          </m:sub>
+                        </m:sSub>
+                      </m:e>
+                    </m:acc>
+                    <m:r>
+                      <a:rPr lang="en-US" altLang="ko-KR" sz="2000" b="0" i="1" smtClean="0">
+                        <a:latin typeface="Cambria Math" panose="02040503050406030204" pitchFamily="18" charset="0"/>
+                      </a:rPr>
+                      <m:t>,</m:t>
+                    </m:r>
+                    <m:r>
+                      <a:rPr lang="en-US" altLang="ko-KR" sz="2000" i="1">
+                        <a:latin typeface="Cambria Math" panose="02040503050406030204" pitchFamily="18" charset="0"/>
+                        <a:ea typeface="Cambria Math" panose="02040503050406030204" pitchFamily="18" charset="0"/>
+                      </a:rPr>
+                      <m:t>⋯</m:t>
+                    </m:r>
+                    <m:r>
+                      <a:rPr lang="en-US" altLang="ko-KR" sz="2000" b="0" i="1" smtClean="0">
+                        <a:latin typeface="Cambria Math" panose="02040503050406030204" pitchFamily="18" charset="0"/>
+                        <a:ea typeface="Cambria Math" panose="02040503050406030204" pitchFamily="18" charset="0"/>
+                      </a:rPr>
+                      <m:t>,</m:t>
+                    </m:r>
+                    <m:acc>
+                      <m:accPr>
+                        <m:chr m:val="⃗"/>
+                        <m:ctrlPr>
+                          <a:rPr lang="ko-KR" altLang="en-US" sz="2000" i="1">
+                            <a:latin typeface="Cambria Math" panose="02040503050406030204" pitchFamily="18" charset="0"/>
+                          </a:rPr>
+                        </m:ctrlPr>
+                      </m:accPr>
+                      <m:e>
+                        <m:sSub>
+                          <m:sSubPr>
+                            <m:ctrlPr>
+                              <a:rPr lang="ko-KR" altLang="en-US" sz="2000" i="1">
+                                <a:latin typeface="Cambria Math" panose="02040503050406030204" pitchFamily="18" charset="0"/>
+                              </a:rPr>
+                            </m:ctrlPr>
+                          </m:sSubPr>
+                          <m:e>
+                            <m:r>
+                              <a:rPr lang="ko-KR" altLang="en-US" sz="2000" i="1">
+                                <a:latin typeface="Cambria Math" panose="02040503050406030204" pitchFamily="18" charset="0"/>
+                              </a:rPr>
+                              <m:t>𝑥</m:t>
+                            </m:r>
+                          </m:e>
+                          <m:sub>
+                            <m:r>
+                              <a:rPr lang="en-US" altLang="ko-KR" sz="2000" b="0" i="1" smtClean="0">
+                                <a:latin typeface="Cambria Math" panose="02040503050406030204" pitchFamily="18" charset="0"/>
+                              </a:rPr>
+                              <m:t>𝑛</m:t>
+                            </m:r>
+                          </m:sub>
+                        </m:sSub>
+                      </m:e>
+                    </m:acc>
+                    <m:r>
+                      <a:rPr lang="ko-KR" altLang="en-US" sz="2000" i="1">
+                        <a:latin typeface="Cambria Math" panose="02040503050406030204" pitchFamily="18" charset="0"/>
+                      </a:rPr>
+                      <m:t>이</m:t>
+                    </m:r>
+                  </m:oMath>
+                </a14:m>
+                <a:r>
+                  <a:rPr lang="ko-KR" altLang="en-US" sz="2000" dirty="0"/>
+                  <a:t> </a:t>
+                </a:r>
+                <a14:m>
+                  <m:oMath xmlns:m="http://schemas.openxmlformats.org/officeDocument/2006/math">
+                    <m:r>
+                      <a:rPr lang="en-US" altLang="ko-KR" sz="2000" i="1">
+                        <a:latin typeface="Cambria Math" panose="02040503050406030204" pitchFamily="18" charset="0"/>
+                      </a:rPr>
+                      <m:t>𝛽</m:t>
+                    </m:r>
+                  </m:oMath>
+                </a14:m>
+                <a:r>
+                  <a:rPr lang="en-US" altLang="ko-KR" sz="2000" dirty="0"/>
+                  <a:t>=1</a:t>
+                </a:r>
+                <a:r>
+                  <a:rPr lang="ko-KR" altLang="en-US" sz="2000" dirty="0"/>
+                  <a:t>일 때</a:t>
+                </a:r>
+                <a:endParaRPr lang="en-US" altLang="ko-KR" sz="2000" dirty="0"/>
+              </a:p>
+              <a:p>
+                <a:pPr marL="457200" indent="-457200">
+                  <a:buAutoNum type="arabicParenR"/>
+                </a:pPr>
+                <a:r>
+                  <a:rPr lang="ko-KR" altLang="en-US" sz="2000" dirty="0"/>
+                  <a:t>이 벡터의 총합인</a:t>
+                </a:r>
+                <a:r>
+                  <a:rPr lang="en-US" altLang="ko-KR" sz="2000" dirty="0"/>
+                  <a:t> </a:t>
+                </a:r>
+                <a14:m>
+                  <m:oMath xmlns:m="http://schemas.openxmlformats.org/officeDocument/2006/math">
+                    <m:r>
+                      <a:rPr lang="en-US" altLang="ko-KR" sz="2000" i="1" smtClean="0">
+                        <a:latin typeface="Cambria Math" panose="02040503050406030204" pitchFamily="18" charset="0"/>
+                      </a:rPr>
+                      <m:t>𝛴</m:t>
+                    </m:r>
+                    <m:sSub>
+                      <m:sSubPr>
+                        <m:ctrlPr>
+                          <a:rPr lang="en-US" altLang="ko-KR" sz="2000" i="1" smtClean="0">
+                            <a:latin typeface="Cambria Math" panose="02040503050406030204" pitchFamily="18" charset="0"/>
+                          </a:rPr>
+                        </m:ctrlPr>
+                      </m:sSubPr>
+                      <m:e>
+                        <m:r>
+                          <a:rPr lang="en-US" altLang="ko-KR" sz="2000" i="1" smtClean="0">
+                            <a:latin typeface="Cambria Math" panose="02040503050406030204" pitchFamily="18" charset="0"/>
+                          </a:rPr>
+                          <m:t>𝑥</m:t>
+                        </m:r>
+                      </m:e>
+                      <m:sub>
+                        <m:r>
+                          <a:rPr lang="en-US" altLang="ko-KR" sz="2000" i="1" smtClean="0">
+                            <a:latin typeface="Cambria Math" panose="02040503050406030204" pitchFamily="18" charset="0"/>
+                          </a:rPr>
+                          <m:t>𝑖</m:t>
+                        </m:r>
+                      </m:sub>
+                    </m:sSub>
+                  </m:oMath>
+                </a14:m>
+                <a:r>
+                  <a:rPr lang="ko-KR" altLang="en-US" sz="2000" dirty="0"/>
+                  <a:t> 로 정의되는 감마분포의 무한 결합 분포를 </a:t>
+                </a:r>
+                <a:r>
+                  <a:rPr lang="ko-KR" altLang="en-US" sz="2000" dirty="0" err="1"/>
+                  <a:t>디리클레</a:t>
+                </a:r>
+                <a:r>
+                  <a:rPr lang="ko-KR" altLang="en-US" sz="2000" dirty="0"/>
+                  <a:t> 분포라고 한다</a:t>
+                </a:r>
+                <a:r>
+                  <a:rPr lang="en-US" altLang="ko-KR" sz="2000" dirty="0"/>
+                  <a:t>.</a:t>
+                </a:r>
+                <a:r>
+                  <a:rPr lang="ko-KR" altLang="en-US" sz="2000" dirty="0"/>
+                  <a:t> </a:t>
+                </a:r>
+                <a:endParaRPr lang="en-US" altLang="ko-KR" sz="2000" dirty="0"/>
+              </a:p>
+              <a:p>
+                <a:pPr marL="457200" indent="-457200">
+                  <a:buAutoNum type="arabicParenBoth"/>
+                </a:pPr>
+                <a14:m>
+                  <m:oMath xmlns:m="http://schemas.openxmlformats.org/officeDocument/2006/math">
+                    <m:r>
+                      <a:rPr lang="en-US" altLang="ko-KR" sz="2000" i="1">
+                        <a:latin typeface="Cambria Math" panose="02040503050406030204" pitchFamily="18" charset="0"/>
+                      </a:rPr>
+                      <m:t>𝑓</m:t>
+                    </m:r>
+                    <m:d>
+                      <m:dPr>
+                        <m:ctrlPr>
+                          <a:rPr lang="en-US" altLang="ko-KR" sz="2000" i="1">
+                            <a:latin typeface="Cambria Math" panose="02040503050406030204" pitchFamily="18" charset="0"/>
+                          </a:rPr>
+                        </m:ctrlPr>
+                      </m:dPr>
+                      <m:e>
+                        <m:sSub>
+                          <m:sSubPr>
+                            <m:ctrlPr>
+                              <a:rPr lang="ko-KR" altLang="en-US" sz="2000" i="1">
+                                <a:latin typeface="Cambria Math" panose="02040503050406030204" pitchFamily="18" charset="0"/>
+                              </a:rPr>
+                            </m:ctrlPr>
+                          </m:sSubPr>
+                          <m:e>
+                            <m:r>
+                              <a:rPr lang="en-US" altLang="ko-KR" sz="2000" b="0" i="1" smtClean="0">
+                                <a:latin typeface="Cambria Math" panose="02040503050406030204" pitchFamily="18" charset="0"/>
+                              </a:rPr>
+                              <m:t>𝑥</m:t>
+                            </m:r>
+                          </m:e>
+                          <m:sub>
+                            <m:r>
+                              <a:rPr lang="ko-KR" altLang="en-US" sz="2000" i="1">
+                                <a:latin typeface="Cambria Math" panose="02040503050406030204" pitchFamily="18" charset="0"/>
+                              </a:rPr>
+                              <m:t>1</m:t>
+                            </m:r>
+                          </m:sub>
+                        </m:sSub>
+                        <m:r>
+                          <a:rPr lang="ko-KR" altLang="en-US" sz="2000" i="1">
+                            <a:latin typeface="Cambria Math" panose="02040503050406030204" pitchFamily="18" charset="0"/>
+                          </a:rPr>
+                          <m:t>,</m:t>
+                        </m:r>
+                        <m:sSub>
+                          <m:sSubPr>
+                            <m:ctrlPr>
+                              <a:rPr lang="ko-KR" altLang="en-US" sz="2000" i="1">
+                                <a:latin typeface="Cambria Math" panose="02040503050406030204" pitchFamily="18" charset="0"/>
+                              </a:rPr>
+                            </m:ctrlPr>
+                          </m:sSubPr>
+                          <m:e>
+                            <m:r>
+                              <a:rPr lang="en-US" altLang="ko-KR" sz="2000" b="0" i="1" smtClean="0">
+                                <a:latin typeface="Cambria Math" panose="02040503050406030204" pitchFamily="18" charset="0"/>
+                              </a:rPr>
+                              <m:t>𝑥</m:t>
+                            </m:r>
+                          </m:e>
+                          <m:sub>
+                            <m:r>
+                              <a:rPr lang="ko-KR" altLang="en-US" sz="2000" i="1">
+                                <a:latin typeface="Cambria Math" panose="02040503050406030204" pitchFamily="18" charset="0"/>
+                              </a:rPr>
+                              <m:t>2</m:t>
+                            </m:r>
+                            <m:r>
+                              <a:rPr lang="en-US" altLang="ko-KR" sz="2000" b="0" i="1" smtClean="0">
+                                <a:latin typeface="Cambria Math" panose="02040503050406030204" pitchFamily="18" charset="0"/>
+                              </a:rPr>
+                              <m:t>,</m:t>
+                            </m:r>
+                          </m:sub>
+                        </m:sSub>
+                        <m:r>
+                          <a:rPr lang="en-US" altLang="ko-KR" sz="2000" i="1">
+                            <a:latin typeface="Cambria Math" panose="02040503050406030204" pitchFamily="18" charset="0"/>
+                            <a:ea typeface="Cambria Math" panose="02040503050406030204" pitchFamily="18" charset="0"/>
+                          </a:rPr>
+                          <m:t>⋯</m:t>
+                        </m:r>
+                        <m:r>
+                          <a:rPr lang="en-US" altLang="ko-KR" sz="2000" b="0" i="1" smtClean="0">
+                            <a:latin typeface="Cambria Math" panose="02040503050406030204" pitchFamily="18" charset="0"/>
+                            <a:ea typeface="Cambria Math" panose="02040503050406030204" pitchFamily="18" charset="0"/>
+                          </a:rPr>
+                          <m:t>,</m:t>
+                        </m:r>
+                        <m:sSub>
+                          <m:sSubPr>
+                            <m:ctrlPr>
+                              <a:rPr lang="ko-KR" altLang="en-US" sz="2000" i="1">
+                                <a:latin typeface="Cambria Math" panose="02040503050406030204" pitchFamily="18" charset="0"/>
+                              </a:rPr>
+                            </m:ctrlPr>
+                          </m:sSubPr>
+                          <m:e>
+                            <m:r>
+                              <a:rPr lang="en-US" altLang="ko-KR" sz="2000" i="1">
+                                <a:latin typeface="Cambria Math" panose="02040503050406030204" pitchFamily="18" charset="0"/>
+                              </a:rPr>
+                              <m:t>𝑥</m:t>
+                            </m:r>
+                          </m:e>
+                          <m:sub>
+                            <m:r>
+                              <a:rPr lang="en-US" altLang="ko-KR" sz="2000" b="0" i="1" smtClean="0">
+                                <a:latin typeface="Cambria Math" panose="02040503050406030204" pitchFamily="18" charset="0"/>
+                              </a:rPr>
+                              <m:t>𝑛</m:t>
+                            </m:r>
+                          </m:sub>
+                        </m:sSub>
+                        <m:r>
+                          <a:rPr lang="en-US" altLang="ko-KR" sz="2000" b="0" i="1" smtClean="0">
+                            <a:latin typeface="Cambria Math" panose="02040503050406030204" pitchFamily="18" charset="0"/>
+                          </a:rPr>
+                          <m:t>;</m:t>
+                        </m:r>
+                        <m:sSub>
+                          <m:sSubPr>
+                            <m:ctrlPr>
+                              <a:rPr lang="ko-KR" altLang="en-US" sz="2000" i="1">
+                                <a:latin typeface="Cambria Math" panose="02040503050406030204" pitchFamily="18" charset="0"/>
+                              </a:rPr>
+                            </m:ctrlPr>
+                          </m:sSubPr>
+                          <m:e>
+                            <m:r>
+                              <a:rPr lang="en-US" altLang="ko-KR" sz="2000" b="0" i="1" smtClean="0">
+                                <a:latin typeface="Cambria Math" panose="02040503050406030204" pitchFamily="18" charset="0"/>
+                              </a:rPr>
+                              <m:t>𝑎</m:t>
+                            </m:r>
+                          </m:e>
+                          <m:sub>
+                            <m:r>
+                              <a:rPr lang="ko-KR" altLang="en-US" sz="2000" i="1">
+                                <a:latin typeface="Cambria Math" panose="02040503050406030204" pitchFamily="18" charset="0"/>
+                              </a:rPr>
+                              <m:t>1</m:t>
+                            </m:r>
+                            <m:r>
+                              <a:rPr lang="en-US" altLang="ko-KR" sz="2000" b="0" i="1" smtClean="0">
+                                <a:latin typeface="Cambria Math" panose="02040503050406030204" pitchFamily="18" charset="0"/>
+                              </a:rPr>
+                              <m:t>,</m:t>
+                            </m:r>
+                            <m:r>
+                              <a:rPr lang="ko-KR" altLang="en-US" sz="2000" i="1" smtClean="0">
+                                <a:latin typeface="Cambria Math" panose="02040503050406030204" pitchFamily="18" charset="0"/>
+                              </a:rPr>
+                              <m:t> </m:t>
+                            </m:r>
+                          </m:sub>
+                        </m:sSub>
+                        <m:r>
+                          <a:rPr lang="en-US" altLang="ko-KR" sz="2000" i="1">
+                            <a:latin typeface="Cambria Math" panose="02040503050406030204" pitchFamily="18" charset="0"/>
+                            <a:ea typeface="Cambria Math" panose="02040503050406030204" pitchFamily="18" charset="0"/>
+                          </a:rPr>
+                          <m:t>⋯,</m:t>
+                        </m:r>
+                        <m:sSub>
+                          <m:sSubPr>
+                            <m:ctrlPr>
+                              <a:rPr lang="ko-KR" altLang="en-US" sz="2000" i="1">
+                                <a:latin typeface="Cambria Math" panose="02040503050406030204" pitchFamily="18" charset="0"/>
+                              </a:rPr>
+                            </m:ctrlPr>
+                          </m:sSubPr>
+                          <m:e>
+                            <m:r>
+                              <a:rPr lang="en-US" altLang="ko-KR" sz="2000" b="0" i="1" smtClean="0">
+                                <a:latin typeface="Cambria Math" panose="02040503050406030204" pitchFamily="18" charset="0"/>
+                              </a:rPr>
+                              <m:t>𝑎</m:t>
+                            </m:r>
+                          </m:e>
+                          <m:sub>
+                            <m:r>
+                              <a:rPr lang="en-US" altLang="ko-KR" sz="2000" i="1">
+                                <a:latin typeface="Cambria Math" panose="02040503050406030204" pitchFamily="18" charset="0"/>
+                              </a:rPr>
+                              <m:t>𝑛</m:t>
+                            </m:r>
+                          </m:sub>
+                        </m:sSub>
+                      </m:e>
+                    </m:d>
+                  </m:oMath>
+                </a14:m>
+                <a:r>
+                  <a:rPr lang="en-US" altLang="ko-KR" sz="2000" dirty="0"/>
+                  <a:t>= </a:t>
+                </a:r>
+                <a14:m>
+                  <m:oMath xmlns:m="http://schemas.openxmlformats.org/officeDocument/2006/math">
+                    <m:d>
+                      <m:dPr>
+                        <m:begChr m:val="{"/>
+                        <m:endChr m:val=""/>
+                        <m:ctrlPr>
+                          <a:rPr lang="en-US" altLang="ko-KR" sz="2000" i="1">
+                            <a:latin typeface="Cambria Math" panose="02040503050406030204" pitchFamily="18" charset="0"/>
+                          </a:rPr>
+                        </m:ctrlPr>
+                      </m:dPr>
+                      <m:e>
+                        <m:eqArr>
+                          <m:eqArrPr>
+                            <m:ctrlPr>
+                              <a:rPr lang="en-US" altLang="ko-KR" sz="2000" i="1">
+                                <a:latin typeface="Cambria Math" panose="02040503050406030204" pitchFamily="18" charset="0"/>
+                              </a:rPr>
+                            </m:ctrlPr>
+                          </m:eqArrPr>
+                          <m:e>
+                            <m:nary>
+                              <m:naryPr>
+                                <m:chr m:val="∏"/>
+                                <m:ctrlPr>
+                                  <a:rPr lang="en-US" altLang="ko-KR" sz="2000" i="1" dirty="0">
+                                    <a:latin typeface="Cambria Math" panose="02040503050406030204" pitchFamily="18" charset="0"/>
+                                  </a:rPr>
+                                </m:ctrlPr>
+                              </m:naryPr>
+                              <m:sub>
+                                <m:r>
+                                  <m:rPr>
+                                    <m:brk m:alnAt="23"/>
+                                  </m:rPr>
+                                  <a:rPr lang="en-US" altLang="ko-KR" sz="2000" i="1" dirty="0">
+                                    <a:latin typeface="Cambria Math" panose="02040503050406030204" pitchFamily="18" charset="0"/>
+                                  </a:rPr>
+                                  <m:t>0</m:t>
+                                </m:r>
+                              </m:sub>
+                              <m:sup>
+                                <m:r>
+                                  <a:rPr lang="en-US" altLang="ko-KR" sz="2000" i="1" dirty="0">
+                                    <a:latin typeface="Cambria Math" panose="02040503050406030204" pitchFamily="18" charset="0"/>
+                                  </a:rPr>
+                                  <m:t>𝑘</m:t>
+                                </m:r>
+                                <m:r>
+                                  <a:rPr lang="en-US" altLang="ko-KR" sz="2000" i="1" dirty="0">
+                                    <a:latin typeface="Cambria Math" panose="02040503050406030204" pitchFamily="18" charset="0"/>
+                                  </a:rPr>
+                                  <m:t>=1</m:t>
+                                </m:r>
+                              </m:sup>
+                              <m:e>
+                                <m:f>
+                                  <m:fPr>
+                                    <m:ctrlPr>
+                                      <a:rPr lang="en-US" altLang="ko-KR" sz="2000" i="1" dirty="0">
+                                        <a:latin typeface="Cambria Math" panose="02040503050406030204" pitchFamily="18" charset="0"/>
+                                      </a:rPr>
+                                    </m:ctrlPr>
+                                  </m:fPr>
+                                  <m:num>
+                                    <m:r>
+                                      <a:rPr lang="en-US" altLang="ko-KR" sz="2000" i="1" dirty="0">
+                                        <a:latin typeface="Cambria Math" panose="02040503050406030204" pitchFamily="18" charset="0"/>
+                                      </a:rPr>
+                                      <m:t>1</m:t>
+                                    </m:r>
+                                  </m:num>
+                                  <m:den>
+                                    <m:r>
+                                      <a:rPr lang="en-US" altLang="ko-KR" sz="2000" i="1">
+                                        <a:latin typeface="Cambria Math" panose="02040503050406030204" pitchFamily="18" charset="0"/>
+                                      </a:rPr>
+                                      <m:t>𝛤</m:t>
+                                    </m:r>
+                                    <m:d>
+                                      <m:dPr>
+                                        <m:ctrlPr>
+                                          <a:rPr lang="en-US" altLang="ko-KR" sz="2000" i="1">
+                                            <a:latin typeface="Cambria Math" panose="02040503050406030204" pitchFamily="18" charset="0"/>
+                                          </a:rPr>
+                                        </m:ctrlPr>
+                                      </m:dPr>
+                                      <m:e>
+                                        <m:sSub>
+                                          <m:sSubPr>
+                                            <m:ctrlPr>
+                                              <a:rPr lang="ko-KR" altLang="en-US" sz="2000" i="1">
+                                                <a:latin typeface="Cambria Math" panose="02040503050406030204" pitchFamily="18" charset="0"/>
+                                              </a:rPr>
+                                            </m:ctrlPr>
+                                          </m:sSubPr>
+                                          <m:e>
+                                            <m:r>
+                                              <a:rPr lang="en-US" altLang="ko-KR" sz="2000" i="1">
+                                                <a:latin typeface="Cambria Math" panose="02040503050406030204" pitchFamily="18" charset="0"/>
+                                              </a:rPr>
+                                              <m:t>𝑎</m:t>
+                                            </m:r>
+                                          </m:e>
+                                          <m:sub>
+                                            <m:r>
+                                              <a:rPr lang="en-US" altLang="ko-KR" sz="2000" i="1">
+                                                <a:latin typeface="Cambria Math" panose="02040503050406030204" pitchFamily="18" charset="0"/>
+                                              </a:rPr>
+                                              <m:t>𝑖</m:t>
+                                            </m:r>
+                                          </m:sub>
+                                        </m:sSub>
+                                      </m:e>
+                                    </m:d>
+                                  </m:den>
+                                </m:f>
+                                <m:sSup>
+                                  <m:sSupPr>
+                                    <m:ctrlPr>
+                                      <a:rPr lang="en-US" altLang="ko-KR" sz="2000" i="1" dirty="0">
+                                        <a:latin typeface="Cambria Math" panose="02040503050406030204" pitchFamily="18" charset="0"/>
+                                      </a:rPr>
+                                    </m:ctrlPr>
+                                  </m:sSupPr>
+                                  <m:e>
+                                    <m:sSub>
+                                      <m:sSubPr>
+                                        <m:ctrlPr>
+                                          <a:rPr lang="ko-KR" altLang="en-US" sz="2000" i="1">
+                                            <a:latin typeface="Cambria Math" panose="02040503050406030204" pitchFamily="18" charset="0"/>
+                                          </a:rPr>
+                                        </m:ctrlPr>
+                                      </m:sSubPr>
+                                      <m:e>
+                                        <m:r>
+                                          <a:rPr lang="en-US" altLang="ko-KR" sz="2000" i="1">
+                                            <a:latin typeface="Cambria Math" panose="02040503050406030204" pitchFamily="18" charset="0"/>
+                                          </a:rPr>
+                                          <m:t>𝑥</m:t>
+                                        </m:r>
+                                      </m:e>
+                                      <m:sub>
+                                        <m:r>
+                                          <a:rPr lang="en-US" altLang="ko-KR" sz="2000" i="1">
+                                            <a:latin typeface="Cambria Math" panose="02040503050406030204" pitchFamily="18" charset="0"/>
+                                          </a:rPr>
+                                          <m:t>𝑖</m:t>
+                                        </m:r>
+                                      </m:sub>
+                                    </m:sSub>
+                                  </m:e>
+                                  <m:sup>
+                                    <m:sSub>
+                                      <m:sSubPr>
+                                        <m:ctrlPr>
+                                          <a:rPr lang="ko-KR" altLang="en-US" sz="2000" i="1">
+                                            <a:latin typeface="Cambria Math" panose="02040503050406030204" pitchFamily="18" charset="0"/>
+                                          </a:rPr>
+                                        </m:ctrlPr>
+                                      </m:sSubPr>
+                                      <m:e>
+                                        <m:r>
+                                          <a:rPr lang="en-US" altLang="ko-KR" sz="2000" i="1">
+                                            <a:latin typeface="Cambria Math" panose="02040503050406030204" pitchFamily="18" charset="0"/>
+                                          </a:rPr>
+                                          <m:t>𝑎</m:t>
+                                        </m:r>
+                                      </m:e>
+                                      <m:sub>
+                                        <m:r>
+                                          <a:rPr lang="en-US" altLang="ko-KR" sz="2000" i="1">
+                                            <a:latin typeface="Cambria Math" panose="02040503050406030204" pitchFamily="18" charset="0"/>
+                                          </a:rPr>
+                                          <m:t>𝑖</m:t>
+                                        </m:r>
+                                      </m:sub>
+                                    </m:sSub>
+                                    <m:r>
+                                      <a:rPr lang="en-US" altLang="ko-KR" sz="2000" i="1">
+                                        <a:latin typeface="Cambria Math" panose="02040503050406030204" pitchFamily="18" charset="0"/>
+                                      </a:rPr>
+                                      <m:t>−1</m:t>
+                                    </m:r>
+                                  </m:sup>
+                                </m:sSup>
+                                <m:sSup>
+                                  <m:sSupPr>
+                                    <m:ctrlPr>
+                                      <a:rPr lang="en-US" altLang="ko-KR" sz="2000" i="1">
+                                        <a:latin typeface="Cambria Math" panose="02040503050406030204" pitchFamily="18" charset="0"/>
+                                      </a:rPr>
+                                    </m:ctrlPr>
+                                  </m:sSupPr>
+                                  <m:e>
+                                    <m:r>
+                                      <a:rPr lang="en-US" altLang="ko-KR" sz="2000" i="1">
+                                        <a:latin typeface="Cambria Math" panose="02040503050406030204" pitchFamily="18" charset="0"/>
+                                      </a:rPr>
+                                      <m:t>𝑒</m:t>
+                                    </m:r>
+                                  </m:e>
+                                  <m:sup>
+                                    <m:r>
+                                      <a:rPr lang="en-US" altLang="ko-KR" sz="2000" i="1">
+                                        <a:latin typeface="Cambria Math" panose="02040503050406030204" pitchFamily="18" charset="0"/>
+                                      </a:rPr>
+                                      <m:t>−</m:t>
+                                    </m:r>
+                                    <m:sSub>
+                                      <m:sSubPr>
+                                        <m:ctrlPr>
+                                          <a:rPr lang="ko-KR" altLang="en-US" sz="2000" i="1">
+                                            <a:latin typeface="Cambria Math" panose="02040503050406030204" pitchFamily="18" charset="0"/>
+                                          </a:rPr>
+                                        </m:ctrlPr>
+                                      </m:sSubPr>
+                                      <m:e>
+                                        <m:r>
+                                          <a:rPr lang="en-US" altLang="ko-KR" sz="2000" i="1">
+                                            <a:latin typeface="Cambria Math" panose="02040503050406030204" pitchFamily="18" charset="0"/>
+                                          </a:rPr>
+                                          <m:t>𝑥</m:t>
+                                        </m:r>
+                                      </m:e>
+                                      <m:sub>
+                                        <m:r>
+                                          <a:rPr lang="en-US" altLang="ko-KR" sz="2000" i="1">
+                                            <a:latin typeface="Cambria Math" panose="02040503050406030204" pitchFamily="18" charset="0"/>
+                                          </a:rPr>
+                                          <m:t>𝑖</m:t>
+                                        </m:r>
+                                      </m:sub>
+                                    </m:sSub>
+                                  </m:sup>
+                                </m:sSup>
+                              </m:e>
+                            </m:nary>
+                            <m:r>
+                              <a:rPr lang="en-US" altLang="ko-KR" sz="2000" i="1">
+                                <a:latin typeface="Cambria Math" panose="02040503050406030204" pitchFamily="18" charset="0"/>
+                              </a:rPr>
+                              <m:t>, </m:t>
+                            </m:r>
+                          </m:e>
+                          <m:e>
+                            <m:r>
+                              <a:rPr lang="en-US" altLang="ko-KR" sz="2000" i="1">
+                                <a:latin typeface="Cambria Math" panose="02040503050406030204" pitchFamily="18" charset="0"/>
+                              </a:rPr>
+                              <m:t>&amp;</m:t>
+                            </m:r>
+                            <m:r>
+                              <a:rPr lang="en-US" altLang="ko-KR" sz="2000" b="0" i="1" smtClean="0">
+                                <a:latin typeface="Cambria Math" panose="02040503050406030204" pitchFamily="18" charset="0"/>
+                              </a:rPr>
+                              <m:t>0</m:t>
+                            </m:r>
+                            <m:r>
+                              <a:rPr lang="en-US" altLang="ko-KR" sz="2000" i="1">
+                                <a:latin typeface="Cambria Math" panose="02040503050406030204" pitchFamily="18" charset="0"/>
+                              </a:rPr>
+                              <m:t>,  </m:t>
+                            </m:r>
+                            <m:r>
+                              <a:rPr lang="en-US" altLang="ko-KR" sz="2000" i="1">
+                                <a:latin typeface="Cambria Math" panose="02040503050406030204" pitchFamily="18" charset="0"/>
+                              </a:rPr>
+                              <m:t>𝑒𝑙𝑠𝑒</m:t>
+                            </m:r>
+                          </m:e>
+                        </m:eqArr>
+                      </m:e>
+                    </m:d>
+                  </m:oMath>
+                </a14:m>
+                <a:endParaRPr lang="en-US" altLang="ko-KR" sz="2000" dirty="0"/>
+              </a:p>
+              <a:p>
+                <a:pPr marL="457200" indent="-457200">
+                  <a:buAutoNum type="arabicParenBoth"/>
+                </a:pPr>
+                <a14:m>
+                  <m:oMath xmlns:m="http://schemas.openxmlformats.org/officeDocument/2006/math">
+                    <m:sSub>
+                      <m:sSubPr>
+                        <m:ctrlPr>
+                          <a:rPr lang="ko-KR" altLang="en-US" sz="2000" i="1">
+                            <a:latin typeface="Cambria Math" panose="02040503050406030204" pitchFamily="18" charset="0"/>
+                          </a:rPr>
+                        </m:ctrlPr>
+                      </m:sSubPr>
+                      <m:e>
+                        <m:r>
+                          <a:rPr lang="en-US" altLang="ko-KR" sz="2000" b="0" i="1" smtClean="0">
+                            <a:latin typeface="Cambria Math" panose="02040503050406030204" pitchFamily="18" charset="0"/>
+                          </a:rPr>
+                          <m:t>𝑦</m:t>
+                        </m:r>
+                      </m:e>
+                      <m:sub>
+                        <m:r>
+                          <a:rPr lang="en-US" altLang="ko-KR" sz="2000" i="1" smtClean="0">
+                            <a:latin typeface="Cambria Math" panose="02040503050406030204" pitchFamily="18" charset="0"/>
+                          </a:rPr>
+                          <m:t>𝑖</m:t>
+                        </m:r>
+                      </m:sub>
+                    </m:sSub>
+                    <m:r>
+                      <a:rPr lang="en-US" altLang="ko-KR" sz="2000" b="0" i="1" smtClean="0">
+                        <a:latin typeface="Cambria Math" panose="02040503050406030204" pitchFamily="18" charset="0"/>
+                      </a:rPr>
+                      <m:t>=</m:t>
+                    </m:r>
+                    <m:f>
+                      <m:fPr>
+                        <m:ctrlPr>
+                          <a:rPr lang="en-US" altLang="ko-KR" sz="2000" b="0" i="1" smtClean="0">
+                            <a:latin typeface="Cambria Math" panose="02040503050406030204" pitchFamily="18" charset="0"/>
+                          </a:rPr>
+                        </m:ctrlPr>
+                      </m:fPr>
+                      <m:num>
+                        <m:sSub>
+                          <m:sSubPr>
+                            <m:ctrlPr>
+                              <a:rPr lang="ko-KR" altLang="en-US" sz="2000" i="1">
+                                <a:latin typeface="Cambria Math" panose="02040503050406030204" pitchFamily="18" charset="0"/>
+                              </a:rPr>
+                            </m:ctrlPr>
+                          </m:sSubPr>
+                          <m:e>
+                            <m:r>
+                              <a:rPr lang="en-US" altLang="ko-KR" sz="2000" i="1">
+                                <a:latin typeface="Cambria Math" panose="02040503050406030204" pitchFamily="18" charset="0"/>
+                              </a:rPr>
+                              <m:t>𝑥</m:t>
+                            </m:r>
+                          </m:e>
+                          <m:sub>
+                            <m:r>
+                              <a:rPr lang="en-US" altLang="ko-KR" sz="2000" i="1">
+                                <a:latin typeface="Cambria Math" panose="02040503050406030204" pitchFamily="18" charset="0"/>
+                              </a:rPr>
+                              <m:t>𝑖</m:t>
+                            </m:r>
+                          </m:sub>
+                        </m:sSub>
+                      </m:num>
+                      <m:den>
+                        <m:sSub>
+                          <m:sSubPr>
+                            <m:ctrlPr>
+                              <a:rPr lang="ko-KR" altLang="en-US" sz="2000" i="1">
+                                <a:latin typeface="Cambria Math" panose="02040503050406030204" pitchFamily="18" charset="0"/>
+                              </a:rPr>
+                            </m:ctrlPr>
+                          </m:sSubPr>
+                          <m:e>
+                            <m:r>
+                              <a:rPr lang="en-US" altLang="ko-KR" sz="2000" i="1">
+                                <a:latin typeface="Cambria Math" panose="02040503050406030204" pitchFamily="18" charset="0"/>
+                              </a:rPr>
+                              <m:t>𝑥</m:t>
+                            </m:r>
+                          </m:e>
+                          <m:sub>
+                            <m:r>
+                              <a:rPr lang="ko-KR" altLang="en-US" sz="2000" i="1">
+                                <a:latin typeface="Cambria Math" panose="02040503050406030204" pitchFamily="18" charset="0"/>
+                              </a:rPr>
+                              <m:t>1</m:t>
+                            </m:r>
+                          </m:sub>
+                        </m:sSub>
+                        <m:r>
+                          <a:rPr lang="ko-KR" altLang="en-US" sz="2000" i="1">
+                            <a:latin typeface="Cambria Math" panose="02040503050406030204" pitchFamily="18" charset="0"/>
+                          </a:rPr>
+                          <m:t>,</m:t>
+                        </m:r>
+                        <m:sSub>
+                          <m:sSubPr>
+                            <m:ctrlPr>
+                              <a:rPr lang="ko-KR" altLang="en-US" sz="2000" i="1">
+                                <a:latin typeface="Cambria Math" panose="02040503050406030204" pitchFamily="18" charset="0"/>
+                              </a:rPr>
+                            </m:ctrlPr>
+                          </m:sSubPr>
+                          <m:e>
+                            <m:r>
+                              <a:rPr lang="en-US" altLang="ko-KR" sz="2000" i="1">
+                                <a:latin typeface="Cambria Math" panose="02040503050406030204" pitchFamily="18" charset="0"/>
+                              </a:rPr>
+                              <m:t>𝑥</m:t>
+                            </m:r>
+                          </m:e>
+                          <m:sub>
+                            <m:r>
+                              <a:rPr lang="ko-KR" altLang="en-US" sz="2000" i="1">
+                                <a:latin typeface="Cambria Math" panose="02040503050406030204" pitchFamily="18" charset="0"/>
+                              </a:rPr>
+                              <m:t>2</m:t>
+                            </m:r>
+                            <m:r>
+                              <a:rPr lang="en-US" altLang="ko-KR" sz="2000" i="1">
+                                <a:latin typeface="Cambria Math" panose="02040503050406030204" pitchFamily="18" charset="0"/>
+                              </a:rPr>
+                              <m:t>,</m:t>
+                            </m:r>
+                          </m:sub>
+                        </m:sSub>
+                        <m:r>
+                          <a:rPr lang="en-US" altLang="ko-KR" sz="2000" i="1">
+                            <a:latin typeface="Cambria Math" panose="02040503050406030204" pitchFamily="18" charset="0"/>
+                            <a:ea typeface="Cambria Math" panose="02040503050406030204" pitchFamily="18" charset="0"/>
+                          </a:rPr>
+                          <m:t>⋯</m:t>
+                        </m:r>
+                        <m:r>
+                          <a:rPr lang="en-US" altLang="ko-KR" sz="2000" i="1">
+                            <a:latin typeface="Cambria Math" panose="02040503050406030204" pitchFamily="18" charset="0"/>
+                            <a:ea typeface="Cambria Math" panose="02040503050406030204" pitchFamily="18" charset="0"/>
+                          </a:rPr>
+                          <m:t>,</m:t>
+                        </m:r>
+                        <m:sSub>
+                          <m:sSubPr>
+                            <m:ctrlPr>
+                              <a:rPr lang="ko-KR" altLang="en-US" sz="2000" i="1">
+                                <a:latin typeface="Cambria Math" panose="02040503050406030204" pitchFamily="18" charset="0"/>
+                              </a:rPr>
+                            </m:ctrlPr>
+                          </m:sSubPr>
+                          <m:e>
+                            <m:r>
+                              <a:rPr lang="en-US" altLang="ko-KR" sz="2000" i="1">
+                                <a:latin typeface="Cambria Math" panose="02040503050406030204" pitchFamily="18" charset="0"/>
+                              </a:rPr>
+                              <m:t>𝑥</m:t>
+                            </m:r>
+                          </m:e>
+                          <m:sub>
+                            <m:r>
+                              <a:rPr lang="en-US" altLang="ko-KR" sz="2000" b="0" i="1" smtClean="0">
+                                <a:latin typeface="Cambria Math" panose="02040503050406030204" pitchFamily="18" charset="0"/>
+                              </a:rPr>
+                              <m:t>𝑘</m:t>
+                            </m:r>
+                            <m:r>
+                              <a:rPr lang="en-US" altLang="ko-KR" sz="2000" b="0" i="1" smtClean="0">
+                                <a:latin typeface="Cambria Math" panose="02040503050406030204" pitchFamily="18" charset="0"/>
+                              </a:rPr>
+                              <m:t>+1</m:t>
+                            </m:r>
+                          </m:sub>
+                        </m:sSub>
+                      </m:den>
+                    </m:f>
+                    <m:r>
+                      <a:rPr lang="en-US" altLang="ko-KR" sz="2000" b="0" i="1" smtClean="0">
+                        <a:latin typeface="Cambria Math" panose="02040503050406030204" pitchFamily="18" charset="0"/>
+                      </a:rPr>
+                      <m:t>,</m:t>
+                    </m:r>
+                    <m:r>
+                      <a:rPr lang="en-US" altLang="ko-KR" sz="2000" b="0" i="1" smtClean="0">
+                        <a:latin typeface="Cambria Math" panose="02040503050406030204" pitchFamily="18" charset="0"/>
+                      </a:rPr>
+                      <m:t>𝑤h𝑒𝑟𝑒</m:t>
+                    </m:r>
+                    <m:r>
+                      <a:rPr lang="en-US" altLang="ko-KR" sz="2000" b="0" i="1" smtClean="0">
+                        <a:latin typeface="Cambria Math" panose="02040503050406030204" pitchFamily="18" charset="0"/>
+                      </a:rPr>
+                      <m:t> (</m:t>
+                    </m:r>
+                    <m:r>
+                      <a:rPr lang="en-US" altLang="ko-KR" sz="2000" b="0" i="1" smtClean="0">
+                        <a:latin typeface="Cambria Math" panose="02040503050406030204" pitchFamily="18" charset="0"/>
+                      </a:rPr>
+                      <m:t>𝑖</m:t>
+                    </m:r>
+                    <m:r>
+                      <a:rPr lang="en-US" altLang="ko-KR" sz="2000" b="0" i="1" smtClean="0">
+                        <a:latin typeface="Cambria Math" panose="02040503050406030204" pitchFamily="18" charset="0"/>
+                      </a:rPr>
+                      <m:t>=1,2,3,</m:t>
+                    </m:r>
+                  </m:oMath>
+                </a14:m>
+                <a:r>
+                  <a:rPr lang="en-US" altLang="ko-KR" sz="2000" dirty="0"/>
+                  <a:t> </a:t>
+                </a:r>
+                <a14:m>
+                  <m:oMath xmlns:m="http://schemas.openxmlformats.org/officeDocument/2006/math">
+                    <m:r>
+                      <a:rPr lang="en-US" altLang="ko-KR" sz="2000" i="1">
+                        <a:latin typeface="Cambria Math" panose="02040503050406030204" pitchFamily="18" charset="0"/>
+                        <a:ea typeface="Cambria Math" panose="02040503050406030204" pitchFamily="18" charset="0"/>
+                      </a:rPr>
+                      <m:t>⋯,</m:t>
+                    </m:r>
+                  </m:oMath>
+                </a14:m>
+                <a:r>
+                  <a:rPr lang="en-US" altLang="ko-KR" sz="2000" dirty="0"/>
+                  <a:t>k),</a:t>
+                </a:r>
+                <a:r>
+                  <a:rPr lang="ko-KR" altLang="en-US" sz="2000" dirty="0"/>
+                  <a:t> </a:t>
+                </a:r>
+                <a14:m>
+                  <m:oMath xmlns:m="http://schemas.openxmlformats.org/officeDocument/2006/math">
+                    <m:sSub>
+                      <m:sSubPr>
+                        <m:ctrlPr>
+                          <a:rPr lang="ko-KR" altLang="en-US" sz="2000" i="1">
+                            <a:latin typeface="Cambria Math" panose="02040503050406030204" pitchFamily="18" charset="0"/>
+                          </a:rPr>
+                        </m:ctrlPr>
+                      </m:sSubPr>
+                      <m:e>
+                        <m:r>
+                          <a:rPr lang="en-US" altLang="ko-KR" sz="2000" i="1">
+                            <a:latin typeface="Cambria Math" panose="02040503050406030204" pitchFamily="18" charset="0"/>
+                          </a:rPr>
+                          <m:t>𝑦</m:t>
+                        </m:r>
+                      </m:e>
+                      <m:sub>
+                        <m:r>
+                          <a:rPr lang="en-US" altLang="ko-KR" sz="2000" b="0" i="1" smtClean="0">
+                            <a:latin typeface="Cambria Math" panose="02040503050406030204" pitchFamily="18" charset="0"/>
+                          </a:rPr>
+                          <m:t>𝑘</m:t>
+                        </m:r>
+                        <m:r>
+                          <a:rPr lang="en-US" altLang="ko-KR" sz="2000" b="0" i="1" smtClean="0">
+                            <a:latin typeface="Cambria Math" panose="02040503050406030204" pitchFamily="18" charset="0"/>
+                          </a:rPr>
+                          <m:t>+1</m:t>
+                        </m:r>
+                      </m:sub>
+                    </m:sSub>
+                    <m:r>
+                      <a:rPr lang="en-US" altLang="ko-KR" sz="2000" b="0" i="1" smtClean="0">
+                        <a:latin typeface="Cambria Math" panose="02040503050406030204" pitchFamily="18" charset="0"/>
+                      </a:rPr>
+                      <m:t>=</m:t>
+                    </m:r>
+                  </m:oMath>
+                </a14:m>
+                <a:r>
+                  <a:rPr lang="en-US" altLang="ko-KR" sz="2000" dirty="0"/>
+                  <a:t> </a:t>
+                </a:r>
+                <a14:m>
+                  <m:oMath xmlns:m="http://schemas.openxmlformats.org/officeDocument/2006/math">
+                    <m:sSub>
+                      <m:sSubPr>
+                        <m:ctrlPr>
+                          <a:rPr lang="ko-KR" altLang="en-US" sz="2000" i="1">
+                            <a:latin typeface="Cambria Math" panose="02040503050406030204" pitchFamily="18" charset="0"/>
+                          </a:rPr>
+                        </m:ctrlPr>
+                      </m:sSubPr>
+                      <m:e>
+                        <m:r>
+                          <a:rPr lang="en-US" altLang="ko-KR" sz="2000" i="1">
+                            <a:latin typeface="Cambria Math" panose="02040503050406030204" pitchFamily="18" charset="0"/>
+                          </a:rPr>
+                          <m:t>𝑥</m:t>
+                        </m:r>
+                      </m:e>
+                      <m:sub>
+                        <m:r>
+                          <a:rPr lang="ko-KR" altLang="en-US" sz="2000" i="1">
+                            <a:latin typeface="Cambria Math" panose="02040503050406030204" pitchFamily="18" charset="0"/>
+                          </a:rPr>
+                          <m:t>1</m:t>
+                        </m:r>
+                      </m:sub>
+                    </m:sSub>
+                    <m:r>
+                      <a:rPr lang="ko-KR" altLang="en-US" sz="2000" i="1">
+                        <a:latin typeface="Cambria Math" panose="02040503050406030204" pitchFamily="18" charset="0"/>
+                      </a:rPr>
+                      <m:t>,</m:t>
+                    </m:r>
+                    <m:sSub>
+                      <m:sSubPr>
+                        <m:ctrlPr>
+                          <a:rPr lang="ko-KR" altLang="en-US" sz="2000" i="1">
+                            <a:latin typeface="Cambria Math" panose="02040503050406030204" pitchFamily="18" charset="0"/>
+                          </a:rPr>
+                        </m:ctrlPr>
+                      </m:sSubPr>
+                      <m:e>
+                        <m:r>
+                          <a:rPr lang="en-US" altLang="ko-KR" sz="2000" i="1">
+                            <a:latin typeface="Cambria Math" panose="02040503050406030204" pitchFamily="18" charset="0"/>
+                          </a:rPr>
+                          <m:t>𝑥</m:t>
+                        </m:r>
+                      </m:e>
+                      <m:sub>
+                        <m:r>
+                          <a:rPr lang="ko-KR" altLang="en-US" sz="2000" i="1">
+                            <a:latin typeface="Cambria Math" panose="02040503050406030204" pitchFamily="18" charset="0"/>
+                          </a:rPr>
+                          <m:t>2</m:t>
+                        </m:r>
+                        <m:r>
+                          <a:rPr lang="en-US" altLang="ko-KR" sz="2000" i="1">
+                            <a:latin typeface="Cambria Math" panose="02040503050406030204" pitchFamily="18" charset="0"/>
+                          </a:rPr>
+                          <m:t>,</m:t>
+                        </m:r>
+                      </m:sub>
+                    </m:sSub>
+                    <m:r>
+                      <a:rPr lang="en-US" altLang="ko-KR" sz="2000" i="1">
+                        <a:latin typeface="Cambria Math" panose="02040503050406030204" pitchFamily="18" charset="0"/>
+                        <a:ea typeface="Cambria Math" panose="02040503050406030204" pitchFamily="18" charset="0"/>
+                      </a:rPr>
+                      <m:t>⋯,</m:t>
+                    </m:r>
+                    <m:sSub>
+                      <m:sSubPr>
+                        <m:ctrlPr>
+                          <a:rPr lang="ko-KR" altLang="en-US" sz="2000" i="1">
+                            <a:latin typeface="Cambria Math" panose="02040503050406030204" pitchFamily="18" charset="0"/>
+                          </a:rPr>
+                        </m:ctrlPr>
+                      </m:sSubPr>
+                      <m:e>
+                        <m:r>
+                          <a:rPr lang="en-US" altLang="ko-KR" sz="2000" i="1">
+                            <a:latin typeface="Cambria Math" panose="02040503050406030204" pitchFamily="18" charset="0"/>
+                          </a:rPr>
+                          <m:t>𝑥</m:t>
+                        </m:r>
+                      </m:e>
+                      <m:sub>
+                        <m:r>
+                          <a:rPr lang="en-US" altLang="ko-KR" sz="2000" i="1">
+                            <a:latin typeface="Cambria Math" panose="02040503050406030204" pitchFamily="18" charset="0"/>
+                          </a:rPr>
+                          <m:t>𝑘</m:t>
+                        </m:r>
+                        <m:r>
+                          <a:rPr lang="en-US" altLang="ko-KR" sz="2000" i="1">
+                            <a:latin typeface="Cambria Math" panose="02040503050406030204" pitchFamily="18" charset="0"/>
+                          </a:rPr>
+                          <m:t>+1</m:t>
+                        </m:r>
+                      </m:sub>
+                    </m:sSub>
+                    <m:r>
+                      <a:rPr lang="en-US" altLang="ko-KR" sz="2000" i="1">
+                        <a:latin typeface="Cambria Math" panose="02040503050406030204" pitchFamily="18" charset="0"/>
+                      </a:rPr>
+                      <m:t> </m:t>
+                    </m:r>
+                  </m:oMath>
+                </a14:m>
+                <a:r>
+                  <a:rPr lang="ko-KR" altLang="en-US" sz="2000" dirty="0"/>
+                  <a:t>라고 정의할 때 </a:t>
+                </a:r>
+                <a:endParaRPr lang="en-US" altLang="ko-KR" sz="2000" dirty="0"/>
+              </a:p>
+              <a:p>
+                <a:pPr marL="457200" indent="-457200">
+                  <a:buAutoNum type="arabicParenBoth"/>
+                </a:pPr>
+                <a:r>
+                  <a:rPr lang="ko-KR" altLang="en-US" sz="2000" dirty="0"/>
+                  <a:t>역함수는 </a:t>
+                </a:r>
+                <a14:m>
+                  <m:oMath xmlns:m="http://schemas.openxmlformats.org/officeDocument/2006/math">
+                    <m:sSub>
+                      <m:sSubPr>
+                        <m:ctrlPr>
+                          <a:rPr lang="ko-KR" altLang="en-US" sz="2000" i="1">
+                            <a:latin typeface="Cambria Math" panose="02040503050406030204" pitchFamily="18" charset="0"/>
+                          </a:rPr>
+                        </m:ctrlPr>
+                      </m:sSubPr>
+                      <m:e>
+                        <m:r>
+                          <a:rPr lang="en-US" altLang="ko-KR" sz="2000" i="1">
+                            <a:latin typeface="Cambria Math" panose="02040503050406030204" pitchFamily="18" charset="0"/>
+                          </a:rPr>
+                          <m:t>𝑥</m:t>
+                        </m:r>
+                      </m:e>
+                      <m:sub>
+                        <m:r>
+                          <a:rPr lang="ko-KR" altLang="en-US" sz="2000" i="1">
+                            <a:latin typeface="Cambria Math" panose="02040503050406030204" pitchFamily="18" charset="0"/>
+                          </a:rPr>
+                          <m:t>1</m:t>
+                        </m:r>
+                      </m:sub>
+                    </m:sSub>
+                  </m:oMath>
+                </a14:m>
+                <a:r>
+                  <a:rPr lang="en-US" altLang="ko-KR" sz="2000" dirty="0"/>
+                  <a:t>=</a:t>
+                </a:r>
+                <a:r>
+                  <a:rPr lang="ko-KR" altLang="en-US" sz="2000" dirty="0"/>
+                  <a:t> </a:t>
+                </a:r>
+                <a14:m>
+                  <m:oMath xmlns:m="http://schemas.openxmlformats.org/officeDocument/2006/math">
+                    <m:sSub>
+                      <m:sSubPr>
+                        <m:ctrlPr>
+                          <a:rPr lang="ko-KR" altLang="en-US" sz="2000" i="1">
+                            <a:latin typeface="Cambria Math" panose="02040503050406030204" pitchFamily="18" charset="0"/>
+                          </a:rPr>
+                        </m:ctrlPr>
+                      </m:sSubPr>
+                      <m:e>
+                        <m:r>
+                          <a:rPr lang="en-US" altLang="ko-KR" sz="2000" i="1">
+                            <a:latin typeface="Cambria Math" panose="02040503050406030204" pitchFamily="18" charset="0"/>
+                          </a:rPr>
+                          <m:t>𝑦</m:t>
+                        </m:r>
+                      </m:e>
+                      <m:sub>
+                        <m:r>
+                          <a:rPr lang="en-US" altLang="ko-KR" sz="2000" b="0" i="1" smtClean="0">
+                            <a:latin typeface="Cambria Math" panose="02040503050406030204" pitchFamily="18" charset="0"/>
+                          </a:rPr>
+                          <m:t>1</m:t>
+                        </m:r>
+                      </m:sub>
+                    </m:sSub>
+                    <m:sSub>
+                      <m:sSubPr>
+                        <m:ctrlPr>
+                          <a:rPr lang="ko-KR" altLang="en-US" sz="2000" i="1">
+                            <a:latin typeface="Cambria Math" panose="02040503050406030204" pitchFamily="18" charset="0"/>
+                          </a:rPr>
+                        </m:ctrlPr>
+                      </m:sSubPr>
+                      <m:e>
+                        <m:r>
+                          <a:rPr lang="en-US" altLang="ko-KR" sz="2000" i="1">
+                            <a:latin typeface="Cambria Math" panose="02040503050406030204" pitchFamily="18" charset="0"/>
+                          </a:rPr>
+                          <m:t>𝑦</m:t>
+                        </m:r>
+                      </m:e>
+                      <m:sub>
+                        <m:r>
+                          <a:rPr lang="en-US" altLang="ko-KR" sz="2000" b="0" i="1" smtClean="0">
+                            <a:latin typeface="Cambria Math" panose="02040503050406030204" pitchFamily="18" charset="0"/>
+                          </a:rPr>
+                          <m:t>𝑘</m:t>
+                        </m:r>
+                        <m:r>
+                          <a:rPr lang="en-US" altLang="ko-KR" sz="2000" b="0" i="1" smtClean="0">
+                            <a:latin typeface="Cambria Math" panose="02040503050406030204" pitchFamily="18" charset="0"/>
+                          </a:rPr>
+                          <m:t>+1</m:t>
+                        </m:r>
+                      </m:sub>
+                    </m:sSub>
+                  </m:oMath>
+                </a14:m>
+                <a:r>
+                  <a:rPr lang="en-US" altLang="ko-KR" sz="2000" dirty="0"/>
+                  <a:t>,</a:t>
+                </a:r>
+                <a:r>
+                  <a:rPr lang="ko-KR" altLang="en-US" sz="2000" dirty="0"/>
+                  <a:t> </a:t>
+                </a:r>
+                <a14:m>
+                  <m:oMath xmlns:m="http://schemas.openxmlformats.org/officeDocument/2006/math">
+                    <m:sSub>
+                      <m:sSubPr>
+                        <m:ctrlPr>
+                          <a:rPr lang="ko-KR" altLang="en-US" sz="2000" i="1">
+                            <a:latin typeface="Cambria Math" panose="02040503050406030204" pitchFamily="18" charset="0"/>
+                          </a:rPr>
+                        </m:ctrlPr>
+                      </m:sSubPr>
+                      <m:e>
+                        <m:r>
+                          <a:rPr lang="en-US" altLang="ko-KR" sz="2000" i="1">
+                            <a:latin typeface="Cambria Math" panose="02040503050406030204" pitchFamily="18" charset="0"/>
+                          </a:rPr>
+                          <m:t>𝑥</m:t>
+                        </m:r>
+                      </m:e>
+                      <m:sub>
+                        <m:r>
+                          <a:rPr lang="en-US" altLang="ko-KR" sz="2000" b="0" i="1" smtClean="0">
+                            <a:latin typeface="Cambria Math" panose="02040503050406030204" pitchFamily="18" charset="0"/>
+                          </a:rPr>
+                          <m:t>2</m:t>
+                        </m:r>
+                      </m:sub>
+                    </m:sSub>
+                  </m:oMath>
+                </a14:m>
+                <a:r>
+                  <a:rPr lang="en-US" altLang="ko-KR" sz="2000" dirty="0"/>
+                  <a:t>=</a:t>
+                </a:r>
+                <a:r>
+                  <a:rPr lang="ko-KR" altLang="en-US" sz="2000" dirty="0"/>
+                  <a:t> </a:t>
+                </a:r>
+                <a14:m>
+                  <m:oMath xmlns:m="http://schemas.openxmlformats.org/officeDocument/2006/math">
+                    <m:sSub>
+                      <m:sSubPr>
+                        <m:ctrlPr>
+                          <a:rPr lang="ko-KR" altLang="en-US" sz="2000" i="1">
+                            <a:latin typeface="Cambria Math" panose="02040503050406030204" pitchFamily="18" charset="0"/>
+                          </a:rPr>
+                        </m:ctrlPr>
+                      </m:sSubPr>
+                      <m:e>
+                        <m:r>
+                          <a:rPr lang="en-US" altLang="ko-KR" sz="2000" i="1">
+                            <a:latin typeface="Cambria Math" panose="02040503050406030204" pitchFamily="18" charset="0"/>
+                          </a:rPr>
+                          <m:t>𝑦</m:t>
+                        </m:r>
+                      </m:e>
+                      <m:sub>
+                        <m:r>
+                          <a:rPr lang="en-US" altLang="ko-KR" sz="2000" b="0" i="1" smtClean="0">
+                            <a:latin typeface="Cambria Math" panose="02040503050406030204" pitchFamily="18" charset="0"/>
+                          </a:rPr>
+                          <m:t>2</m:t>
+                        </m:r>
+                      </m:sub>
+                    </m:sSub>
+                    <m:sSub>
+                      <m:sSubPr>
+                        <m:ctrlPr>
+                          <a:rPr lang="ko-KR" altLang="en-US" sz="2000" i="1">
+                            <a:latin typeface="Cambria Math" panose="02040503050406030204" pitchFamily="18" charset="0"/>
+                          </a:rPr>
+                        </m:ctrlPr>
+                      </m:sSubPr>
+                      <m:e>
+                        <m:r>
+                          <a:rPr lang="en-US" altLang="ko-KR" sz="2000" i="1">
+                            <a:latin typeface="Cambria Math" panose="02040503050406030204" pitchFamily="18" charset="0"/>
+                          </a:rPr>
+                          <m:t>𝑦</m:t>
+                        </m:r>
+                      </m:e>
+                      <m:sub>
+                        <m:r>
+                          <a:rPr lang="en-US" altLang="ko-KR" sz="2000" i="1">
+                            <a:latin typeface="Cambria Math" panose="02040503050406030204" pitchFamily="18" charset="0"/>
+                          </a:rPr>
+                          <m:t>𝑘</m:t>
+                        </m:r>
+                        <m:r>
+                          <a:rPr lang="en-US" altLang="ko-KR" sz="2000" i="1">
+                            <a:latin typeface="Cambria Math" panose="02040503050406030204" pitchFamily="18" charset="0"/>
+                          </a:rPr>
+                          <m:t>+1</m:t>
+                        </m:r>
+                      </m:sub>
+                    </m:sSub>
+                  </m:oMath>
+                </a14:m>
+                <a:r>
+                  <a:rPr lang="en-US" altLang="ko-KR" sz="2000" dirty="0"/>
+                  <a:t>,</a:t>
+                </a:r>
+                <a:r>
+                  <a:rPr lang="en-US" altLang="ko-KR" sz="2000" dirty="0">
+                    <a:ea typeface="Cambria Math" panose="02040503050406030204" pitchFamily="18" charset="0"/>
+                  </a:rPr>
+                  <a:t> </a:t>
+                </a:r>
+                <a14:m>
+                  <m:oMath xmlns:m="http://schemas.openxmlformats.org/officeDocument/2006/math">
+                    <m:r>
+                      <a:rPr lang="en-US" altLang="ko-KR" sz="2000" i="1">
+                        <a:latin typeface="Cambria Math" panose="02040503050406030204" pitchFamily="18" charset="0"/>
+                        <a:ea typeface="Cambria Math" panose="02040503050406030204" pitchFamily="18" charset="0"/>
+                      </a:rPr>
+                      <m:t>⋯</m:t>
+                    </m:r>
+                  </m:oMath>
+                </a14:m>
+                <a:r>
+                  <a:rPr lang="en-US" altLang="ko-KR" sz="2000" dirty="0"/>
+                  <a:t>,</a:t>
+                </a:r>
+                <a:r>
+                  <a:rPr lang="ko-KR" altLang="en-US" sz="2000" dirty="0"/>
+                  <a:t> </a:t>
+                </a:r>
+                <a14:m>
+                  <m:oMath xmlns:m="http://schemas.openxmlformats.org/officeDocument/2006/math">
+                    <m:sSub>
+                      <m:sSubPr>
+                        <m:ctrlPr>
+                          <a:rPr lang="ko-KR" altLang="en-US" sz="2000" i="1">
+                            <a:latin typeface="Cambria Math" panose="02040503050406030204" pitchFamily="18" charset="0"/>
+                          </a:rPr>
+                        </m:ctrlPr>
+                      </m:sSubPr>
+                      <m:e>
+                        <m:r>
+                          <a:rPr lang="en-US" altLang="ko-KR" sz="2000" i="1">
+                            <a:latin typeface="Cambria Math" panose="02040503050406030204" pitchFamily="18" charset="0"/>
+                          </a:rPr>
+                          <m:t>𝑥</m:t>
+                        </m:r>
+                      </m:e>
+                      <m:sub>
+                        <m:r>
+                          <a:rPr lang="en-US" altLang="ko-KR" sz="2000" b="0" i="1" smtClean="0">
+                            <a:latin typeface="Cambria Math" panose="02040503050406030204" pitchFamily="18" charset="0"/>
+                          </a:rPr>
+                          <m:t>𝑘</m:t>
+                        </m:r>
+                      </m:sub>
+                    </m:sSub>
+                    <m:r>
+                      <a:rPr lang="en-US" altLang="ko-KR" sz="2000" b="0" i="1" smtClean="0">
+                        <a:latin typeface="Cambria Math" panose="02040503050406030204" pitchFamily="18" charset="0"/>
+                      </a:rPr>
+                      <m:t>=</m:t>
+                    </m:r>
+                  </m:oMath>
+                </a14:m>
+                <a:r>
+                  <a:rPr lang="ko-KR" altLang="en-US" sz="2000" dirty="0"/>
+                  <a:t> </a:t>
+                </a:r>
+                <a14:m>
+                  <m:oMath xmlns:m="http://schemas.openxmlformats.org/officeDocument/2006/math">
+                    <m:sSub>
+                      <m:sSubPr>
+                        <m:ctrlPr>
+                          <a:rPr lang="ko-KR" altLang="en-US" sz="2000" i="1">
+                            <a:latin typeface="Cambria Math" panose="02040503050406030204" pitchFamily="18" charset="0"/>
+                          </a:rPr>
+                        </m:ctrlPr>
+                      </m:sSubPr>
+                      <m:e>
+                        <m:r>
+                          <a:rPr lang="en-US" altLang="ko-KR" sz="2000" i="1">
+                            <a:latin typeface="Cambria Math" panose="02040503050406030204" pitchFamily="18" charset="0"/>
+                          </a:rPr>
+                          <m:t>𝑦</m:t>
+                        </m:r>
+                      </m:e>
+                      <m:sub>
+                        <m:r>
+                          <a:rPr lang="en-US" altLang="ko-KR" sz="2000" b="0" i="1" smtClean="0">
+                            <a:latin typeface="Cambria Math" panose="02040503050406030204" pitchFamily="18" charset="0"/>
+                          </a:rPr>
+                          <m:t>𝑘</m:t>
+                        </m:r>
+                      </m:sub>
+                    </m:sSub>
+                    <m:sSub>
+                      <m:sSubPr>
+                        <m:ctrlPr>
+                          <a:rPr lang="ko-KR" altLang="en-US" sz="2000" i="1">
+                            <a:latin typeface="Cambria Math" panose="02040503050406030204" pitchFamily="18" charset="0"/>
+                          </a:rPr>
+                        </m:ctrlPr>
+                      </m:sSubPr>
+                      <m:e>
+                        <m:r>
+                          <a:rPr lang="en-US" altLang="ko-KR" sz="2000" i="1">
+                            <a:latin typeface="Cambria Math" panose="02040503050406030204" pitchFamily="18" charset="0"/>
+                          </a:rPr>
+                          <m:t>𝑦</m:t>
+                        </m:r>
+                      </m:e>
+                      <m:sub>
+                        <m:r>
+                          <a:rPr lang="en-US" altLang="ko-KR" sz="2000" i="1">
+                            <a:latin typeface="Cambria Math" panose="02040503050406030204" pitchFamily="18" charset="0"/>
+                          </a:rPr>
+                          <m:t>𝑘</m:t>
+                        </m:r>
+                        <m:r>
+                          <a:rPr lang="en-US" altLang="ko-KR" sz="2000" i="1">
+                            <a:latin typeface="Cambria Math" panose="02040503050406030204" pitchFamily="18" charset="0"/>
+                          </a:rPr>
+                          <m:t>+1</m:t>
+                        </m:r>
+                      </m:sub>
+                    </m:sSub>
+                  </m:oMath>
+                </a14:m>
+                <a:r>
+                  <a:rPr lang="en-US" altLang="ko-KR" sz="2000" dirty="0"/>
+                  <a:t>,</a:t>
+                </a:r>
+                <a:r>
+                  <a:rPr lang="ko-KR" altLang="en-US" sz="2000" dirty="0"/>
+                  <a:t> </a:t>
+                </a:r>
+                <a14:m>
+                  <m:oMath xmlns:m="http://schemas.openxmlformats.org/officeDocument/2006/math">
+                    <m:sSub>
+                      <m:sSubPr>
+                        <m:ctrlPr>
+                          <a:rPr lang="ko-KR" altLang="en-US" sz="2000" i="1">
+                            <a:latin typeface="Cambria Math" panose="02040503050406030204" pitchFamily="18" charset="0"/>
+                          </a:rPr>
+                        </m:ctrlPr>
+                      </m:sSubPr>
+                      <m:e>
+                        <m:r>
+                          <a:rPr lang="en-US" altLang="ko-KR" sz="2000" i="1">
+                            <a:latin typeface="Cambria Math" panose="02040503050406030204" pitchFamily="18" charset="0"/>
+                          </a:rPr>
+                          <m:t>𝑥</m:t>
+                        </m:r>
+                      </m:e>
+                      <m:sub>
+                        <m:r>
+                          <a:rPr lang="en-US" altLang="ko-KR" sz="2000" i="1">
+                            <a:latin typeface="Cambria Math" panose="02040503050406030204" pitchFamily="18" charset="0"/>
+                          </a:rPr>
+                          <m:t>𝑘</m:t>
+                        </m:r>
+                        <m:r>
+                          <a:rPr lang="en-US" altLang="ko-KR" sz="2000" b="0" i="1" smtClean="0">
+                            <a:latin typeface="Cambria Math" panose="02040503050406030204" pitchFamily="18" charset="0"/>
+                          </a:rPr>
+                          <m:t>+1</m:t>
+                        </m:r>
+                      </m:sub>
+                    </m:sSub>
+                  </m:oMath>
+                </a14:m>
+                <a:r>
+                  <a:rPr lang="en-US" altLang="ko-KR" sz="2000" dirty="0"/>
+                  <a:t>=</a:t>
+                </a:r>
+                <a:r>
+                  <a:rPr lang="ko-KR" altLang="en-US" sz="2000" dirty="0"/>
+                  <a:t> </a:t>
+                </a:r>
+                <a14:m>
+                  <m:oMath xmlns:m="http://schemas.openxmlformats.org/officeDocument/2006/math">
+                    <m:sSub>
+                      <m:sSubPr>
+                        <m:ctrlPr>
+                          <a:rPr lang="ko-KR" altLang="en-US" sz="2000" i="1">
+                            <a:latin typeface="Cambria Math" panose="02040503050406030204" pitchFamily="18" charset="0"/>
+                          </a:rPr>
+                        </m:ctrlPr>
+                      </m:sSubPr>
+                      <m:e>
+                        <m:r>
+                          <a:rPr lang="en-US" altLang="ko-KR" sz="2000" i="1">
+                            <a:latin typeface="Cambria Math" panose="02040503050406030204" pitchFamily="18" charset="0"/>
+                          </a:rPr>
+                          <m:t>𝑦</m:t>
+                        </m:r>
+                      </m:e>
+                      <m:sub>
+                        <m:r>
+                          <a:rPr lang="en-US" altLang="ko-KR" sz="2000" i="1">
+                            <a:latin typeface="Cambria Math" panose="02040503050406030204" pitchFamily="18" charset="0"/>
+                          </a:rPr>
+                          <m:t>𝑘</m:t>
+                        </m:r>
+                        <m:r>
+                          <a:rPr lang="en-US" altLang="ko-KR" sz="2000" i="1">
+                            <a:latin typeface="Cambria Math" panose="02040503050406030204" pitchFamily="18" charset="0"/>
+                          </a:rPr>
+                          <m:t>+1</m:t>
+                        </m:r>
+                      </m:sub>
+                    </m:sSub>
+                  </m:oMath>
+                </a14:m>
+                <a:r>
+                  <a:rPr lang="en-US" altLang="ko-KR" sz="2000" dirty="0"/>
+                  <a:t>(1-</a:t>
+                </a:r>
+                <a:r>
+                  <a:rPr lang="ko-KR" altLang="en-US" sz="2000" dirty="0"/>
+                  <a:t> </a:t>
+                </a:r>
+                <a14:m>
+                  <m:oMath xmlns:m="http://schemas.openxmlformats.org/officeDocument/2006/math">
+                    <m:sSub>
+                      <m:sSubPr>
+                        <m:ctrlPr>
+                          <a:rPr lang="ko-KR" altLang="en-US" sz="2000" i="1">
+                            <a:latin typeface="Cambria Math" panose="02040503050406030204" pitchFamily="18" charset="0"/>
+                          </a:rPr>
+                        </m:ctrlPr>
+                      </m:sSubPr>
+                      <m:e>
+                        <m:r>
+                          <a:rPr lang="en-US" altLang="ko-KR" sz="2000" i="1">
+                            <a:latin typeface="Cambria Math" panose="02040503050406030204" pitchFamily="18" charset="0"/>
+                          </a:rPr>
+                          <m:t>𝑦</m:t>
+                        </m:r>
+                      </m:e>
+                      <m:sub>
+                        <m:r>
+                          <a:rPr lang="en-US" altLang="ko-KR" sz="2000" i="1">
+                            <a:latin typeface="Cambria Math" panose="02040503050406030204" pitchFamily="18" charset="0"/>
+                          </a:rPr>
+                          <m:t>1</m:t>
+                        </m:r>
+                      </m:sub>
+                    </m:sSub>
+                  </m:oMath>
+                </a14:m>
+                <a:r>
+                  <a:rPr lang="en-US" altLang="ko-KR" sz="2000" dirty="0"/>
+                  <a:t>-</a:t>
+                </a:r>
+                <a:r>
+                  <a:rPr lang="ko-KR" altLang="en-US" sz="2000" dirty="0"/>
+                  <a:t> </a:t>
+                </a:r>
+                <a14:m>
+                  <m:oMath xmlns:m="http://schemas.openxmlformats.org/officeDocument/2006/math">
+                    <m:sSub>
+                      <m:sSubPr>
+                        <m:ctrlPr>
+                          <a:rPr lang="ko-KR" altLang="en-US" sz="2000" i="1">
+                            <a:latin typeface="Cambria Math" panose="02040503050406030204" pitchFamily="18" charset="0"/>
+                          </a:rPr>
+                        </m:ctrlPr>
+                      </m:sSubPr>
+                      <m:e>
+                        <m:r>
+                          <a:rPr lang="en-US" altLang="ko-KR" sz="2000" i="1">
+                            <a:latin typeface="Cambria Math" panose="02040503050406030204" pitchFamily="18" charset="0"/>
+                          </a:rPr>
+                          <m:t>𝑦</m:t>
+                        </m:r>
+                      </m:e>
+                      <m:sub>
+                        <m:r>
+                          <a:rPr lang="en-US" altLang="ko-KR" sz="2000" b="0" i="1" smtClean="0">
+                            <a:latin typeface="Cambria Math" panose="02040503050406030204" pitchFamily="18" charset="0"/>
+                          </a:rPr>
+                          <m:t>2</m:t>
+                        </m:r>
+                      </m:sub>
+                    </m:sSub>
+                    <m:r>
+                      <a:rPr lang="en-US" altLang="ko-KR" sz="2000" b="0" i="1" smtClean="0">
+                        <a:latin typeface="Cambria Math" panose="02040503050406030204" pitchFamily="18" charset="0"/>
+                      </a:rPr>
+                      <m:t>−…−</m:t>
+                    </m:r>
+                    <m:sSub>
+                      <m:sSubPr>
+                        <m:ctrlPr>
+                          <a:rPr lang="ko-KR" altLang="en-US" sz="2000" i="1">
+                            <a:latin typeface="Cambria Math" panose="02040503050406030204" pitchFamily="18" charset="0"/>
+                          </a:rPr>
+                        </m:ctrlPr>
+                      </m:sSubPr>
+                      <m:e>
+                        <m:r>
+                          <a:rPr lang="en-US" altLang="ko-KR" sz="2000" i="1">
+                            <a:latin typeface="Cambria Math" panose="02040503050406030204" pitchFamily="18" charset="0"/>
+                          </a:rPr>
+                          <m:t>𝑦</m:t>
+                        </m:r>
+                      </m:e>
+                      <m:sub>
+                        <m:r>
+                          <a:rPr lang="en-US" altLang="ko-KR" sz="2000" b="0" i="1" smtClean="0">
+                            <a:latin typeface="Cambria Math" panose="02040503050406030204" pitchFamily="18" charset="0"/>
+                          </a:rPr>
+                          <m:t>𝑘</m:t>
+                        </m:r>
+                      </m:sub>
+                    </m:sSub>
+                    <m:r>
+                      <a:rPr lang="en-US" altLang="ko-KR" sz="2000" b="0" i="1" smtClean="0">
+                        <a:latin typeface="Cambria Math" panose="02040503050406030204" pitchFamily="18" charset="0"/>
+                      </a:rPr>
+                      <m:t>)</m:t>
+                    </m:r>
+                  </m:oMath>
+                </a14:m>
+                <a:endParaRPr lang="en-US" altLang="ko-KR" sz="2000" b="0" dirty="0"/>
+              </a:p>
+            </p:txBody>
+          </p:sp>
+        </mc:Choice>
+        <mc:Fallback>
+          <p:sp>
+            <p:nvSpPr>
+              <p:cNvPr id="3" name="내용 개체 틀 2">
+                <a:extLst>
+                  <a:ext uri="{FF2B5EF4-FFF2-40B4-BE49-F238E27FC236}">
+                    <a16:creationId xmlns:a16="http://schemas.microsoft.com/office/drawing/2014/main" id="{21D46E77-FE9C-4030-970B-71043B018655}"/>
+                  </a:ext>
+                </a:extLst>
+              </p:cNvPr>
+              <p:cNvSpPr>
+                <a:spLocks noGrp="1" noRot="1" noChangeAspect="1" noMove="1" noResize="1" noEditPoints="1" noAdjustHandles="1" noChangeArrowheads="1" noChangeShapeType="1" noTextEdit="1"/>
+              </p:cNvSpPr>
+              <p:nvPr>
+                <p:ph idx="1"/>
+              </p:nvPr>
+            </p:nvSpPr>
+            <p:spPr>
+              <a:blipFill>
+                <a:blip r:embed="rId2"/>
+                <a:stretch>
+                  <a:fillRect l="-812" t="-1401" r="-116"/>
+                </a:stretch>
+              </a:blipFill>
+            </p:spPr>
+            <p:txBody>
+              <a:bodyPr/>
+              <a:lstStyle/>
+              <a:p>
+                <a:r>
+                  <a:rPr lang="ko-KR" altLang="en-US">
+                    <a:noFill/>
+                  </a:rPr>
+                  <a:t> </a:t>
+                </a:r>
+              </a:p>
+            </p:txBody>
+          </p:sp>
+        </mc:Fallback>
+      </mc:AlternateContent>
+    </p:spTree>
+    <p:extLst>
+      <p:ext uri="{BB962C8B-B14F-4D97-AF65-F5344CB8AC3E}">
+        <p14:creationId xmlns:p14="http://schemas.microsoft.com/office/powerpoint/2010/main" val="2079250318"/>
+      </p:ext>
+    </p:extLst>
+  </p:cSld>
+  <p:clrMapOvr>
+    <a:masterClrMapping/>
+  </p:clrMapOvr>
+</p:sld>
+</file>
+
+<file path=ppt/slides/slide6.xml><?xml version="1.0" encoding="utf-8"?>
+<p:sld xmlns:a="http://schemas.openxmlformats.org/drawingml/2006/main" xmlns:r="http://schemas.openxmlformats.org/officeDocument/2006/relationships" xmlns:p="http://schemas.openxmlformats.org/presentationml/2006/main">
+  <p:cSld>
+    <p:spTree>
+      <p:nvGrpSpPr>
+        <p:cNvPr id="1" name=""/>
+        <p:cNvGrpSpPr/>
+        <p:nvPr/>
+      </p:nvGrpSpPr>
+      <p:grpSpPr>
+        <a:xfrm>
+          <a:off x="0" y="0"/>
+          <a:ext cx="0" cy="0"/>
+          <a:chOff x="0" y="0"/>
+          <a:chExt cx="0" cy="0"/>
+        </a:xfrm>
+      </p:grpSpPr>
+      <p:sp>
+        <p:nvSpPr>
+          <p:cNvPr id="2" name="제목 1">
+            <a:extLst>
+              <a:ext uri="{FF2B5EF4-FFF2-40B4-BE49-F238E27FC236}">
+                <a16:creationId xmlns:a16="http://schemas.microsoft.com/office/drawing/2014/main" id="{A0328F5B-0270-4C55-A35C-9A58055593B0}"/>
+              </a:ext>
+            </a:extLst>
+          </p:cNvPr>
+          <p:cNvSpPr>
+            <a:spLocks noGrp="1"/>
+          </p:cNvSpPr>
+          <p:nvPr>
+            <p:ph type="title"/>
+          </p:nvPr>
+        </p:nvSpPr>
+        <p:spPr/>
+        <p:txBody>
+          <a:bodyPr/>
+          <a:lstStyle/>
+          <a:p>
+            <a:r>
+              <a:rPr lang="ko-KR" altLang="en-US" dirty="0"/>
+              <a:t>정의</a:t>
+            </a:r>
+          </a:p>
+        </p:txBody>
+      </p:sp>
+      <mc:AlternateContent xmlns:mc="http://schemas.openxmlformats.org/markup-compatibility/2006">
+        <mc:Choice xmlns:a14="http://schemas.microsoft.com/office/drawing/2010/main" Requires="a14">
+          <p:sp>
+            <p:nvSpPr>
+              <p:cNvPr id="3" name="내용 개체 틀 2">
+                <a:extLst>
+                  <a:ext uri="{FF2B5EF4-FFF2-40B4-BE49-F238E27FC236}">
+                    <a16:creationId xmlns:a16="http://schemas.microsoft.com/office/drawing/2014/main" id="{6DF751B5-0230-48CF-BF82-8F9FE551FF65}"/>
+                  </a:ext>
+                </a:extLst>
+              </p:cNvPr>
+              <p:cNvSpPr>
+                <a:spLocks noGrp="1"/>
+              </p:cNvSpPr>
+              <p:nvPr>
+                <p:ph idx="1"/>
+              </p:nvPr>
+            </p:nvSpPr>
+            <p:spPr/>
+            <p:txBody>
+              <a:bodyPr>
+                <a:normAutofit/>
+              </a:bodyPr>
+              <a:lstStyle/>
+              <a:p>
+                <a:r>
+                  <a:rPr lang="ko-KR" altLang="en-US" sz="2000" dirty="0"/>
+                  <a:t>디리클레 분포</a:t>
+                </a:r>
+                <a:endParaRPr lang="en-US" altLang="ko-KR" sz="2000" dirty="0"/>
+              </a:p>
+              <a:p>
+                <a:pPr>
+                  <a:buFontTx/>
+                  <a:buChar char="-"/>
+                </a:pPr>
+                <a:r>
+                  <a:rPr lang="ko-KR" altLang="en-US" sz="2000" dirty="0"/>
+                  <a:t>따라서 </a:t>
+                </a:r>
+                <a:r>
+                  <a:rPr lang="ko-KR" altLang="en-US" sz="2000" dirty="0" err="1"/>
+                  <a:t>야코비안</a:t>
+                </a:r>
+                <a:r>
+                  <a:rPr lang="ko-KR" altLang="en-US" sz="2000" dirty="0"/>
+                  <a:t> </a:t>
+                </a:r>
+                <a:r>
+                  <a:rPr lang="en-US" altLang="ko-KR" sz="2000" dirty="0"/>
+                  <a:t>|J| = det</a:t>
+                </a:r>
+                <a14:m>
+                  <m:oMath xmlns:m="http://schemas.openxmlformats.org/officeDocument/2006/math">
+                    <m:d>
+                      <m:dPr>
+                        <m:begChr m:val="["/>
+                        <m:endChr m:val="]"/>
+                        <m:ctrlPr>
+                          <a:rPr lang="en-US" altLang="ko-KR" sz="2000" i="1" smtClean="0">
+                            <a:latin typeface="Cambria Math" panose="02040503050406030204" pitchFamily="18" charset="0"/>
+                          </a:rPr>
+                        </m:ctrlPr>
+                      </m:dPr>
+                      <m:e>
+                        <m:m>
+                          <m:mPr>
+                            <m:mcs>
+                              <m:mc>
+                                <m:mcPr>
+                                  <m:count m:val="5"/>
+                                  <m:mcJc m:val="center"/>
+                                </m:mcPr>
+                              </m:mc>
+                            </m:mcs>
+                            <m:ctrlPr>
+                              <a:rPr lang="en-US" altLang="ko-KR" sz="2000" i="1">
+                                <a:latin typeface="Cambria Math" panose="02040503050406030204" pitchFamily="18" charset="0"/>
+                              </a:rPr>
+                            </m:ctrlPr>
+                          </m:mPr>
+                          <m:mr>
+                            <m:e>
+                              <m:sSub>
+                                <m:sSubPr>
+                                  <m:ctrlPr>
+                                    <a:rPr lang="ko-KR" altLang="en-US" sz="2000" i="1">
+                                      <a:latin typeface="Cambria Math" panose="02040503050406030204" pitchFamily="18" charset="0"/>
+                                    </a:rPr>
+                                  </m:ctrlPr>
+                                </m:sSubPr>
+                                <m:e>
+                                  <m:r>
+                                    <a:rPr lang="en-US" altLang="ko-KR" sz="2000" i="1">
+                                      <a:latin typeface="Cambria Math" panose="02040503050406030204" pitchFamily="18" charset="0"/>
+                                    </a:rPr>
+                                    <m:t>𝑦</m:t>
+                                  </m:r>
+                                </m:e>
+                                <m:sub>
+                                  <m:r>
+                                    <a:rPr lang="en-US" altLang="ko-KR" sz="2000" i="1">
+                                      <a:latin typeface="Cambria Math" panose="02040503050406030204" pitchFamily="18" charset="0"/>
+                                    </a:rPr>
+                                    <m:t>𝑘</m:t>
+                                  </m:r>
+                                  <m:r>
+                                    <a:rPr lang="en-US" altLang="ko-KR" sz="2000" i="1">
+                                      <a:latin typeface="Cambria Math" panose="02040503050406030204" pitchFamily="18" charset="0"/>
+                                    </a:rPr>
+                                    <m:t>+1</m:t>
+                                  </m:r>
+                                </m:sub>
+                              </m:sSub>
+                            </m:e>
+                            <m:e>
+                              <m:r>
+                                <a:rPr lang="en-US" altLang="ko-KR" sz="2000" i="1">
+                                  <a:latin typeface="Cambria Math" panose="02040503050406030204" pitchFamily="18" charset="0"/>
+                                </a:rPr>
+                                <m:t>0</m:t>
+                              </m:r>
+                            </m:e>
+                            <m:e>
+                              <m:r>
+                                <a:rPr lang="en-US" altLang="ko-KR" sz="2000" i="1">
+                                  <a:latin typeface="Cambria Math" panose="02040503050406030204" pitchFamily="18" charset="0"/>
+                                  <a:ea typeface="Cambria Math" panose="02040503050406030204" pitchFamily="18" charset="0"/>
+                                </a:rPr>
+                                <m:t>⋯</m:t>
+                              </m:r>
+                            </m:e>
+                            <m:e>
+                              <m:r>
+                                <a:rPr lang="en-US" altLang="ko-KR" sz="2000" i="1">
+                                  <a:latin typeface="Cambria Math" panose="02040503050406030204" pitchFamily="18" charset="0"/>
+                                </a:rPr>
+                                <m:t>0</m:t>
+                              </m:r>
+                            </m:e>
+                            <m:e>
+                              <m:sSub>
+                                <m:sSubPr>
+                                  <m:ctrlPr>
+                                    <a:rPr lang="ko-KR" altLang="en-US" sz="2000" i="1">
+                                      <a:latin typeface="Cambria Math" panose="02040503050406030204" pitchFamily="18" charset="0"/>
+                                    </a:rPr>
+                                  </m:ctrlPr>
+                                </m:sSubPr>
+                                <m:e>
+                                  <m:r>
+                                    <a:rPr lang="en-US" altLang="ko-KR" sz="2000" i="1">
+                                      <a:latin typeface="Cambria Math" panose="02040503050406030204" pitchFamily="18" charset="0"/>
+                                    </a:rPr>
+                                    <m:t>𝑦</m:t>
+                                  </m:r>
+                                </m:e>
+                                <m:sub>
+                                  <m:r>
+                                    <a:rPr lang="en-US" altLang="ko-KR" sz="2000" i="1">
+                                      <a:latin typeface="Cambria Math" panose="02040503050406030204" pitchFamily="18" charset="0"/>
+                                    </a:rPr>
+                                    <m:t>1</m:t>
+                                  </m:r>
+                                </m:sub>
+                              </m:sSub>
+                            </m:e>
+                          </m:mr>
+                          <m:mr>
+                            <m:e>
+                              <m:r>
+                                <a:rPr lang="en-US" altLang="ko-KR" sz="2000" i="1">
+                                  <a:latin typeface="Cambria Math" panose="02040503050406030204" pitchFamily="18" charset="0"/>
+                                </a:rPr>
+                                <m:t>0</m:t>
+                              </m:r>
+                            </m:e>
+                            <m:e>
+                              <m:r>
+                                <a:rPr lang="en-US" altLang="ko-KR" sz="2000" i="1">
+                                  <a:latin typeface="Cambria Math" panose="02040503050406030204" pitchFamily="18" charset="0"/>
+                                  <a:ea typeface="Cambria Math" panose="02040503050406030204" pitchFamily="18" charset="0"/>
+                                </a:rPr>
+                                <m:t>⋱</m:t>
+                              </m:r>
+                            </m:e>
+                            <m:e>
+                              <m:r>
+                                <a:rPr lang="en-US" altLang="ko-KR" sz="2000" i="1">
+                                  <a:latin typeface="Cambria Math" panose="02040503050406030204" pitchFamily="18" charset="0"/>
+                                  <a:ea typeface="Cambria Math" panose="02040503050406030204" pitchFamily="18" charset="0"/>
+                                </a:rPr>
+                                <m:t>⋯</m:t>
+                              </m:r>
+                            </m:e>
+                            <m:e>
+                              <m:r>
+                                <a:rPr lang="en-US" altLang="ko-KR" sz="2000" i="1">
+                                  <a:latin typeface="Cambria Math" panose="02040503050406030204" pitchFamily="18" charset="0"/>
+                                  <a:ea typeface="Cambria Math" panose="02040503050406030204" pitchFamily="18" charset="0"/>
+                                </a:rPr>
+                                <m:t>0</m:t>
+                              </m:r>
+                            </m:e>
+                            <m:e>
+                              <m:sSub>
+                                <m:sSubPr>
+                                  <m:ctrlPr>
+                                    <a:rPr lang="ko-KR" altLang="en-US" sz="2000" i="1">
+                                      <a:latin typeface="Cambria Math" panose="02040503050406030204" pitchFamily="18" charset="0"/>
+                                    </a:rPr>
+                                  </m:ctrlPr>
+                                </m:sSubPr>
+                                <m:e>
+                                  <m:r>
+                                    <a:rPr lang="en-US" altLang="ko-KR" sz="2000" i="1">
+                                      <a:latin typeface="Cambria Math" panose="02040503050406030204" pitchFamily="18" charset="0"/>
+                                    </a:rPr>
+                                    <m:t>𝑦</m:t>
+                                  </m:r>
+                                </m:e>
+                                <m:sub>
+                                  <m:r>
+                                    <a:rPr lang="en-US" altLang="ko-KR" sz="2000" i="1">
+                                      <a:latin typeface="Cambria Math" panose="02040503050406030204" pitchFamily="18" charset="0"/>
+                                    </a:rPr>
+                                    <m:t>2</m:t>
+                                  </m:r>
+                                </m:sub>
+                              </m:sSub>
+                            </m:e>
+                          </m:mr>
+                          <m:mr>
+                            <m:e>
+                              <m:r>
+                                <a:rPr lang="en-US" altLang="ko-KR" sz="2000" i="1">
+                                  <a:latin typeface="Cambria Math" panose="02040503050406030204" pitchFamily="18" charset="0"/>
+                                  <a:ea typeface="Cambria Math" panose="02040503050406030204" pitchFamily="18" charset="0"/>
+                                </a:rPr>
+                                <m:t>⋮</m:t>
+                              </m:r>
+                            </m:e>
+                            <m:e/>
+                            <m:e>
+                              <m:r>
+                                <a:rPr lang="en-US" altLang="ko-KR" sz="2000" i="1">
+                                  <a:latin typeface="Cambria Math" panose="02040503050406030204" pitchFamily="18" charset="0"/>
+                                  <a:ea typeface="Cambria Math" panose="02040503050406030204" pitchFamily="18" charset="0"/>
+                                </a:rPr>
+                                <m:t>⋱</m:t>
+                              </m:r>
+                            </m:e>
+                            <m:e/>
+                            <m:e>
+                              <m:r>
+                                <a:rPr lang="en-US" altLang="ko-KR" sz="2000" i="1">
+                                  <a:latin typeface="Cambria Math" panose="02040503050406030204" pitchFamily="18" charset="0"/>
+                                  <a:ea typeface="Cambria Math" panose="02040503050406030204" pitchFamily="18" charset="0"/>
+                                </a:rPr>
+                                <m:t>⋮</m:t>
+                              </m:r>
+                            </m:e>
+                          </m:mr>
+                          <m:mr>
+                            <m:e>
+                              <m:r>
+                                <a:rPr lang="en-US" altLang="ko-KR" sz="2000" i="1">
+                                  <a:latin typeface="Cambria Math" panose="02040503050406030204" pitchFamily="18" charset="0"/>
+                                  <a:ea typeface="Cambria Math" panose="02040503050406030204" pitchFamily="18" charset="0"/>
+                                </a:rPr>
+                                <m:t>0</m:t>
+                              </m:r>
+                            </m:e>
+                            <m:e>
+                              <m:r>
+                                <a:rPr lang="en-US" altLang="ko-KR" sz="2000" i="1">
+                                  <a:latin typeface="Cambria Math" panose="02040503050406030204" pitchFamily="18" charset="0"/>
+                                  <a:ea typeface="Cambria Math" panose="02040503050406030204" pitchFamily="18" charset="0"/>
+                                </a:rPr>
+                                <m:t>⋯</m:t>
+                              </m:r>
+                            </m:e>
+                            <m:e>
+                              <m:r>
+                                <a:rPr lang="en-US" altLang="ko-KR" sz="2000" i="1">
+                                  <a:latin typeface="Cambria Math" panose="02040503050406030204" pitchFamily="18" charset="0"/>
+                                  <a:ea typeface="Cambria Math" panose="02040503050406030204" pitchFamily="18" charset="0"/>
+                                </a:rPr>
+                                <m:t>0</m:t>
+                              </m:r>
+                            </m:e>
+                            <m:e>
+                              <m:sSub>
+                                <m:sSubPr>
+                                  <m:ctrlPr>
+                                    <a:rPr lang="ko-KR" altLang="en-US" sz="2000" i="1">
+                                      <a:latin typeface="Cambria Math" panose="02040503050406030204" pitchFamily="18" charset="0"/>
+                                    </a:rPr>
+                                  </m:ctrlPr>
+                                </m:sSubPr>
+                                <m:e>
+                                  <m:r>
+                                    <a:rPr lang="en-US" altLang="ko-KR" sz="2000" i="1">
+                                      <a:latin typeface="Cambria Math" panose="02040503050406030204" pitchFamily="18" charset="0"/>
+                                    </a:rPr>
+                                    <m:t>𝑦</m:t>
+                                  </m:r>
+                                </m:e>
+                                <m:sub>
+                                  <m:r>
+                                    <a:rPr lang="en-US" altLang="ko-KR" sz="2000" i="1">
+                                      <a:latin typeface="Cambria Math" panose="02040503050406030204" pitchFamily="18" charset="0"/>
+                                    </a:rPr>
+                                    <m:t>𝑘</m:t>
+                                  </m:r>
+                                  <m:r>
+                                    <a:rPr lang="en-US" altLang="ko-KR" sz="2000" i="1">
+                                      <a:latin typeface="Cambria Math" panose="02040503050406030204" pitchFamily="18" charset="0"/>
+                                    </a:rPr>
+                                    <m:t>+1</m:t>
+                                  </m:r>
+                                </m:sub>
+                              </m:sSub>
+                            </m:e>
+                            <m:e>
+                              <m:sSub>
+                                <m:sSubPr>
+                                  <m:ctrlPr>
+                                    <a:rPr lang="ko-KR" altLang="en-US" sz="2000" i="1">
+                                      <a:latin typeface="Cambria Math" panose="02040503050406030204" pitchFamily="18" charset="0"/>
+                                    </a:rPr>
+                                  </m:ctrlPr>
+                                </m:sSubPr>
+                                <m:e>
+                                  <m:r>
+                                    <a:rPr lang="en-US" altLang="ko-KR" sz="2000" i="1">
+                                      <a:latin typeface="Cambria Math" panose="02040503050406030204" pitchFamily="18" charset="0"/>
+                                    </a:rPr>
+                                    <m:t>𝑦</m:t>
+                                  </m:r>
+                                </m:e>
+                                <m:sub>
+                                  <m:r>
+                                    <a:rPr lang="en-US" altLang="ko-KR" sz="2000" i="1">
+                                      <a:latin typeface="Cambria Math" panose="02040503050406030204" pitchFamily="18" charset="0"/>
+                                    </a:rPr>
+                                    <m:t>𝑘</m:t>
+                                  </m:r>
+                                </m:sub>
+                              </m:sSub>
+                            </m:e>
+                          </m:mr>
+                          <m:mr>
+                            <m:e>
+                              <m:r>
+                                <a:rPr lang="en-US" altLang="ko-KR" sz="2000" i="1">
+                                  <a:latin typeface="Cambria Math" panose="02040503050406030204" pitchFamily="18" charset="0"/>
+                                </a:rPr>
+                                <m:t>−</m:t>
+                              </m:r>
+                              <m:sSub>
+                                <m:sSubPr>
+                                  <m:ctrlPr>
+                                    <a:rPr lang="ko-KR" altLang="en-US" sz="2000" i="1">
+                                      <a:latin typeface="Cambria Math" panose="02040503050406030204" pitchFamily="18" charset="0"/>
+                                    </a:rPr>
+                                  </m:ctrlPr>
+                                </m:sSubPr>
+                                <m:e>
+                                  <m:r>
+                                    <a:rPr lang="en-US" altLang="ko-KR" sz="2000" i="1">
+                                      <a:latin typeface="Cambria Math" panose="02040503050406030204" pitchFamily="18" charset="0"/>
+                                    </a:rPr>
+                                    <m:t>𝑦</m:t>
+                                  </m:r>
+                                </m:e>
+                                <m:sub>
+                                  <m:r>
+                                    <a:rPr lang="en-US" altLang="ko-KR" sz="2000" i="1">
+                                      <a:latin typeface="Cambria Math" panose="02040503050406030204" pitchFamily="18" charset="0"/>
+                                    </a:rPr>
+                                    <m:t>𝑘</m:t>
+                                  </m:r>
+                                  <m:r>
+                                    <a:rPr lang="en-US" altLang="ko-KR" sz="2000" i="1">
+                                      <a:latin typeface="Cambria Math" panose="02040503050406030204" pitchFamily="18" charset="0"/>
+                                    </a:rPr>
+                                    <m:t>+1</m:t>
+                                  </m:r>
+                                </m:sub>
+                              </m:sSub>
+                            </m:e>
+                            <m:e>
+                              <m:r>
+                                <a:rPr lang="en-US" altLang="ko-KR" sz="2000" i="1">
+                                  <a:latin typeface="Cambria Math" panose="02040503050406030204" pitchFamily="18" charset="0"/>
+                                  <a:ea typeface="Cambria Math" panose="02040503050406030204" pitchFamily="18" charset="0"/>
+                                </a:rPr>
+                                <m:t>⋯</m:t>
+                              </m:r>
+                            </m:e>
+                            <m:e>
+                              <m:r>
+                                <a:rPr lang="en-US" altLang="ko-KR" sz="2000" i="1">
+                                  <a:latin typeface="Cambria Math" panose="02040503050406030204" pitchFamily="18" charset="0"/>
+                                  <a:ea typeface="Cambria Math" panose="02040503050406030204" pitchFamily="18" charset="0"/>
+                                </a:rPr>
+                                <m:t>⋯</m:t>
+                              </m:r>
+                            </m:e>
+                            <m:e>
+                              <m:r>
+                                <a:rPr lang="en-US" altLang="ko-KR" sz="2000" i="1">
+                                  <a:latin typeface="Cambria Math" panose="02040503050406030204" pitchFamily="18" charset="0"/>
+                                </a:rPr>
+                                <m:t>−</m:t>
+                              </m:r>
+                              <m:sSub>
+                                <m:sSubPr>
+                                  <m:ctrlPr>
+                                    <a:rPr lang="ko-KR" altLang="en-US" sz="2000" i="1">
+                                      <a:latin typeface="Cambria Math" panose="02040503050406030204" pitchFamily="18" charset="0"/>
+                                    </a:rPr>
+                                  </m:ctrlPr>
+                                </m:sSubPr>
+                                <m:e>
+                                  <m:r>
+                                    <a:rPr lang="en-US" altLang="ko-KR" sz="2000" i="1">
+                                      <a:latin typeface="Cambria Math" panose="02040503050406030204" pitchFamily="18" charset="0"/>
+                                    </a:rPr>
+                                    <m:t>𝑦</m:t>
+                                  </m:r>
+                                </m:e>
+                                <m:sub>
+                                  <m:r>
+                                    <a:rPr lang="en-US" altLang="ko-KR" sz="2000" i="1">
+                                      <a:latin typeface="Cambria Math" panose="02040503050406030204" pitchFamily="18" charset="0"/>
+                                    </a:rPr>
+                                    <m:t>𝑘</m:t>
+                                  </m:r>
+                                  <m:r>
+                                    <a:rPr lang="en-US" altLang="ko-KR" sz="2000" i="1">
+                                      <a:latin typeface="Cambria Math" panose="02040503050406030204" pitchFamily="18" charset="0"/>
+                                    </a:rPr>
+                                    <m:t>+1</m:t>
+                                  </m:r>
+                                </m:sub>
+                              </m:sSub>
+                            </m:e>
+                            <m:e>
+                              <m:r>
+                                <m:rPr>
+                                  <m:nor/>
+                                </m:rPr>
+                                <a:rPr lang="en-US" altLang="ko-KR" sz="2000" dirty="0"/>
+                                <m:t>(1−</m:t>
+                              </m:r>
+                              <m:r>
+                                <m:rPr>
+                                  <m:nor/>
+                                </m:rPr>
+                                <a:rPr lang="ko-KR" altLang="en-US" sz="2000" dirty="0"/>
+                                <m:t> </m:t>
+                              </m:r>
+                              <m:sSub>
+                                <m:sSubPr>
+                                  <m:ctrlPr>
+                                    <a:rPr lang="ko-KR" altLang="en-US" sz="2000" i="1">
+                                      <a:latin typeface="Cambria Math" panose="02040503050406030204" pitchFamily="18" charset="0"/>
+                                    </a:rPr>
+                                  </m:ctrlPr>
+                                </m:sSubPr>
+                                <m:e>
+                                  <m:r>
+                                    <a:rPr lang="en-US" altLang="ko-KR" sz="2000" i="1">
+                                      <a:latin typeface="Cambria Math" panose="02040503050406030204" pitchFamily="18" charset="0"/>
+                                    </a:rPr>
+                                    <m:t>𝑦</m:t>
+                                  </m:r>
+                                </m:e>
+                                <m:sub>
+                                  <m:r>
+                                    <a:rPr lang="en-US" altLang="ko-KR" sz="2000" i="1">
+                                      <a:latin typeface="Cambria Math" panose="02040503050406030204" pitchFamily="18" charset="0"/>
+                                    </a:rPr>
+                                    <m:t>1</m:t>
+                                  </m:r>
+                                </m:sub>
+                              </m:sSub>
+                              <m:r>
+                                <m:rPr>
+                                  <m:nor/>
+                                </m:rPr>
+                                <a:rPr lang="en-US" altLang="ko-KR" sz="2000" dirty="0"/>
+                                <m:t>−</m:t>
+                              </m:r>
+                              <m:r>
+                                <a:rPr lang="en-US" altLang="ko-KR" sz="2000" i="1">
+                                  <a:latin typeface="Cambria Math" panose="02040503050406030204" pitchFamily="18" charset="0"/>
+                                </a:rPr>
+                                <m:t>…−</m:t>
+                              </m:r>
+                              <m:sSub>
+                                <m:sSubPr>
+                                  <m:ctrlPr>
+                                    <a:rPr lang="ko-KR" altLang="en-US" sz="2000" i="1">
+                                      <a:latin typeface="Cambria Math" panose="02040503050406030204" pitchFamily="18" charset="0"/>
+                                    </a:rPr>
+                                  </m:ctrlPr>
+                                </m:sSubPr>
+                                <m:e>
+                                  <m:r>
+                                    <a:rPr lang="en-US" altLang="ko-KR" sz="2000" i="1">
+                                      <a:latin typeface="Cambria Math" panose="02040503050406030204" pitchFamily="18" charset="0"/>
+                                    </a:rPr>
+                                    <m:t>𝑦</m:t>
+                                  </m:r>
+                                </m:e>
+                                <m:sub>
+                                  <m:r>
+                                    <a:rPr lang="en-US" altLang="ko-KR" sz="2000" i="1">
+                                      <a:latin typeface="Cambria Math" panose="02040503050406030204" pitchFamily="18" charset="0"/>
+                                    </a:rPr>
+                                    <m:t>𝑘</m:t>
+                                  </m:r>
+                                </m:sub>
+                              </m:sSub>
+                              <m:r>
+                                <a:rPr lang="en-US" altLang="ko-KR" sz="2000" i="1">
+                                  <a:latin typeface="Cambria Math" panose="02040503050406030204" pitchFamily="18" charset="0"/>
+                                </a:rPr>
+                                <m:t>)</m:t>
+                              </m:r>
+                            </m:e>
+                          </m:mr>
+                        </m:m>
+                      </m:e>
+                    </m:d>
+                  </m:oMath>
+                </a14:m>
+                <a:br>
+                  <a:rPr lang="en-US" altLang="ko-KR" sz="2000" dirty="0"/>
+                </a:br>
+                <a:endParaRPr lang="en-US" altLang="ko-KR" sz="2000" dirty="0"/>
+              </a:p>
+              <a:p>
+                <a:pPr algn="ctr">
+                  <a:buFontTx/>
+                  <a:buChar char="-"/>
+                </a:pPr>
+                <a:r>
+                  <a:rPr lang="ko-KR" altLang="en-US" sz="2000" dirty="0"/>
+                  <a:t>위 </a:t>
+                </a:r>
+                <a:r>
+                  <a:rPr lang="ko-KR" altLang="en-US" sz="2000" dirty="0" err="1"/>
+                  <a:t>야코비</a:t>
+                </a:r>
+                <a:r>
+                  <a:rPr lang="ko-KR" altLang="en-US" sz="2000" dirty="0"/>
+                  <a:t> 행렬에서</a:t>
+                </a:r>
+                <a:r>
+                  <a:rPr lang="en-US" altLang="ko-KR" sz="2000" dirty="0"/>
+                  <a:t>, </a:t>
+                </a:r>
+                <a:r>
+                  <a:rPr lang="ko-KR" altLang="en-US" sz="2000" dirty="0"/>
+                  <a:t>각 행을 마지막 행에 계속 더하면 다음과 같은 행렬이 된다</a:t>
+                </a:r>
+                <a:r>
+                  <a:rPr lang="en-US" altLang="ko-KR" sz="2000" dirty="0"/>
+                  <a:t>.</a:t>
+                </a:r>
+                <a:br>
+                  <a:rPr lang="en-US" altLang="ko-KR" sz="2000" dirty="0"/>
+                </a:br>
+                <a:br>
+                  <a:rPr lang="en-US" altLang="ko-KR" sz="2000" dirty="0"/>
+                </a:br>
+                <a:r>
+                  <a:rPr lang="en-US" altLang="ko-KR" sz="2000" dirty="0"/>
+                  <a:t>det</a:t>
+                </a:r>
+                <a14:m>
+                  <m:oMath xmlns:m="http://schemas.openxmlformats.org/officeDocument/2006/math">
+                    <m:d>
+                      <m:dPr>
+                        <m:begChr m:val="["/>
+                        <m:endChr m:val="]"/>
+                        <m:ctrlPr>
+                          <a:rPr lang="en-US" altLang="ko-KR" sz="2000" i="1">
+                            <a:latin typeface="Cambria Math" panose="02040503050406030204" pitchFamily="18" charset="0"/>
+                          </a:rPr>
+                        </m:ctrlPr>
+                      </m:dPr>
+                      <m:e>
+                        <m:m>
+                          <m:mPr>
+                            <m:mcs>
+                              <m:mc>
+                                <m:mcPr>
+                                  <m:count m:val="5"/>
+                                  <m:mcJc m:val="center"/>
+                                </m:mcPr>
+                              </m:mc>
+                            </m:mcs>
+                            <m:ctrlPr>
+                              <a:rPr lang="en-US" altLang="ko-KR" sz="2000" i="1">
+                                <a:latin typeface="Cambria Math" panose="02040503050406030204" pitchFamily="18" charset="0"/>
+                              </a:rPr>
+                            </m:ctrlPr>
+                          </m:mPr>
+                          <m:mr>
+                            <m:e>
+                              <m:sSub>
+                                <m:sSubPr>
+                                  <m:ctrlPr>
+                                    <a:rPr lang="ko-KR" altLang="en-US" sz="2000" i="1">
+                                      <a:latin typeface="Cambria Math" panose="02040503050406030204" pitchFamily="18" charset="0"/>
+                                    </a:rPr>
+                                  </m:ctrlPr>
+                                </m:sSubPr>
+                                <m:e>
+                                  <m:r>
+                                    <a:rPr lang="en-US" altLang="ko-KR" sz="2000" i="1">
+                                      <a:latin typeface="Cambria Math" panose="02040503050406030204" pitchFamily="18" charset="0"/>
+                                    </a:rPr>
+                                    <m:t>𝑦</m:t>
+                                  </m:r>
+                                </m:e>
+                                <m:sub>
+                                  <m:r>
+                                    <a:rPr lang="en-US" altLang="ko-KR" sz="2000" i="1">
+                                      <a:latin typeface="Cambria Math" panose="02040503050406030204" pitchFamily="18" charset="0"/>
+                                    </a:rPr>
+                                    <m:t>𝑘</m:t>
+                                  </m:r>
+                                  <m:r>
+                                    <a:rPr lang="en-US" altLang="ko-KR" sz="2000" i="1">
+                                      <a:latin typeface="Cambria Math" panose="02040503050406030204" pitchFamily="18" charset="0"/>
+                                    </a:rPr>
+                                    <m:t>+1</m:t>
+                                  </m:r>
+                                </m:sub>
+                              </m:sSub>
+                            </m:e>
+                            <m:e>
+                              <m:r>
+                                <a:rPr lang="en-US" altLang="ko-KR" sz="2000" i="1">
+                                  <a:latin typeface="Cambria Math" panose="02040503050406030204" pitchFamily="18" charset="0"/>
+                                </a:rPr>
+                                <m:t>0</m:t>
+                              </m:r>
+                            </m:e>
+                            <m:e>
+                              <m:r>
+                                <a:rPr lang="en-US" altLang="ko-KR" sz="2000" i="1">
+                                  <a:latin typeface="Cambria Math" panose="02040503050406030204" pitchFamily="18" charset="0"/>
+                                  <a:ea typeface="Cambria Math" panose="02040503050406030204" pitchFamily="18" charset="0"/>
+                                </a:rPr>
+                                <m:t>⋯</m:t>
+                              </m:r>
+                            </m:e>
+                            <m:e>
+                              <m:r>
+                                <a:rPr lang="en-US" altLang="ko-KR" sz="2000" i="1">
+                                  <a:latin typeface="Cambria Math" panose="02040503050406030204" pitchFamily="18" charset="0"/>
+                                </a:rPr>
+                                <m:t>0</m:t>
+                              </m:r>
+                            </m:e>
+                            <m:e>
+                              <m:sSub>
+                                <m:sSubPr>
+                                  <m:ctrlPr>
+                                    <a:rPr lang="ko-KR" altLang="en-US" sz="2000" i="1">
+                                      <a:latin typeface="Cambria Math" panose="02040503050406030204" pitchFamily="18" charset="0"/>
+                                    </a:rPr>
+                                  </m:ctrlPr>
+                                </m:sSubPr>
+                                <m:e>
+                                  <m:r>
+                                    <a:rPr lang="en-US" altLang="ko-KR" sz="2000" i="1">
+                                      <a:latin typeface="Cambria Math" panose="02040503050406030204" pitchFamily="18" charset="0"/>
+                                    </a:rPr>
+                                    <m:t>𝑦</m:t>
+                                  </m:r>
+                                </m:e>
+                                <m:sub>
+                                  <m:r>
+                                    <a:rPr lang="en-US" altLang="ko-KR" sz="2000" i="1">
+                                      <a:latin typeface="Cambria Math" panose="02040503050406030204" pitchFamily="18" charset="0"/>
+                                    </a:rPr>
+                                    <m:t>1</m:t>
+                                  </m:r>
+                                </m:sub>
+                              </m:sSub>
+                            </m:e>
+                          </m:mr>
+                          <m:mr>
+                            <m:e>
+                              <m:r>
+                                <a:rPr lang="en-US" altLang="ko-KR" sz="2000" i="1">
+                                  <a:latin typeface="Cambria Math" panose="02040503050406030204" pitchFamily="18" charset="0"/>
+                                </a:rPr>
+                                <m:t>0</m:t>
+                              </m:r>
+                            </m:e>
+                            <m:e>
+                              <m:r>
+                                <a:rPr lang="en-US" altLang="ko-KR" sz="2000" i="1">
+                                  <a:latin typeface="Cambria Math" panose="02040503050406030204" pitchFamily="18" charset="0"/>
+                                  <a:ea typeface="Cambria Math" panose="02040503050406030204" pitchFamily="18" charset="0"/>
+                                </a:rPr>
+                                <m:t>⋱</m:t>
+                              </m:r>
+                            </m:e>
+                            <m:e>
+                              <m:r>
+                                <a:rPr lang="en-US" altLang="ko-KR" sz="2000" i="1">
+                                  <a:latin typeface="Cambria Math" panose="02040503050406030204" pitchFamily="18" charset="0"/>
+                                  <a:ea typeface="Cambria Math" panose="02040503050406030204" pitchFamily="18" charset="0"/>
+                                </a:rPr>
+                                <m:t>⋯</m:t>
+                              </m:r>
+                            </m:e>
+                            <m:e>
+                              <m:r>
+                                <a:rPr lang="en-US" altLang="ko-KR" sz="2000" i="1">
+                                  <a:latin typeface="Cambria Math" panose="02040503050406030204" pitchFamily="18" charset="0"/>
+                                  <a:ea typeface="Cambria Math" panose="02040503050406030204" pitchFamily="18" charset="0"/>
+                                </a:rPr>
+                                <m:t>0</m:t>
+                              </m:r>
+                            </m:e>
+                            <m:e>
+                              <m:sSub>
+                                <m:sSubPr>
+                                  <m:ctrlPr>
+                                    <a:rPr lang="ko-KR" altLang="en-US" sz="2000" i="1">
+                                      <a:latin typeface="Cambria Math" panose="02040503050406030204" pitchFamily="18" charset="0"/>
+                                    </a:rPr>
+                                  </m:ctrlPr>
+                                </m:sSubPr>
+                                <m:e>
+                                  <m:r>
+                                    <a:rPr lang="en-US" altLang="ko-KR" sz="2000" i="1">
+                                      <a:latin typeface="Cambria Math" panose="02040503050406030204" pitchFamily="18" charset="0"/>
+                                    </a:rPr>
+                                    <m:t>𝑦</m:t>
+                                  </m:r>
+                                </m:e>
+                                <m:sub>
+                                  <m:r>
+                                    <a:rPr lang="en-US" altLang="ko-KR" sz="2000" i="1">
+                                      <a:latin typeface="Cambria Math" panose="02040503050406030204" pitchFamily="18" charset="0"/>
+                                    </a:rPr>
+                                    <m:t>2</m:t>
+                                  </m:r>
+                                </m:sub>
+                              </m:sSub>
+                            </m:e>
+                          </m:mr>
+                          <m:mr>
+                            <m:e>
+                              <m:r>
+                                <a:rPr lang="en-US" altLang="ko-KR" sz="2000" i="1">
+                                  <a:latin typeface="Cambria Math" panose="02040503050406030204" pitchFamily="18" charset="0"/>
+                                  <a:ea typeface="Cambria Math" panose="02040503050406030204" pitchFamily="18" charset="0"/>
+                                </a:rPr>
+                                <m:t>⋮</m:t>
+                              </m:r>
+                            </m:e>
+                            <m:e/>
+                            <m:e>
+                              <m:r>
+                                <a:rPr lang="en-US" altLang="ko-KR" sz="2000" i="1">
+                                  <a:latin typeface="Cambria Math" panose="02040503050406030204" pitchFamily="18" charset="0"/>
+                                  <a:ea typeface="Cambria Math" panose="02040503050406030204" pitchFamily="18" charset="0"/>
+                                </a:rPr>
+                                <m:t>⋱</m:t>
+                              </m:r>
+                            </m:e>
+                            <m:e/>
+                            <m:e>
+                              <m:r>
+                                <a:rPr lang="en-US" altLang="ko-KR" sz="2000" i="1">
+                                  <a:latin typeface="Cambria Math" panose="02040503050406030204" pitchFamily="18" charset="0"/>
+                                  <a:ea typeface="Cambria Math" panose="02040503050406030204" pitchFamily="18" charset="0"/>
+                                </a:rPr>
+                                <m:t>⋮</m:t>
+                              </m:r>
+                            </m:e>
+                          </m:mr>
+                          <m:mr>
+                            <m:e>
+                              <m:r>
+                                <a:rPr lang="en-US" altLang="ko-KR" sz="2000" i="1">
+                                  <a:latin typeface="Cambria Math" panose="02040503050406030204" pitchFamily="18" charset="0"/>
+                                  <a:ea typeface="Cambria Math" panose="02040503050406030204" pitchFamily="18" charset="0"/>
+                                </a:rPr>
+                                <m:t>0</m:t>
+                              </m:r>
+                            </m:e>
+                            <m:e>
+                              <m:r>
+                                <a:rPr lang="en-US" altLang="ko-KR" sz="2000" i="1">
+                                  <a:latin typeface="Cambria Math" panose="02040503050406030204" pitchFamily="18" charset="0"/>
+                                  <a:ea typeface="Cambria Math" panose="02040503050406030204" pitchFamily="18" charset="0"/>
+                                </a:rPr>
+                                <m:t>⋯</m:t>
+                              </m:r>
+                            </m:e>
+                            <m:e>
+                              <m:r>
+                                <a:rPr lang="en-US" altLang="ko-KR" sz="2000" i="1">
+                                  <a:latin typeface="Cambria Math" panose="02040503050406030204" pitchFamily="18" charset="0"/>
+                                  <a:ea typeface="Cambria Math" panose="02040503050406030204" pitchFamily="18" charset="0"/>
+                                </a:rPr>
+                                <m:t>0</m:t>
+                              </m:r>
+                            </m:e>
+                            <m:e>
+                              <m:sSub>
+                                <m:sSubPr>
+                                  <m:ctrlPr>
+                                    <a:rPr lang="ko-KR" altLang="en-US" sz="2000" i="1">
+                                      <a:latin typeface="Cambria Math" panose="02040503050406030204" pitchFamily="18" charset="0"/>
+                                    </a:rPr>
+                                  </m:ctrlPr>
+                                </m:sSubPr>
+                                <m:e>
+                                  <m:r>
+                                    <a:rPr lang="en-US" altLang="ko-KR" sz="2000" i="1">
+                                      <a:latin typeface="Cambria Math" panose="02040503050406030204" pitchFamily="18" charset="0"/>
+                                    </a:rPr>
+                                    <m:t>𝑦</m:t>
+                                  </m:r>
+                                </m:e>
+                                <m:sub>
+                                  <m:r>
+                                    <a:rPr lang="en-US" altLang="ko-KR" sz="2000" i="1">
+                                      <a:latin typeface="Cambria Math" panose="02040503050406030204" pitchFamily="18" charset="0"/>
+                                    </a:rPr>
+                                    <m:t>𝑘</m:t>
+                                  </m:r>
+                                  <m:r>
+                                    <a:rPr lang="en-US" altLang="ko-KR" sz="2000" i="1">
+                                      <a:latin typeface="Cambria Math" panose="02040503050406030204" pitchFamily="18" charset="0"/>
+                                    </a:rPr>
+                                    <m:t>+1</m:t>
+                                  </m:r>
+                                </m:sub>
+                              </m:sSub>
+                            </m:e>
+                            <m:e>
+                              <m:sSub>
+                                <m:sSubPr>
+                                  <m:ctrlPr>
+                                    <a:rPr lang="ko-KR" altLang="en-US" sz="2000" i="1">
+                                      <a:latin typeface="Cambria Math" panose="02040503050406030204" pitchFamily="18" charset="0"/>
+                                    </a:rPr>
+                                  </m:ctrlPr>
+                                </m:sSubPr>
+                                <m:e>
+                                  <m:r>
+                                    <a:rPr lang="en-US" altLang="ko-KR" sz="2000" i="1">
+                                      <a:latin typeface="Cambria Math" panose="02040503050406030204" pitchFamily="18" charset="0"/>
+                                    </a:rPr>
+                                    <m:t>𝑦</m:t>
+                                  </m:r>
+                                </m:e>
+                                <m:sub>
+                                  <m:r>
+                                    <a:rPr lang="en-US" altLang="ko-KR" sz="2000" i="1">
+                                      <a:latin typeface="Cambria Math" panose="02040503050406030204" pitchFamily="18" charset="0"/>
+                                    </a:rPr>
+                                    <m:t>𝑘</m:t>
+                                  </m:r>
+                                </m:sub>
+                              </m:sSub>
+                            </m:e>
+                          </m:mr>
+                          <m:mr>
+                            <m:e>
+                              <m:r>
+                                <a:rPr lang="en-US" altLang="ko-KR" sz="2000" b="0" i="1" smtClean="0">
+                                  <a:latin typeface="Cambria Math" panose="02040503050406030204" pitchFamily="18" charset="0"/>
+                                </a:rPr>
+                                <m:t>0</m:t>
+                              </m:r>
+                            </m:e>
+                            <m:e>
+                              <m:r>
+                                <a:rPr lang="en-US" altLang="ko-KR" sz="2000" i="1">
+                                  <a:latin typeface="Cambria Math" panose="02040503050406030204" pitchFamily="18" charset="0"/>
+                                  <a:ea typeface="Cambria Math" panose="02040503050406030204" pitchFamily="18" charset="0"/>
+                                </a:rPr>
+                                <m:t>⋯</m:t>
+                              </m:r>
+                            </m:e>
+                            <m:e>
+                              <m:r>
+                                <a:rPr lang="en-US" altLang="ko-KR" sz="2000" i="1">
+                                  <a:latin typeface="Cambria Math" panose="02040503050406030204" pitchFamily="18" charset="0"/>
+                                  <a:ea typeface="Cambria Math" panose="02040503050406030204" pitchFamily="18" charset="0"/>
+                                </a:rPr>
+                                <m:t>⋯</m:t>
+                              </m:r>
+                            </m:e>
+                            <m:e>
+                              <m:r>
+                                <a:rPr lang="en-US" altLang="ko-KR" sz="2000" b="0" i="1" smtClean="0">
+                                  <a:latin typeface="Cambria Math" panose="02040503050406030204" pitchFamily="18" charset="0"/>
+                                  <a:ea typeface="Cambria Math" panose="02040503050406030204" pitchFamily="18" charset="0"/>
+                                </a:rPr>
+                                <m:t>0</m:t>
+                              </m:r>
+                            </m:e>
+                            <m:e>
+                              <m:r>
+                                <a:rPr lang="en-US" altLang="ko-KR" sz="2000" b="0" i="1" smtClean="0">
+                                  <a:latin typeface="Cambria Math" panose="02040503050406030204" pitchFamily="18" charset="0"/>
+                                </a:rPr>
+                                <m:t>1</m:t>
+                              </m:r>
+                            </m:e>
+                          </m:mr>
+                        </m:m>
+                      </m:e>
+                    </m:d>
+                  </m:oMath>
+                </a14:m>
+                <a:r>
+                  <a:rPr lang="en-US" altLang="ko-KR" sz="2000" dirty="0"/>
+                  <a:t> = </a:t>
+                </a:r>
+                <a14:m>
+                  <m:oMath xmlns:m="http://schemas.openxmlformats.org/officeDocument/2006/math">
+                    <m:sSubSup>
+                      <m:sSubSupPr>
+                        <m:ctrlPr>
+                          <a:rPr lang="en-US" altLang="ko-KR" sz="2000" i="1" smtClean="0">
+                            <a:latin typeface="Cambria Math" panose="02040503050406030204" pitchFamily="18" charset="0"/>
+                          </a:rPr>
+                        </m:ctrlPr>
+                      </m:sSubSupPr>
+                      <m:e>
+                        <m:r>
+                          <a:rPr lang="en-US" altLang="ko-KR" sz="2000" b="0" i="1" smtClean="0">
+                            <a:latin typeface="Cambria Math" panose="02040503050406030204" pitchFamily="18" charset="0"/>
+                          </a:rPr>
+                          <m:t>𝑦</m:t>
+                        </m:r>
+                      </m:e>
+                      <m:sub>
+                        <m:r>
+                          <a:rPr lang="en-US" altLang="ko-KR" sz="2000" b="0" i="1" smtClean="0">
+                            <a:latin typeface="Cambria Math" panose="02040503050406030204" pitchFamily="18" charset="0"/>
+                          </a:rPr>
+                          <m:t>𝑘</m:t>
+                        </m:r>
+                        <m:r>
+                          <a:rPr lang="en-US" altLang="ko-KR" sz="2000" b="0" i="1" smtClean="0">
+                            <a:latin typeface="Cambria Math" panose="02040503050406030204" pitchFamily="18" charset="0"/>
+                          </a:rPr>
+                          <m:t>+1</m:t>
+                        </m:r>
+                      </m:sub>
+                      <m:sup>
+                        <m:r>
+                          <a:rPr lang="en-US" altLang="ko-KR" sz="2000" b="0" i="1" smtClean="0">
+                            <a:latin typeface="Cambria Math" panose="02040503050406030204" pitchFamily="18" charset="0"/>
+                          </a:rPr>
+                          <m:t>𝑘</m:t>
+                        </m:r>
+                      </m:sup>
+                    </m:sSubSup>
+                  </m:oMath>
+                </a14:m>
+                <a:endParaRPr lang="en-US" altLang="ko-KR" sz="2000" dirty="0"/>
+              </a:p>
+            </p:txBody>
+          </p:sp>
+        </mc:Choice>
+        <mc:Fallback>
+          <p:sp>
+            <p:nvSpPr>
+              <p:cNvPr id="3" name="내용 개체 틀 2">
+                <a:extLst>
+                  <a:ext uri="{FF2B5EF4-FFF2-40B4-BE49-F238E27FC236}">
+                    <a16:creationId xmlns:a16="http://schemas.microsoft.com/office/drawing/2014/main" id="{6DF751B5-0230-48CF-BF82-8F9FE551FF65}"/>
+                  </a:ext>
+                </a:extLst>
+              </p:cNvPr>
+              <p:cNvSpPr>
+                <a:spLocks noGrp="1" noRot="1" noChangeAspect="1" noMove="1" noResize="1" noEditPoints="1" noAdjustHandles="1" noChangeArrowheads="1" noChangeShapeType="1" noTextEdit="1"/>
+              </p:cNvSpPr>
+              <p:nvPr>
+                <p:ph idx="1"/>
+              </p:nvPr>
+            </p:nvSpPr>
+            <p:spPr>
+              <a:blipFill>
+                <a:blip r:embed="rId2"/>
+                <a:stretch>
+                  <a:fillRect l="-812" t="-1401"/>
+                </a:stretch>
+              </a:blipFill>
+            </p:spPr>
+            <p:txBody>
+              <a:bodyPr/>
+              <a:lstStyle/>
+              <a:p>
+                <a:r>
+                  <a:rPr lang="ko-KR" altLang="en-US">
+                    <a:noFill/>
+                  </a:rPr>
+                  <a:t> </a:t>
+                </a:r>
+              </a:p>
+            </p:txBody>
+          </p:sp>
+        </mc:Fallback>
+      </mc:AlternateContent>
+    </p:spTree>
+    <p:extLst>
+      <p:ext uri="{BB962C8B-B14F-4D97-AF65-F5344CB8AC3E}">
+        <p14:creationId xmlns:p14="http://schemas.microsoft.com/office/powerpoint/2010/main" val="4063103872"/>
+      </p:ext>
+    </p:extLst>
+  </p:cSld>
+  <p:clrMapOvr>
+    <a:masterClrMapping/>
+  </p:clrMapOvr>
+</p:sld>
+</file>
+
+<file path=ppt/slides/slide7.xml><?xml version="1.0" encoding="utf-8"?>
+<p:sld xmlns:a="http://schemas.openxmlformats.org/drawingml/2006/main" xmlns:r="http://schemas.openxmlformats.org/officeDocument/2006/relationships" xmlns:p="http://schemas.openxmlformats.org/presentationml/2006/main">
+  <p:cSld>
+    <p:spTree>
+      <p:nvGrpSpPr>
+        <p:cNvPr id="1" name=""/>
+        <p:cNvGrpSpPr/>
+        <p:nvPr/>
+      </p:nvGrpSpPr>
+      <p:grpSpPr>
+        <a:xfrm>
+          <a:off x="0" y="0"/>
+          <a:ext cx="0" cy="0"/>
+          <a:chOff x="0" y="0"/>
+          <a:chExt cx="0" cy="0"/>
+        </a:xfrm>
+      </p:grpSpPr>
+      <p:sp>
+        <p:nvSpPr>
+          <p:cNvPr id="2" name="제목 1">
+            <a:extLst>
+              <a:ext uri="{FF2B5EF4-FFF2-40B4-BE49-F238E27FC236}">
+                <a16:creationId xmlns:a16="http://schemas.microsoft.com/office/drawing/2014/main" id="{1E66989A-4652-46FC-A43C-35A74D4510C3}"/>
+              </a:ext>
+            </a:extLst>
+          </p:cNvPr>
+          <p:cNvSpPr>
+            <a:spLocks noGrp="1"/>
+          </p:cNvSpPr>
+          <p:nvPr>
+            <p:ph type="title"/>
+          </p:nvPr>
+        </p:nvSpPr>
+        <p:spPr/>
+        <p:txBody>
+          <a:bodyPr/>
+          <a:lstStyle/>
+          <a:p>
+            <a:r>
+              <a:rPr lang="ko-KR" altLang="en-US" dirty="0"/>
+              <a:t>정의</a:t>
+            </a:r>
+          </a:p>
+        </p:txBody>
+      </p:sp>
+      <mc:AlternateContent xmlns:mc="http://schemas.openxmlformats.org/markup-compatibility/2006">
+        <mc:Choice xmlns:a14="http://schemas.microsoft.com/office/drawing/2010/main" Requires="a14">
+          <p:sp>
+            <p:nvSpPr>
+              <p:cNvPr id="3" name="내용 개체 틀 2">
+                <a:extLst>
+                  <a:ext uri="{FF2B5EF4-FFF2-40B4-BE49-F238E27FC236}">
+                    <a16:creationId xmlns:a16="http://schemas.microsoft.com/office/drawing/2014/main" id="{B244F9A7-8D58-42D5-99D8-3723021977D4}"/>
+                  </a:ext>
+                </a:extLst>
+              </p:cNvPr>
+              <p:cNvSpPr>
+                <a:spLocks noGrp="1"/>
+              </p:cNvSpPr>
+              <p:nvPr>
+                <p:ph idx="1"/>
+              </p:nvPr>
+            </p:nvSpPr>
+            <p:spPr/>
+            <p:txBody>
+              <a:bodyPr/>
+              <a:lstStyle/>
+              <a:p>
+                <a:r>
+                  <a:rPr lang="ko-KR" altLang="en-US" sz="2000" dirty="0"/>
+                  <a:t>디리클레 분포</a:t>
+                </a:r>
+                <a:endParaRPr lang="en-US" altLang="ko-KR" sz="2000" dirty="0"/>
+              </a:p>
+              <a:p>
+                <a:pPr marL="0" indent="0">
+                  <a:buNone/>
+                </a:pPr>
+                <a:r>
+                  <a:rPr lang="en-US" altLang="ko-KR" sz="2000" dirty="0"/>
+                  <a:t>2) </a:t>
+                </a:r>
+                <a:r>
+                  <a:rPr lang="ko-KR" altLang="en-US" sz="2000" dirty="0"/>
+                  <a:t>정리하여 변환을 적으면</a:t>
+                </a:r>
+                <a:endParaRPr lang="en-US" altLang="ko-KR" sz="2000" dirty="0"/>
+              </a:p>
+              <a:p>
+                <a:pPr marL="457200" indent="-457200">
+                  <a:buAutoNum type="arabicParenBoth"/>
+                </a:pPr>
+                <a14:m>
+                  <m:oMath xmlns:m="http://schemas.openxmlformats.org/officeDocument/2006/math">
+                    <m:nary>
+                      <m:naryPr>
+                        <m:chr m:val="∏"/>
+                        <m:ctrlPr>
+                          <a:rPr lang="en-US" altLang="ko-KR" sz="2000" i="1" dirty="0">
+                            <a:latin typeface="Cambria Math" panose="02040503050406030204" pitchFamily="18" charset="0"/>
+                          </a:rPr>
+                        </m:ctrlPr>
+                      </m:naryPr>
+                      <m:sub>
+                        <m:r>
+                          <m:rPr>
+                            <m:brk m:alnAt="23"/>
+                          </m:rPr>
+                          <a:rPr lang="en-US" altLang="ko-KR" sz="2000" i="1" dirty="0">
+                            <a:latin typeface="Cambria Math" panose="02040503050406030204" pitchFamily="18" charset="0"/>
+                          </a:rPr>
+                          <m:t>0</m:t>
+                        </m:r>
+                      </m:sub>
+                      <m:sup>
+                        <m:r>
+                          <a:rPr lang="en-US" altLang="ko-KR" sz="2000" i="1" dirty="0">
+                            <a:latin typeface="Cambria Math" panose="02040503050406030204" pitchFamily="18" charset="0"/>
+                          </a:rPr>
+                          <m:t>𝑘</m:t>
+                        </m:r>
+                        <m:r>
+                          <a:rPr lang="en-US" altLang="ko-KR" sz="2000" i="1" dirty="0">
+                            <a:latin typeface="Cambria Math" panose="02040503050406030204" pitchFamily="18" charset="0"/>
+                          </a:rPr>
+                          <m:t>=1</m:t>
+                        </m:r>
+                      </m:sup>
+                      <m:e>
+                        <m:f>
+                          <m:fPr>
+                            <m:ctrlPr>
+                              <a:rPr lang="en-US" altLang="ko-KR" sz="2000" i="1" dirty="0">
+                                <a:latin typeface="Cambria Math" panose="02040503050406030204" pitchFamily="18" charset="0"/>
+                              </a:rPr>
+                            </m:ctrlPr>
+                          </m:fPr>
+                          <m:num>
+                            <m:r>
+                              <a:rPr lang="en-US" altLang="ko-KR" sz="2000" i="1" dirty="0">
+                                <a:latin typeface="Cambria Math" panose="02040503050406030204" pitchFamily="18" charset="0"/>
+                              </a:rPr>
+                              <m:t>1</m:t>
+                            </m:r>
+                          </m:num>
+                          <m:den>
+                            <m:r>
+                              <a:rPr lang="en-US" altLang="ko-KR" sz="2000" i="1">
+                                <a:latin typeface="Cambria Math" panose="02040503050406030204" pitchFamily="18" charset="0"/>
+                              </a:rPr>
+                              <m:t>𝛤</m:t>
+                            </m:r>
+                            <m:d>
+                              <m:dPr>
+                                <m:ctrlPr>
+                                  <a:rPr lang="en-US" altLang="ko-KR" sz="2000" i="1">
+                                    <a:latin typeface="Cambria Math" panose="02040503050406030204" pitchFamily="18" charset="0"/>
+                                  </a:rPr>
+                                </m:ctrlPr>
+                              </m:dPr>
+                              <m:e>
+                                <m:sSub>
+                                  <m:sSubPr>
+                                    <m:ctrlPr>
+                                      <a:rPr lang="ko-KR" altLang="en-US" sz="2000" i="1">
+                                        <a:latin typeface="Cambria Math" panose="02040503050406030204" pitchFamily="18" charset="0"/>
+                                      </a:rPr>
+                                    </m:ctrlPr>
+                                  </m:sSubPr>
+                                  <m:e>
+                                    <m:r>
+                                      <a:rPr lang="en-US" altLang="ko-KR" sz="2000" i="1">
+                                        <a:latin typeface="Cambria Math" panose="02040503050406030204" pitchFamily="18" charset="0"/>
+                                      </a:rPr>
+                                      <m:t>𝑎</m:t>
+                                    </m:r>
+                                  </m:e>
+                                  <m:sub>
+                                    <m:r>
+                                      <a:rPr lang="en-US" altLang="ko-KR" sz="2000" i="1">
+                                        <a:latin typeface="Cambria Math" panose="02040503050406030204" pitchFamily="18" charset="0"/>
+                                      </a:rPr>
+                                      <m:t>𝑖</m:t>
+                                    </m:r>
+                                  </m:sub>
+                                </m:sSub>
+                              </m:e>
+                            </m:d>
+                          </m:den>
+                        </m:f>
+                        <m:sSup>
+                          <m:sSupPr>
+                            <m:ctrlPr>
+                              <a:rPr lang="en-US" altLang="ko-KR" sz="2000" i="1" dirty="0">
+                                <a:latin typeface="Cambria Math" panose="02040503050406030204" pitchFamily="18" charset="0"/>
+                              </a:rPr>
+                            </m:ctrlPr>
+                          </m:sSupPr>
+                          <m:e>
+                            <m:sSub>
+                              <m:sSubPr>
+                                <m:ctrlPr>
+                                  <a:rPr lang="ko-KR" altLang="en-US" sz="2000" i="1">
+                                    <a:latin typeface="Cambria Math" panose="02040503050406030204" pitchFamily="18" charset="0"/>
+                                  </a:rPr>
+                                </m:ctrlPr>
+                              </m:sSubPr>
+                              <m:e>
+                                <m:r>
+                                  <a:rPr lang="en-US" altLang="ko-KR" sz="2000" i="1">
+                                    <a:latin typeface="Cambria Math" panose="02040503050406030204" pitchFamily="18" charset="0"/>
+                                  </a:rPr>
+                                  <m:t>𝑥</m:t>
+                                </m:r>
+                              </m:e>
+                              <m:sub>
+                                <m:r>
+                                  <a:rPr lang="en-US" altLang="ko-KR" sz="2000" i="1">
+                                    <a:latin typeface="Cambria Math" panose="02040503050406030204" pitchFamily="18" charset="0"/>
+                                  </a:rPr>
+                                  <m:t>𝑖</m:t>
+                                </m:r>
+                              </m:sub>
+                            </m:sSub>
+                          </m:e>
+                          <m:sup>
+                            <m:sSub>
+                              <m:sSubPr>
+                                <m:ctrlPr>
+                                  <a:rPr lang="ko-KR" altLang="en-US" sz="2000" i="1">
+                                    <a:latin typeface="Cambria Math" panose="02040503050406030204" pitchFamily="18" charset="0"/>
+                                  </a:rPr>
+                                </m:ctrlPr>
+                              </m:sSubPr>
+                              <m:e>
+                                <m:r>
+                                  <a:rPr lang="en-US" altLang="ko-KR" sz="2000" i="1">
+                                    <a:latin typeface="Cambria Math" panose="02040503050406030204" pitchFamily="18" charset="0"/>
+                                  </a:rPr>
+                                  <m:t>𝑎</m:t>
+                                </m:r>
+                              </m:e>
+                              <m:sub>
+                                <m:r>
+                                  <a:rPr lang="en-US" altLang="ko-KR" sz="2000" i="1">
+                                    <a:latin typeface="Cambria Math" panose="02040503050406030204" pitchFamily="18" charset="0"/>
+                                  </a:rPr>
+                                  <m:t>𝑖</m:t>
+                                </m:r>
+                              </m:sub>
+                            </m:sSub>
+                            <m:r>
+                              <a:rPr lang="en-US" altLang="ko-KR" sz="2000" i="1">
+                                <a:latin typeface="Cambria Math" panose="02040503050406030204" pitchFamily="18" charset="0"/>
+                              </a:rPr>
+                              <m:t>−1</m:t>
+                            </m:r>
+                          </m:sup>
+                        </m:sSup>
+                        <m:sSup>
+                          <m:sSupPr>
+                            <m:ctrlPr>
+                              <a:rPr lang="en-US" altLang="ko-KR" sz="2000" i="1">
+                                <a:latin typeface="Cambria Math" panose="02040503050406030204" pitchFamily="18" charset="0"/>
+                              </a:rPr>
+                            </m:ctrlPr>
+                          </m:sSupPr>
+                          <m:e>
+                            <m:r>
+                              <a:rPr lang="en-US" altLang="ko-KR" sz="2000" i="1">
+                                <a:latin typeface="Cambria Math" panose="02040503050406030204" pitchFamily="18" charset="0"/>
+                              </a:rPr>
+                              <m:t>𝑒</m:t>
+                            </m:r>
+                          </m:e>
+                          <m:sup>
+                            <m:r>
+                              <a:rPr lang="en-US" altLang="ko-KR" sz="2000" i="1">
+                                <a:latin typeface="Cambria Math" panose="02040503050406030204" pitchFamily="18" charset="0"/>
+                              </a:rPr>
+                              <m:t>−</m:t>
+                            </m:r>
+                            <m:sSub>
+                              <m:sSubPr>
+                                <m:ctrlPr>
+                                  <a:rPr lang="ko-KR" altLang="en-US" sz="2000" i="1">
+                                    <a:latin typeface="Cambria Math" panose="02040503050406030204" pitchFamily="18" charset="0"/>
+                                  </a:rPr>
+                                </m:ctrlPr>
+                              </m:sSubPr>
+                              <m:e>
+                                <m:r>
+                                  <a:rPr lang="en-US" altLang="ko-KR" sz="2000" i="1">
+                                    <a:latin typeface="Cambria Math" panose="02040503050406030204" pitchFamily="18" charset="0"/>
+                                  </a:rPr>
+                                  <m:t>𝑥</m:t>
+                                </m:r>
+                              </m:e>
+                              <m:sub>
+                                <m:r>
+                                  <a:rPr lang="en-US" altLang="ko-KR" sz="2000" i="1">
+                                    <a:latin typeface="Cambria Math" panose="02040503050406030204" pitchFamily="18" charset="0"/>
+                                  </a:rPr>
+                                  <m:t>𝑖</m:t>
+                                </m:r>
+                              </m:sub>
+                            </m:sSub>
+                          </m:sup>
+                        </m:sSup>
+                      </m:e>
+                    </m:nary>
+                  </m:oMath>
+                </a14:m>
+                <a:r>
+                  <a:rPr lang="en-US" altLang="ko-KR" sz="2000" dirty="0"/>
+                  <a:t> = </a:t>
+                </a:r>
+                <a14:m>
+                  <m:oMath xmlns:m="http://schemas.openxmlformats.org/officeDocument/2006/math">
+                    <m:f>
+                      <m:fPr>
+                        <m:ctrlPr>
+                          <a:rPr lang="en-US" altLang="ko-KR" sz="2000" b="0" i="0" smtClean="0">
+                            <a:latin typeface="Cambria Math" panose="02040503050406030204" pitchFamily="18" charset="0"/>
+                          </a:rPr>
+                        </m:ctrlPr>
+                      </m:fPr>
+                      <m:num>
+                        <m:sSup>
+                          <m:sSupPr>
+                            <m:ctrlPr>
+                              <a:rPr lang="en-US" altLang="ko-KR" sz="2000" i="1" dirty="0" smtClean="0">
+                                <a:solidFill>
+                                  <a:srgbClr val="C00000"/>
+                                </a:solidFill>
+                                <a:latin typeface="Cambria Math" panose="02040503050406030204" pitchFamily="18" charset="0"/>
+                              </a:rPr>
+                            </m:ctrlPr>
+                          </m:sSupPr>
+                          <m:e>
+                            <m:sSub>
+                              <m:sSubPr>
+                                <m:ctrlPr>
+                                  <a:rPr lang="ko-KR" altLang="en-US" sz="2000" i="1">
+                                    <a:solidFill>
+                                      <a:srgbClr val="C00000"/>
+                                    </a:solidFill>
+                                    <a:latin typeface="Cambria Math" panose="02040503050406030204" pitchFamily="18" charset="0"/>
+                                  </a:rPr>
+                                </m:ctrlPr>
+                              </m:sSubPr>
+                              <m:e>
+                                <m:r>
+                                  <a:rPr lang="en-US" altLang="ko-KR" sz="2000" i="1">
+                                    <a:solidFill>
+                                      <a:srgbClr val="C00000"/>
+                                    </a:solidFill>
+                                    <a:latin typeface="Cambria Math" panose="02040503050406030204" pitchFamily="18" charset="0"/>
+                                  </a:rPr>
+                                  <m:t>𝑦</m:t>
+                                </m:r>
+                              </m:e>
+                              <m:sub>
+                                <m:r>
+                                  <a:rPr lang="en-US" altLang="ko-KR" sz="2000" i="1">
+                                    <a:solidFill>
+                                      <a:srgbClr val="C00000"/>
+                                    </a:solidFill>
+                                    <a:latin typeface="Cambria Math" panose="02040503050406030204" pitchFamily="18" charset="0"/>
+                                  </a:rPr>
+                                  <m:t>𝑘</m:t>
+                                </m:r>
+                                <m:r>
+                                  <a:rPr lang="en-US" altLang="ko-KR" sz="2000" i="1">
+                                    <a:solidFill>
+                                      <a:srgbClr val="C00000"/>
+                                    </a:solidFill>
+                                    <a:latin typeface="Cambria Math" panose="02040503050406030204" pitchFamily="18" charset="0"/>
+                                  </a:rPr>
+                                  <m:t>+1</m:t>
+                                </m:r>
+                              </m:sub>
+                            </m:sSub>
+                          </m:e>
+                          <m:sup>
+                            <m:sSub>
+                              <m:sSubPr>
+                                <m:ctrlPr>
+                                  <a:rPr lang="ko-KR" altLang="en-US" sz="2000" i="1">
+                                    <a:solidFill>
+                                      <a:srgbClr val="C00000"/>
+                                    </a:solidFill>
+                                    <a:latin typeface="Cambria Math" panose="02040503050406030204" pitchFamily="18" charset="0"/>
+                                  </a:rPr>
+                                </m:ctrlPr>
+                              </m:sSubPr>
+                              <m:e>
+                                <m:r>
+                                  <a:rPr lang="en-US" altLang="ko-KR" sz="2000" i="1">
+                                    <a:solidFill>
+                                      <a:srgbClr val="C00000"/>
+                                    </a:solidFill>
+                                    <a:latin typeface="Cambria Math" panose="02040503050406030204" pitchFamily="18" charset="0"/>
+                                  </a:rPr>
+                                  <m:t>𝑎</m:t>
+                                </m:r>
+                              </m:e>
+                              <m:sub>
+                                <m:r>
+                                  <a:rPr lang="en-US" altLang="ko-KR" sz="2000" b="0" i="1" smtClean="0">
+                                    <a:solidFill>
+                                      <a:srgbClr val="C00000"/>
+                                    </a:solidFill>
+                                    <a:latin typeface="Cambria Math" panose="02040503050406030204" pitchFamily="18" charset="0"/>
+                                  </a:rPr>
+                                  <m:t>1</m:t>
+                                </m:r>
+                              </m:sub>
+                            </m:sSub>
+                            <m:r>
+                              <a:rPr lang="en-US" altLang="ko-KR" sz="2000" b="0" i="1" smtClean="0">
+                                <a:solidFill>
+                                  <a:srgbClr val="C00000"/>
+                                </a:solidFill>
+                                <a:latin typeface="Cambria Math" panose="02040503050406030204" pitchFamily="18" charset="0"/>
+                              </a:rPr>
+                              <m:t>+</m:t>
+                            </m:r>
+                            <m:r>
+                              <a:rPr lang="en-US" altLang="ko-KR" sz="2000" i="1">
+                                <a:solidFill>
+                                  <a:srgbClr val="C00000"/>
+                                </a:solidFill>
+                                <a:latin typeface="Cambria Math" panose="02040503050406030204" pitchFamily="18" charset="0"/>
+                                <a:ea typeface="Cambria Math" panose="02040503050406030204" pitchFamily="18" charset="0"/>
+                              </a:rPr>
+                              <m:t>⋯</m:t>
+                            </m:r>
+                            <m:r>
+                              <a:rPr lang="en-US" altLang="ko-KR" sz="2000" b="0" i="1" smtClean="0">
+                                <a:solidFill>
+                                  <a:srgbClr val="C00000"/>
+                                </a:solidFill>
+                                <a:latin typeface="Cambria Math" panose="02040503050406030204" pitchFamily="18" charset="0"/>
+                                <a:ea typeface="Cambria Math" panose="02040503050406030204" pitchFamily="18" charset="0"/>
+                              </a:rPr>
+                              <m:t>+</m:t>
+                            </m:r>
+                            <m:sSub>
+                              <m:sSubPr>
+                                <m:ctrlPr>
+                                  <a:rPr lang="ko-KR" altLang="en-US" sz="2000" i="1">
+                                    <a:solidFill>
+                                      <a:srgbClr val="C00000"/>
+                                    </a:solidFill>
+                                    <a:latin typeface="Cambria Math" panose="02040503050406030204" pitchFamily="18" charset="0"/>
+                                  </a:rPr>
+                                </m:ctrlPr>
+                              </m:sSubPr>
+                              <m:e>
+                                <m:r>
+                                  <a:rPr lang="en-US" altLang="ko-KR" sz="2000" i="1">
+                                    <a:solidFill>
+                                      <a:srgbClr val="C00000"/>
+                                    </a:solidFill>
+                                    <a:latin typeface="Cambria Math" panose="02040503050406030204" pitchFamily="18" charset="0"/>
+                                  </a:rPr>
+                                  <m:t>𝑎</m:t>
+                                </m:r>
+                              </m:e>
+                              <m:sub>
+                                <m:r>
+                                  <a:rPr lang="en-US" altLang="ko-KR" sz="2000" b="0" i="1" smtClean="0">
+                                    <a:solidFill>
+                                      <a:srgbClr val="C00000"/>
+                                    </a:solidFill>
+                                    <a:latin typeface="Cambria Math" panose="02040503050406030204" pitchFamily="18" charset="0"/>
+                                  </a:rPr>
+                                  <m:t>𝑘</m:t>
+                                </m:r>
+                                <m:r>
+                                  <a:rPr lang="en-US" altLang="ko-KR" sz="2000" b="0" i="1" smtClean="0">
+                                    <a:solidFill>
+                                      <a:srgbClr val="C00000"/>
+                                    </a:solidFill>
+                                    <a:latin typeface="Cambria Math" panose="02040503050406030204" pitchFamily="18" charset="0"/>
+                                  </a:rPr>
+                                  <m:t>+1</m:t>
+                                </m:r>
+                              </m:sub>
+                            </m:sSub>
+                            <m:r>
+                              <a:rPr lang="en-US" altLang="ko-KR" sz="2000" i="1">
+                                <a:solidFill>
+                                  <a:srgbClr val="C00000"/>
+                                </a:solidFill>
+                                <a:latin typeface="Cambria Math" panose="02040503050406030204" pitchFamily="18" charset="0"/>
+                              </a:rPr>
+                              <m:t>−1</m:t>
+                            </m:r>
+                          </m:sup>
+                        </m:sSup>
+                        <m:r>
+                          <a:rPr lang="en-US" altLang="ko-KR" sz="2000" b="0" i="1" smtClean="0">
+                            <a:solidFill>
+                              <a:srgbClr val="00B050"/>
+                            </a:solidFill>
+                            <a:latin typeface="Cambria Math" panose="02040503050406030204" pitchFamily="18" charset="0"/>
+                          </a:rPr>
+                          <m:t>[</m:t>
+                        </m:r>
+                        <m:sSup>
+                          <m:sSupPr>
+                            <m:ctrlPr>
+                              <a:rPr lang="en-US" altLang="ko-KR" sz="2000" i="1" dirty="0">
+                                <a:solidFill>
+                                  <a:srgbClr val="00B050"/>
+                                </a:solidFill>
+                                <a:latin typeface="Cambria Math" panose="02040503050406030204" pitchFamily="18" charset="0"/>
+                              </a:rPr>
+                            </m:ctrlPr>
+                          </m:sSupPr>
+                          <m:e>
+                            <m:sSub>
+                              <m:sSubPr>
+                                <m:ctrlPr>
+                                  <a:rPr lang="ko-KR" altLang="en-US" sz="2000" i="1">
+                                    <a:solidFill>
+                                      <a:srgbClr val="00B050"/>
+                                    </a:solidFill>
+                                    <a:latin typeface="Cambria Math" panose="02040503050406030204" pitchFamily="18" charset="0"/>
+                                  </a:rPr>
+                                </m:ctrlPr>
+                              </m:sSubPr>
+                              <m:e>
+                                <m:r>
+                                  <a:rPr lang="en-US" altLang="ko-KR" sz="2000" i="1">
+                                    <a:solidFill>
+                                      <a:srgbClr val="00B050"/>
+                                    </a:solidFill>
+                                    <a:latin typeface="Cambria Math" panose="02040503050406030204" pitchFamily="18" charset="0"/>
+                                  </a:rPr>
+                                  <m:t>𝑦</m:t>
+                                </m:r>
+                              </m:e>
+                              <m:sub>
+                                <m:r>
+                                  <a:rPr lang="en-US" altLang="ko-KR" sz="2000" i="1">
+                                    <a:solidFill>
+                                      <a:srgbClr val="00B050"/>
+                                    </a:solidFill>
+                                    <a:latin typeface="Cambria Math" panose="02040503050406030204" pitchFamily="18" charset="0"/>
+                                  </a:rPr>
+                                  <m:t>1</m:t>
+                                </m:r>
+                              </m:sub>
+                            </m:sSub>
+                          </m:e>
+                          <m:sup>
+                            <m:sSub>
+                              <m:sSubPr>
+                                <m:ctrlPr>
+                                  <a:rPr lang="ko-KR" altLang="en-US" sz="2000" i="1">
+                                    <a:solidFill>
+                                      <a:srgbClr val="00B050"/>
+                                    </a:solidFill>
+                                    <a:latin typeface="Cambria Math" panose="02040503050406030204" pitchFamily="18" charset="0"/>
+                                  </a:rPr>
+                                </m:ctrlPr>
+                              </m:sSubPr>
+                              <m:e>
+                                <m:r>
+                                  <a:rPr lang="en-US" altLang="ko-KR" sz="2000" i="1">
+                                    <a:solidFill>
+                                      <a:srgbClr val="00B050"/>
+                                    </a:solidFill>
+                                    <a:latin typeface="Cambria Math" panose="02040503050406030204" pitchFamily="18" charset="0"/>
+                                  </a:rPr>
+                                  <m:t>𝑎</m:t>
+                                </m:r>
+                              </m:e>
+                              <m:sub>
+                                <m:r>
+                                  <a:rPr lang="en-US" altLang="ko-KR" sz="2000" i="1">
+                                    <a:solidFill>
+                                      <a:srgbClr val="00B050"/>
+                                    </a:solidFill>
+                                    <a:latin typeface="Cambria Math" panose="02040503050406030204" pitchFamily="18" charset="0"/>
+                                  </a:rPr>
+                                  <m:t>1</m:t>
+                                </m:r>
+                              </m:sub>
+                            </m:sSub>
+                            <m:r>
+                              <a:rPr lang="en-US" altLang="ko-KR" sz="2000" i="1">
+                                <a:solidFill>
+                                  <a:srgbClr val="00B050"/>
+                                </a:solidFill>
+                                <a:latin typeface="Cambria Math" panose="02040503050406030204" pitchFamily="18" charset="0"/>
+                              </a:rPr>
+                              <m:t>−1</m:t>
+                            </m:r>
+                          </m:sup>
+                        </m:sSup>
+                        <m:r>
+                          <a:rPr lang="en-US" altLang="ko-KR" sz="2000" i="1">
+                            <a:solidFill>
+                              <a:srgbClr val="00B050"/>
+                            </a:solidFill>
+                            <a:latin typeface="Cambria Math" panose="02040503050406030204" pitchFamily="18" charset="0"/>
+                            <a:ea typeface="Cambria Math" panose="02040503050406030204" pitchFamily="18" charset="0"/>
+                          </a:rPr>
+                          <m:t>⋯</m:t>
+                        </m:r>
+                        <m:sSup>
+                          <m:sSupPr>
+                            <m:ctrlPr>
+                              <a:rPr lang="en-US" altLang="ko-KR" sz="2000" i="1" dirty="0">
+                                <a:solidFill>
+                                  <a:srgbClr val="00B050"/>
+                                </a:solidFill>
+                                <a:latin typeface="Cambria Math" panose="02040503050406030204" pitchFamily="18" charset="0"/>
+                              </a:rPr>
+                            </m:ctrlPr>
+                          </m:sSupPr>
+                          <m:e>
+                            <m:sSub>
+                              <m:sSubPr>
+                                <m:ctrlPr>
+                                  <a:rPr lang="ko-KR" altLang="en-US" sz="2000" i="1">
+                                    <a:solidFill>
+                                      <a:srgbClr val="00B050"/>
+                                    </a:solidFill>
+                                    <a:latin typeface="Cambria Math" panose="02040503050406030204" pitchFamily="18" charset="0"/>
+                                  </a:rPr>
+                                </m:ctrlPr>
+                              </m:sSubPr>
+                              <m:e>
+                                <m:r>
+                                  <a:rPr lang="en-US" altLang="ko-KR" sz="2000" i="1">
+                                    <a:solidFill>
+                                      <a:srgbClr val="00B050"/>
+                                    </a:solidFill>
+                                    <a:latin typeface="Cambria Math" panose="02040503050406030204" pitchFamily="18" charset="0"/>
+                                  </a:rPr>
+                                  <m:t>𝑦</m:t>
+                                </m:r>
+                              </m:e>
+                              <m:sub>
+                                <m:r>
+                                  <a:rPr lang="en-US" altLang="ko-KR" sz="2000" b="0" i="1" smtClean="0">
+                                    <a:solidFill>
+                                      <a:srgbClr val="00B050"/>
+                                    </a:solidFill>
+                                    <a:latin typeface="Cambria Math" panose="02040503050406030204" pitchFamily="18" charset="0"/>
+                                  </a:rPr>
+                                  <m:t>𝑘</m:t>
+                                </m:r>
+                              </m:sub>
+                            </m:sSub>
+                          </m:e>
+                          <m:sup>
+                            <m:sSub>
+                              <m:sSubPr>
+                                <m:ctrlPr>
+                                  <a:rPr lang="ko-KR" altLang="en-US" sz="2000" i="1">
+                                    <a:solidFill>
+                                      <a:srgbClr val="00B050"/>
+                                    </a:solidFill>
+                                    <a:latin typeface="Cambria Math" panose="02040503050406030204" pitchFamily="18" charset="0"/>
+                                  </a:rPr>
+                                </m:ctrlPr>
+                              </m:sSubPr>
+                              <m:e>
+                                <m:r>
+                                  <a:rPr lang="en-US" altLang="ko-KR" sz="2000" i="1">
+                                    <a:solidFill>
+                                      <a:srgbClr val="00B050"/>
+                                    </a:solidFill>
+                                    <a:latin typeface="Cambria Math" panose="02040503050406030204" pitchFamily="18" charset="0"/>
+                                  </a:rPr>
+                                  <m:t>𝑎</m:t>
+                                </m:r>
+                              </m:e>
+                              <m:sub>
+                                <m:r>
+                                  <a:rPr lang="en-US" altLang="ko-KR" sz="2000" b="0" i="1" smtClean="0">
+                                    <a:solidFill>
+                                      <a:srgbClr val="00B050"/>
+                                    </a:solidFill>
+                                    <a:latin typeface="Cambria Math" panose="02040503050406030204" pitchFamily="18" charset="0"/>
+                                  </a:rPr>
+                                  <m:t>𝑘</m:t>
+                                </m:r>
+                              </m:sub>
+                            </m:sSub>
+                            <m:r>
+                              <a:rPr lang="en-US" altLang="ko-KR" sz="2000" i="1">
+                                <a:solidFill>
+                                  <a:srgbClr val="00B050"/>
+                                </a:solidFill>
+                                <a:latin typeface="Cambria Math" panose="02040503050406030204" pitchFamily="18" charset="0"/>
+                              </a:rPr>
+                              <m:t>−1</m:t>
+                            </m:r>
+                          </m:sup>
+                        </m:sSup>
+                        <m:sSup>
+                          <m:sSupPr>
+                            <m:ctrlPr>
+                              <a:rPr lang="en-US" altLang="ko-KR" sz="2000" i="1" smtClean="0">
+                                <a:solidFill>
+                                  <a:srgbClr val="00B050"/>
+                                </a:solidFill>
+                                <a:latin typeface="Cambria Math" panose="02040503050406030204" pitchFamily="18" charset="0"/>
+                              </a:rPr>
+                            </m:ctrlPr>
+                          </m:sSupPr>
+                          <m:e>
+                            <m:r>
+                              <a:rPr lang="en-US" altLang="ko-KR" sz="2000" i="1">
+                                <a:solidFill>
+                                  <a:srgbClr val="00B050"/>
+                                </a:solidFill>
+                                <a:latin typeface="Cambria Math" panose="02040503050406030204" pitchFamily="18" charset="0"/>
+                              </a:rPr>
+                              <m:t>(1−</m:t>
+                            </m:r>
+                            <m:sSub>
+                              <m:sSubPr>
+                                <m:ctrlPr>
+                                  <a:rPr lang="ko-KR" altLang="en-US" sz="2000" i="1">
+                                    <a:solidFill>
+                                      <a:srgbClr val="00B050"/>
+                                    </a:solidFill>
+                                    <a:latin typeface="Cambria Math" panose="02040503050406030204" pitchFamily="18" charset="0"/>
+                                  </a:rPr>
+                                </m:ctrlPr>
+                              </m:sSubPr>
+                              <m:e>
+                                <m:r>
+                                  <a:rPr lang="en-US" altLang="ko-KR" sz="2000" i="1">
+                                    <a:solidFill>
+                                      <a:srgbClr val="00B050"/>
+                                    </a:solidFill>
+                                    <a:latin typeface="Cambria Math" panose="02040503050406030204" pitchFamily="18" charset="0"/>
+                                  </a:rPr>
+                                  <m:t>𝑦</m:t>
+                                </m:r>
+                              </m:e>
+                              <m:sub>
+                                <m:r>
+                                  <a:rPr lang="en-US" altLang="ko-KR" sz="2000" i="1">
+                                    <a:solidFill>
+                                      <a:srgbClr val="00B050"/>
+                                    </a:solidFill>
+                                    <a:latin typeface="Cambria Math" panose="02040503050406030204" pitchFamily="18" charset="0"/>
+                                  </a:rPr>
+                                  <m:t>1</m:t>
+                                </m:r>
+                              </m:sub>
+                            </m:sSub>
+                            <m:r>
+                              <a:rPr lang="en-US" altLang="ko-KR" sz="2000" i="1">
+                                <a:solidFill>
+                                  <a:srgbClr val="00B050"/>
+                                </a:solidFill>
+                                <a:latin typeface="Cambria Math" panose="02040503050406030204" pitchFamily="18" charset="0"/>
+                              </a:rPr>
+                              <m:t>−</m:t>
+                            </m:r>
+                            <m:r>
+                              <a:rPr lang="en-US" altLang="ko-KR" sz="2000" i="1">
+                                <a:solidFill>
+                                  <a:srgbClr val="00B050"/>
+                                </a:solidFill>
+                                <a:latin typeface="Cambria Math" panose="02040503050406030204" pitchFamily="18" charset="0"/>
+                                <a:ea typeface="Cambria Math" panose="02040503050406030204" pitchFamily="18" charset="0"/>
+                              </a:rPr>
+                              <m:t>⋯</m:t>
+                            </m:r>
+                            <m:r>
+                              <a:rPr lang="en-US" altLang="ko-KR" sz="2000" i="1">
+                                <a:solidFill>
+                                  <a:srgbClr val="00B050"/>
+                                </a:solidFill>
+                                <a:latin typeface="Cambria Math" panose="02040503050406030204" pitchFamily="18" charset="0"/>
+                                <a:ea typeface="Cambria Math" panose="02040503050406030204" pitchFamily="18" charset="0"/>
+                              </a:rPr>
+                              <m:t>−</m:t>
+                            </m:r>
+                            <m:sSub>
+                              <m:sSubPr>
+                                <m:ctrlPr>
+                                  <a:rPr lang="ko-KR" altLang="en-US" sz="2000" i="1">
+                                    <a:solidFill>
+                                      <a:srgbClr val="00B050"/>
+                                    </a:solidFill>
+                                    <a:latin typeface="Cambria Math" panose="02040503050406030204" pitchFamily="18" charset="0"/>
+                                  </a:rPr>
+                                </m:ctrlPr>
+                              </m:sSubPr>
+                              <m:e>
+                                <m:r>
+                                  <a:rPr lang="en-US" altLang="ko-KR" sz="2000" i="1">
+                                    <a:solidFill>
+                                      <a:srgbClr val="00B050"/>
+                                    </a:solidFill>
+                                    <a:latin typeface="Cambria Math" panose="02040503050406030204" pitchFamily="18" charset="0"/>
+                                  </a:rPr>
+                                  <m:t>𝑦</m:t>
+                                </m:r>
+                              </m:e>
+                              <m:sub>
+                                <m:r>
+                                  <a:rPr lang="en-US" altLang="ko-KR" sz="2000" i="1">
+                                    <a:solidFill>
+                                      <a:srgbClr val="00B050"/>
+                                    </a:solidFill>
+                                    <a:latin typeface="Cambria Math" panose="02040503050406030204" pitchFamily="18" charset="0"/>
+                                  </a:rPr>
+                                  <m:t>𝑘</m:t>
+                                </m:r>
+                              </m:sub>
+                            </m:sSub>
+                            <m:r>
+                              <a:rPr lang="en-US" altLang="ko-KR" sz="2000" i="1">
+                                <a:solidFill>
+                                  <a:srgbClr val="00B050"/>
+                                </a:solidFill>
+                                <a:latin typeface="Cambria Math" panose="02040503050406030204" pitchFamily="18" charset="0"/>
+                              </a:rPr>
+                              <m:t>)</m:t>
+                            </m:r>
+                          </m:e>
+                          <m:sup>
+                            <m:sSub>
+                              <m:sSubPr>
+                                <m:ctrlPr>
+                                  <a:rPr lang="ko-KR" altLang="en-US" sz="2000" i="1">
+                                    <a:solidFill>
+                                      <a:srgbClr val="00B050"/>
+                                    </a:solidFill>
+                                    <a:latin typeface="Cambria Math" panose="02040503050406030204" pitchFamily="18" charset="0"/>
+                                  </a:rPr>
+                                </m:ctrlPr>
+                              </m:sSubPr>
+                              <m:e>
+                                <m:r>
+                                  <a:rPr lang="en-US" altLang="ko-KR" sz="2000" i="1">
+                                    <a:solidFill>
+                                      <a:srgbClr val="00B050"/>
+                                    </a:solidFill>
+                                    <a:latin typeface="Cambria Math" panose="02040503050406030204" pitchFamily="18" charset="0"/>
+                                  </a:rPr>
+                                  <m:t>𝑎</m:t>
+                                </m:r>
+                              </m:e>
+                              <m:sub>
+                                <m:r>
+                                  <a:rPr lang="en-US" altLang="ko-KR" sz="2000" i="1">
+                                    <a:solidFill>
+                                      <a:srgbClr val="00B050"/>
+                                    </a:solidFill>
+                                    <a:latin typeface="Cambria Math" panose="02040503050406030204" pitchFamily="18" charset="0"/>
+                                  </a:rPr>
+                                  <m:t>𝑘</m:t>
+                                </m:r>
+                                <m:r>
+                                  <a:rPr lang="en-US" altLang="ko-KR" sz="2000" i="1">
+                                    <a:solidFill>
+                                      <a:srgbClr val="00B050"/>
+                                    </a:solidFill>
+                                    <a:latin typeface="Cambria Math" panose="02040503050406030204" pitchFamily="18" charset="0"/>
+                                  </a:rPr>
+                                  <m:t>+1</m:t>
+                                </m:r>
+                              </m:sub>
+                            </m:sSub>
+                            <m:r>
+                              <a:rPr lang="en-US" altLang="ko-KR" sz="2000" b="0" i="1" smtClean="0">
+                                <a:solidFill>
+                                  <a:srgbClr val="00B050"/>
+                                </a:solidFill>
+                                <a:latin typeface="Cambria Math" panose="02040503050406030204" pitchFamily="18" charset="0"/>
+                              </a:rPr>
+                              <m:t>−1</m:t>
+                            </m:r>
+                          </m:sup>
+                        </m:sSup>
+                        <m:sSup>
+                          <m:sSupPr>
+                            <m:ctrlPr>
+                              <a:rPr lang="en-US" altLang="ko-KR" sz="2000" i="1" smtClean="0">
+                                <a:solidFill>
+                                  <a:srgbClr val="7030A0"/>
+                                </a:solidFill>
+                                <a:latin typeface="Cambria Math" panose="02040503050406030204" pitchFamily="18" charset="0"/>
+                              </a:rPr>
+                            </m:ctrlPr>
+                          </m:sSupPr>
+                          <m:e>
+                            <m:r>
+                              <a:rPr lang="en-US" altLang="ko-KR" sz="2000" b="0" i="1" smtClean="0">
+                                <a:solidFill>
+                                  <a:srgbClr val="7030A0"/>
+                                </a:solidFill>
+                                <a:latin typeface="Cambria Math" panose="02040503050406030204" pitchFamily="18" charset="0"/>
+                              </a:rPr>
+                              <m:t>]</m:t>
+                            </m:r>
+                            <m:r>
+                              <a:rPr lang="en-US" altLang="ko-KR" sz="2000" i="1">
+                                <a:solidFill>
+                                  <a:srgbClr val="7030A0"/>
+                                </a:solidFill>
+                                <a:latin typeface="Cambria Math" panose="02040503050406030204" pitchFamily="18" charset="0"/>
+                              </a:rPr>
+                              <m:t>𝑒</m:t>
+                            </m:r>
+                          </m:e>
+                          <m:sup>
+                            <m:r>
+                              <a:rPr lang="en-US" altLang="ko-KR" sz="2000" i="1">
+                                <a:solidFill>
+                                  <a:srgbClr val="7030A0"/>
+                                </a:solidFill>
+                                <a:latin typeface="Cambria Math" panose="02040503050406030204" pitchFamily="18" charset="0"/>
+                              </a:rPr>
+                              <m:t>−</m:t>
+                            </m:r>
+                            <m:sSub>
+                              <m:sSubPr>
+                                <m:ctrlPr>
+                                  <a:rPr lang="ko-KR" altLang="en-US" sz="2000" i="1">
+                                    <a:solidFill>
+                                      <a:srgbClr val="7030A0"/>
+                                    </a:solidFill>
+                                    <a:latin typeface="Cambria Math" panose="02040503050406030204" pitchFamily="18" charset="0"/>
+                                  </a:rPr>
+                                </m:ctrlPr>
+                              </m:sSubPr>
+                              <m:e>
+                                <m:r>
+                                  <a:rPr lang="en-US" altLang="ko-KR" sz="2000" b="0" i="1" smtClean="0">
+                                    <a:solidFill>
+                                      <a:srgbClr val="7030A0"/>
+                                    </a:solidFill>
+                                    <a:latin typeface="Cambria Math" panose="02040503050406030204" pitchFamily="18" charset="0"/>
+                                  </a:rPr>
+                                  <m:t>𝑦</m:t>
+                                </m:r>
+                              </m:e>
+                              <m:sub>
+                                <m:r>
+                                  <a:rPr lang="en-US" altLang="ko-KR" sz="2000" b="0" i="1" smtClean="0">
+                                    <a:solidFill>
+                                      <a:srgbClr val="7030A0"/>
+                                    </a:solidFill>
+                                    <a:latin typeface="Cambria Math" panose="02040503050406030204" pitchFamily="18" charset="0"/>
+                                  </a:rPr>
+                                  <m:t>𝑘</m:t>
+                                </m:r>
+                                <m:r>
+                                  <a:rPr lang="en-US" altLang="ko-KR" sz="2000" b="0" i="1" smtClean="0">
+                                    <a:solidFill>
+                                      <a:srgbClr val="7030A0"/>
+                                    </a:solidFill>
+                                    <a:latin typeface="Cambria Math" panose="02040503050406030204" pitchFamily="18" charset="0"/>
+                                  </a:rPr>
+                                  <m:t>+1</m:t>
+                                </m:r>
+                              </m:sub>
+                            </m:sSub>
+                          </m:sup>
+                        </m:sSup>
+                      </m:num>
+                      <m:den>
+                        <m:r>
+                          <a:rPr lang="en-US" altLang="ko-KR" sz="2000" i="1">
+                            <a:latin typeface="Cambria Math" panose="02040503050406030204" pitchFamily="18" charset="0"/>
+                          </a:rPr>
+                          <m:t>𝛤</m:t>
+                        </m:r>
+                        <m:d>
+                          <m:dPr>
+                            <m:ctrlPr>
+                              <a:rPr lang="en-US" altLang="ko-KR" sz="2000" i="1">
+                                <a:latin typeface="Cambria Math" panose="02040503050406030204" pitchFamily="18" charset="0"/>
+                              </a:rPr>
+                            </m:ctrlPr>
+                          </m:dPr>
+                          <m:e>
+                            <m:sSub>
+                              <m:sSubPr>
+                                <m:ctrlPr>
+                                  <a:rPr lang="ko-KR" altLang="en-US" sz="2000" i="1">
+                                    <a:latin typeface="Cambria Math" panose="02040503050406030204" pitchFamily="18" charset="0"/>
+                                  </a:rPr>
+                                </m:ctrlPr>
+                              </m:sSubPr>
+                              <m:e>
+                                <m:r>
+                                  <a:rPr lang="en-US" altLang="ko-KR" sz="2000" i="1">
+                                    <a:latin typeface="Cambria Math" panose="02040503050406030204" pitchFamily="18" charset="0"/>
+                                  </a:rPr>
+                                  <m:t>𝑎</m:t>
+                                </m:r>
+                              </m:e>
+                              <m:sub>
+                                <m:r>
+                                  <a:rPr lang="en-US" altLang="ko-KR" sz="2000" b="0" i="1" smtClean="0">
+                                    <a:latin typeface="Cambria Math" panose="02040503050406030204" pitchFamily="18" charset="0"/>
+                                  </a:rPr>
+                                  <m:t>1</m:t>
+                                </m:r>
+                              </m:sub>
+                            </m:sSub>
+                          </m:e>
+                        </m:d>
+                        <m:r>
+                          <a:rPr lang="en-US" altLang="ko-KR" sz="2000" i="1">
+                            <a:latin typeface="Cambria Math" panose="02040503050406030204" pitchFamily="18" charset="0"/>
+                          </a:rPr>
+                          <m:t>𝛤</m:t>
+                        </m:r>
+                        <m:d>
+                          <m:dPr>
+                            <m:ctrlPr>
+                              <a:rPr lang="en-US" altLang="ko-KR" sz="2000" i="1">
+                                <a:latin typeface="Cambria Math" panose="02040503050406030204" pitchFamily="18" charset="0"/>
+                              </a:rPr>
+                            </m:ctrlPr>
+                          </m:dPr>
+                          <m:e>
+                            <m:sSub>
+                              <m:sSubPr>
+                                <m:ctrlPr>
+                                  <a:rPr lang="ko-KR" altLang="en-US" sz="2000" i="1">
+                                    <a:latin typeface="Cambria Math" panose="02040503050406030204" pitchFamily="18" charset="0"/>
+                                  </a:rPr>
+                                </m:ctrlPr>
+                              </m:sSubPr>
+                              <m:e>
+                                <m:r>
+                                  <a:rPr lang="en-US" altLang="ko-KR" sz="2000" i="1">
+                                    <a:latin typeface="Cambria Math" panose="02040503050406030204" pitchFamily="18" charset="0"/>
+                                  </a:rPr>
+                                  <m:t>𝑎</m:t>
+                                </m:r>
+                              </m:e>
+                              <m:sub>
+                                <m:r>
+                                  <a:rPr lang="en-US" altLang="ko-KR" sz="2000" b="0" i="1" smtClean="0">
+                                    <a:latin typeface="Cambria Math" panose="02040503050406030204" pitchFamily="18" charset="0"/>
+                                  </a:rPr>
+                                  <m:t>2</m:t>
+                                </m:r>
+                              </m:sub>
+                            </m:sSub>
+                          </m:e>
+                        </m:d>
+                        <m:r>
+                          <a:rPr lang="en-US" altLang="ko-KR" sz="2000" i="1" smtClean="0">
+                            <a:latin typeface="Cambria Math" panose="02040503050406030204" pitchFamily="18" charset="0"/>
+                            <a:ea typeface="Cambria Math" panose="02040503050406030204" pitchFamily="18" charset="0"/>
+                          </a:rPr>
+                          <m:t>⋯</m:t>
+                        </m:r>
+                        <m:r>
+                          <a:rPr lang="en-US" altLang="ko-KR" sz="2000" i="1">
+                            <a:latin typeface="Cambria Math" panose="02040503050406030204" pitchFamily="18" charset="0"/>
+                          </a:rPr>
+                          <m:t>𝛤</m:t>
+                        </m:r>
+                        <m:d>
+                          <m:dPr>
+                            <m:ctrlPr>
+                              <a:rPr lang="en-US" altLang="ko-KR" sz="2000" i="1">
+                                <a:latin typeface="Cambria Math" panose="02040503050406030204" pitchFamily="18" charset="0"/>
+                              </a:rPr>
+                            </m:ctrlPr>
+                          </m:dPr>
+                          <m:e>
+                            <m:sSub>
+                              <m:sSubPr>
+                                <m:ctrlPr>
+                                  <a:rPr lang="ko-KR" altLang="en-US" sz="2000" i="1">
+                                    <a:latin typeface="Cambria Math" panose="02040503050406030204" pitchFamily="18" charset="0"/>
+                                  </a:rPr>
+                                </m:ctrlPr>
+                              </m:sSubPr>
+                              <m:e>
+                                <m:r>
+                                  <a:rPr lang="en-US" altLang="ko-KR" sz="2000" i="1">
+                                    <a:latin typeface="Cambria Math" panose="02040503050406030204" pitchFamily="18" charset="0"/>
+                                  </a:rPr>
+                                  <m:t>𝑎</m:t>
+                                </m:r>
+                              </m:e>
+                              <m:sub>
+                                <m:r>
+                                  <a:rPr lang="en-US" altLang="ko-KR" sz="2000" b="0" i="1" smtClean="0">
+                                    <a:latin typeface="Cambria Math" panose="02040503050406030204" pitchFamily="18" charset="0"/>
+                                  </a:rPr>
+                                  <m:t>𝑘</m:t>
+                                </m:r>
+                                <m:r>
+                                  <a:rPr lang="en-US" altLang="ko-KR" sz="2000" b="0" i="1" smtClean="0">
+                                    <a:latin typeface="Cambria Math" panose="02040503050406030204" pitchFamily="18" charset="0"/>
+                                  </a:rPr>
+                                  <m:t>+1</m:t>
+                                </m:r>
+                              </m:sub>
+                            </m:sSub>
+                          </m:e>
+                        </m:d>
+                      </m:den>
+                    </m:f>
+                  </m:oMath>
+                </a14:m>
+                <a:endParaRPr lang="en-US" altLang="ko-KR" sz="2000" dirty="0"/>
+              </a:p>
+              <a:p>
+                <a:pPr marL="0" indent="0">
+                  <a:buNone/>
+                </a:pPr>
+                <a:r>
+                  <a:rPr lang="en-US" altLang="ko-KR" sz="2000" dirty="0"/>
+                  <a:t>(2) </a:t>
+                </a:r>
+                <a:r>
+                  <a:rPr lang="ko-KR" altLang="en-US" sz="2000" dirty="0" err="1"/>
+                  <a:t>쓸모없는</a:t>
+                </a:r>
+                <a:r>
+                  <a:rPr lang="ko-KR" altLang="en-US" sz="2000" dirty="0"/>
+                  <a:t> </a:t>
+                </a:r>
+                <a14:m>
+                  <m:oMath xmlns:m="http://schemas.openxmlformats.org/officeDocument/2006/math">
+                    <m:sSub>
+                      <m:sSubPr>
+                        <m:ctrlPr>
+                          <a:rPr lang="ko-KR" altLang="en-US" sz="2000" i="1">
+                            <a:solidFill>
+                              <a:srgbClr val="C00000"/>
+                            </a:solidFill>
+                            <a:latin typeface="Cambria Math" panose="02040503050406030204" pitchFamily="18" charset="0"/>
+                          </a:rPr>
+                        </m:ctrlPr>
+                      </m:sSubPr>
+                      <m:e>
+                        <m:r>
+                          <a:rPr lang="en-US" altLang="ko-KR" sz="2000" i="1">
+                            <a:solidFill>
+                              <a:srgbClr val="C00000"/>
+                            </a:solidFill>
+                            <a:latin typeface="Cambria Math" panose="02040503050406030204" pitchFamily="18" charset="0"/>
+                          </a:rPr>
+                          <m:t>𝑦</m:t>
+                        </m:r>
+                      </m:e>
+                      <m:sub>
+                        <m:r>
+                          <a:rPr lang="en-US" altLang="ko-KR" sz="2000" i="1">
+                            <a:solidFill>
+                              <a:srgbClr val="C00000"/>
+                            </a:solidFill>
+                            <a:latin typeface="Cambria Math" panose="02040503050406030204" pitchFamily="18" charset="0"/>
+                          </a:rPr>
+                          <m:t>𝑘</m:t>
+                        </m:r>
+                        <m:r>
+                          <a:rPr lang="en-US" altLang="ko-KR" sz="2000" i="1">
+                            <a:solidFill>
+                              <a:srgbClr val="C00000"/>
+                            </a:solidFill>
+                            <a:latin typeface="Cambria Math" panose="02040503050406030204" pitchFamily="18" charset="0"/>
+                          </a:rPr>
+                          <m:t>+1</m:t>
+                        </m:r>
+                      </m:sub>
+                    </m:sSub>
+                  </m:oMath>
+                </a14:m>
+                <a:r>
+                  <a:rPr lang="ko-KR" altLang="en-US" sz="2000" dirty="0"/>
+                  <a:t>을 적분하여 없애면</a:t>
+                </a:r>
+                <a:endParaRPr lang="en-US" altLang="ko-KR" sz="2000" dirty="0"/>
+              </a:p>
+              <a:p>
+                <a:pPr marL="0" indent="0" algn="ctr">
+                  <a:buNone/>
+                </a:pPr>
+                <a:r>
+                  <a:rPr lang="en-US" altLang="ko-KR" sz="2000" dirty="0"/>
+                  <a:t>- </a:t>
+                </a:r>
+                <a14:m>
+                  <m:oMath xmlns:m="http://schemas.openxmlformats.org/officeDocument/2006/math">
+                    <m:nary>
+                      <m:naryPr>
+                        <m:limLoc m:val="undOvr"/>
+                        <m:grow m:val="on"/>
+                        <m:ctrlPr>
+                          <a:rPr lang="ko-KR" altLang="en-US" sz="2000" i="1">
+                            <a:latin typeface="Cambria Math" panose="02040503050406030204" pitchFamily="18" charset="0"/>
+                          </a:rPr>
+                        </m:ctrlPr>
+                      </m:naryPr>
+                      <m:sub>
+                        <m:r>
+                          <a:rPr lang="en-US" altLang="ko-KR" sz="2000" i="1">
+                            <a:latin typeface="Cambria Math" panose="02040503050406030204" pitchFamily="18" charset="0"/>
+                          </a:rPr>
+                          <m:t>0</m:t>
+                        </m:r>
+                      </m:sub>
+                      <m:sup>
+                        <m:r>
+                          <a:rPr lang="ko-KR" altLang="en-US" sz="2000" i="1">
+                            <a:latin typeface="Cambria Math" panose="02040503050406030204" pitchFamily="18" charset="0"/>
+                          </a:rPr>
+                          <m:t>∞</m:t>
+                        </m:r>
+                      </m:sup>
+                      <m:e>
+                        <m:f>
+                          <m:fPr>
+                            <m:ctrlPr>
+                              <a:rPr lang="en-US" altLang="ko-KR" sz="2000" i="1">
+                                <a:latin typeface="Cambria Math" panose="02040503050406030204" pitchFamily="18" charset="0"/>
+                              </a:rPr>
+                            </m:ctrlPr>
+                          </m:fPr>
+                          <m:num>
+                            <m:sSup>
+                              <m:sSupPr>
+                                <m:ctrlPr>
+                                  <a:rPr lang="en-US" altLang="ko-KR" sz="2000" i="1" dirty="0">
+                                    <a:solidFill>
+                                      <a:srgbClr val="C00000"/>
+                                    </a:solidFill>
+                                    <a:latin typeface="Cambria Math" panose="02040503050406030204" pitchFamily="18" charset="0"/>
+                                  </a:rPr>
+                                </m:ctrlPr>
+                              </m:sSupPr>
+                              <m:e>
+                                <m:sSub>
+                                  <m:sSubPr>
+                                    <m:ctrlPr>
+                                      <a:rPr lang="ko-KR" altLang="en-US" sz="2000" i="1">
+                                        <a:solidFill>
+                                          <a:srgbClr val="C00000"/>
+                                        </a:solidFill>
+                                        <a:latin typeface="Cambria Math" panose="02040503050406030204" pitchFamily="18" charset="0"/>
+                                      </a:rPr>
+                                    </m:ctrlPr>
+                                  </m:sSubPr>
+                                  <m:e>
+                                    <m:r>
+                                      <a:rPr lang="en-US" altLang="ko-KR" sz="2000" i="1">
+                                        <a:solidFill>
+                                          <a:srgbClr val="C00000"/>
+                                        </a:solidFill>
+                                        <a:latin typeface="Cambria Math" panose="02040503050406030204" pitchFamily="18" charset="0"/>
+                                      </a:rPr>
+                                      <m:t>𝑦</m:t>
+                                    </m:r>
+                                  </m:e>
+                                  <m:sub>
+                                    <m:r>
+                                      <a:rPr lang="en-US" altLang="ko-KR" sz="2000" i="1">
+                                        <a:solidFill>
+                                          <a:srgbClr val="C00000"/>
+                                        </a:solidFill>
+                                        <a:latin typeface="Cambria Math" panose="02040503050406030204" pitchFamily="18" charset="0"/>
+                                      </a:rPr>
+                                      <m:t>𝑘</m:t>
+                                    </m:r>
+                                    <m:r>
+                                      <a:rPr lang="en-US" altLang="ko-KR" sz="2000" i="1">
+                                        <a:solidFill>
+                                          <a:srgbClr val="C00000"/>
+                                        </a:solidFill>
+                                        <a:latin typeface="Cambria Math" panose="02040503050406030204" pitchFamily="18" charset="0"/>
+                                      </a:rPr>
+                                      <m:t>+1</m:t>
+                                    </m:r>
+                                  </m:sub>
+                                </m:sSub>
+                              </m:e>
+                              <m:sup>
+                                <m:sSub>
+                                  <m:sSubPr>
+                                    <m:ctrlPr>
+                                      <a:rPr lang="ko-KR" altLang="en-US" sz="2000" i="1">
+                                        <a:solidFill>
+                                          <a:srgbClr val="C00000"/>
+                                        </a:solidFill>
+                                        <a:latin typeface="Cambria Math" panose="02040503050406030204" pitchFamily="18" charset="0"/>
+                                      </a:rPr>
+                                    </m:ctrlPr>
+                                  </m:sSubPr>
+                                  <m:e>
+                                    <m:r>
+                                      <a:rPr lang="en-US" altLang="ko-KR" sz="2000" i="1">
+                                        <a:solidFill>
+                                          <a:srgbClr val="C00000"/>
+                                        </a:solidFill>
+                                        <a:latin typeface="Cambria Math" panose="02040503050406030204" pitchFamily="18" charset="0"/>
+                                      </a:rPr>
+                                      <m:t>𝑎</m:t>
+                                    </m:r>
+                                  </m:e>
+                                  <m:sub>
+                                    <m:r>
+                                      <a:rPr lang="en-US" altLang="ko-KR" sz="2000" i="1">
+                                        <a:solidFill>
+                                          <a:srgbClr val="C00000"/>
+                                        </a:solidFill>
+                                        <a:latin typeface="Cambria Math" panose="02040503050406030204" pitchFamily="18" charset="0"/>
+                                      </a:rPr>
+                                      <m:t>1</m:t>
+                                    </m:r>
+                                  </m:sub>
+                                </m:sSub>
+                                <m:r>
+                                  <a:rPr lang="en-US" altLang="ko-KR" sz="2000" i="1">
+                                    <a:solidFill>
+                                      <a:srgbClr val="C00000"/>
+                                    </a:solidFill>
+                                    <a:latin typeface="Cambria Math" panose="02040503050406030204" pitchFamily="18" charset="0"/>
+                                  </a:rPr>
+                                  <m:t>+</m:t>
+                                </m:r>
+                                <m:r>
+                                  <a:rPr lang="en-US" altLang="ko-KR" sz="2000" i="1">
+                                    <a:solidFill>
+                                      <a:srgbClr val="C00000"/>
+                                    </a:solidFill>
+                                    <a:latin typeface="Cambria Math" panose="02040503050406030204" pitchFamily="18" charset="0"/>
+                                    <a:ea typeface="Cambria Math" panose="02040503050406030204" pitchFamily="18" charset="0"/>
+                                  </a:rPr>
+                                  <m:t>⋯</m:t>
+                                </m:r>
+                                <m:r>
+                                  <a:rPr lang="en-US" altLang="ko-KR" sz="2000" i="1">
+                                    <a:solidFill>
+                                      <a:srgbClr val="C00000"/>
+                                    </a:solidFill>
+                                    <a:latin typeface="Cambria Math" panose="02040503050406030204" pitchFamily="18" charset="0"/>
+                                    <a:ea typeface="Cambria Math" panose="02040503050406030204" pitchFamily="18" charset="0"/>
+                                  </a:rPr>
+                                  <m:t>+</m:t>
+                                </m:r>
+                                <m:sSub>
+                                  <m:sSubPr>
+                                    <m:ctrlPr>
+                                      <a:rPr lang="ko-KR" altLang="en-US" sz="2000" i="1">
+                                        <a:solidFill>
+                                          <a:srgbClr val="C00000"/>
+                                        </a:solidFill>
+                                        <a:latin typeface="Cambria Math" panose="02040503050406030204" pitchFamily="18" charset="0"/>
+                                      </a:rPr>
+                                    </m:ctrlPr>
+                                  </m:sSubPr>
+                                  <m:e>
+                                    <m:r>
+                                      <a:rPr lang="en-US" altLang="ko-KR" sz="2000" i="1">
+                                        <a:solidFill>
+                                          <a:srgbClr val="C00000"/>
+                                        </a:solidFill>
+                                        <a:latin typeface="Cambria Math" panose="02040503050406030204" pitchFamily="18" charset="0"/>
+                                      </a:rPr>
+                                      <m:t>𝑎</m:t>
+                                    </m:r>
+                                  </m:e>
+                                  <m:sub>
+                                    <m:r>
+                                      <a:rPr lang="en-US" altLang="ko-KR" sz="2000" i="1">
+                                        <a:solidFill>
+                                          <a:srgbClr val="C00000"/>
+                                        </a:solidFill>
+                                        <a:latin typeface="Cambria Math" panose="02040503050406030204" pitchFamily="18" charset="0"/>
+                                      </a:rPr>
+                                      <m:t>𝑘</m:t>
+                                    </m:r>
+                                    <m:r>
+                                      <a:rPr lang="en-US" altLang="ko-KR" sz="2000" i="1">
+                                        <a:solidFill>
+                                          <a:srgbClr val="C00000"/>
+                                        </a:solidFill>
+                                        <a:latin typeface="Cambria Math" panose="02040503050406030204" pitchFamily="18" charset="0"/>
+                                      </a:rPr>
+                                      <m:t>+1</m:t>
+                                    </m:r>
+                                  </m:sub>
+                                </m:sSub>
+                                <m:r>
+                                  <a:rPr lang="en-US" altLang="ko-KR" sz="2000" i="1">
+                                    <a:solidFill>
+                                      <a:srgbClr val="C00000"/>
+                                    </a:solidFill>
+                                    <a:latin typeface="Cambria Math" panose="02040503050406030204" pitchFamily="18" charset="0"/>
+                                  </a:rPr>
+                                  <m:t>−1</m:t>
+                                </m:r>
+                              </m:sup>
+                            </m:sSup>
+                            <m:r>
+                              <a:rPr lang="en-US" altLang="ko-KR" sz="2000" i="1">
+                                <a:solidFill>
+                                  <a:srgbClr val="00B050"/>
+                                </a:solidFill>
+                                <a:latin typeface="Cambria Math" panose="02040503050406030204" pitchFamily="18" charset="0"/>
+                              </a:rPr>
+                              <m:t>[</m:t>
+                            </m:r>
+                            <m:sSup>
+                              <m:sSupPr>
+                                <m:ctrlPr>
+                                  <a:rPr lang="en-US" altLang="ko-KR" sz="2000" i="1" dirty="0">
+                                    <a:solidFill>
+                                      <a:srgbClr val="00B050"/>
+                                    </a:solidFill>
+                                    <a:latin typeface="Cambria Math" panose="02040503050406030204" pitchFamily="18" charset="0"/>
+                                  </a:rPr>
+                                </m:ctrlPr>
+                              </m:sSupPr>
+                              <m:e>
+                                <m:sSub>
+                                  <m:sSubPr>
+                                    <m:ctrlPr>
+                                      <a:rPr lang="ko-KR" altLang="en-US" sz="2000" i="1">
+                                        <a:solidFill>
+                                          <a:srgbClr val="00B050"/>
+                                        </a:solidFill>
+                                        <a:latin typeface="Cambria Math" panose="02040503050406030204" pitchFamily="18" charset="0"/>
+                                      </a:rPr>
+                                    </m:ctrlPr>
+                                  </m:sSubPr>
+                                  <m:e>
+                                    <m:r>
+                                      <a:rPr lang="en-US" altLang="ko-KR" sz="2000" i="1">
+                                        <a:solidFill>
+                                          <a:srgbClr val="00B050"/>
+                                        </a:solidFill>
+                                        <a:latin typeface="Cambria Math" panose="02040503050406030204" pitchFamily="18" charset="0"/>
+                                      </a:rPr>
+                                      <m:t>𝑦</m:t>
+                                    </m:r>
+                                  </m:e>
+                                  <m:sub>
+                                    <m:r>
+                                      <a:rPr lang="en-US" altLang="ko-KR" sz="2000" i="1">
+                                        <a:solidFill>
+                                          <a:srgbClr val="00B050"/>
+                                        </a:solidFill>
+                                        <a:latin typeface="Cambria Math" panose="02040503050406030204" pitchFamily="18" charset="0"/>
+                                      </a:rPr>
+                                      <m:t>1</m:t>
+                                    </m:r>
+                                  </m:sub>
+                                </m:sSub>
+                              </m:e>
+                              <m:sup>
+                                <m:sSub>
+                                  <m:sSubPr>
+                                    <m:ctrlPr>
+                                      <a:rPr lang="ko-KR" altLang="en-US" sz="2000" i="1">
+                                        <a:solidFill>
+                                          <a:srgbClr val="00B050"/>
+                                        </a:solidFill>
+                                        <a:latin typeface="Cambria Math" panose="02040503050406030204" pitchFamily="18" charset="0"/>
+                                      </a:rPr>
+                                    </m:ctrlPr>
+                                  </m:sSubPr>
+                                  <m:e>
+                                    <m:r>
+                                      <a:rPr lang="en-US" altLang="ko-KR" sz="2000" i="1">
+                                        <a:solidFill>
+                                          <a:srgbClr val="00B050"/>
+                                        </a:solidFill>
+                                        <a:latin typeface="Cambria Math" panose="02040503050406030204" pitchFamily="18" charset="0"/>
+                                      </a:rPr>
+                                      <m:t>𝑎</m:t>
+                                    </m:r>
+                                  </m:e>
+                                  <m:sub>
+                                    <m:r>
+                                      <a:rPr lang="en-US" altLang="ko-KR" sz="2000" i="1">
+                                        <a:solidFill>
+                                          <a:srgbClr val="00B050"/>
+                                        </a:solidFill>
+                                        <a:latin typeface="Cambria Math" panose="02040503050406030204" pitchFamily="18" charset="0"/>
+                                      </a:rPr>
+                                      <m:t>1</m:t>
+                                    </m:r>
+                                  </m:sub>
+                                </m:sSub>
+                                <m:r>
+                                  <a:rPr lang="en-US" altLang="ko-KR" sz="2000" i="1">
+                                    <a:solidFill>
+                                      <a:srgbClr val="00B050"/>
+                                    </a:solidFill>
+                                    <a:latin typeface="Cambria Math" panose="02040503050406030204" pitchFamily="18" charset="0"/>
+                                  </a:rPr>
+                                  <m:t>−1</m:t>
+                                </m:r>
+                              </m:sup>
+                            </m:sSup>
+                            <m:r>
+                              <a:rPr lang="en-US" altLang="ko-KR" sz="2000" i="1">
+                                <a:solidFill>
+                                  <a:srgbClr val="00B050"/>
+                                </a:solidFill>
+                                <a:latin typeface="Cambria Math" panose="02040503050406030204" pitchFamily="18" charset="0"/>
+                                <a:ea typeface="Cambria Math" panose="02040503050406030204" pitchFamily="18" charset="0"/>
+                              </a:rPr>
+                              <m:t>⋯</m:t>
+                            </m:r>
+                            <m:sSup>
+                              <m:sSupPr>
+                                <m:ctrlPr>
+                                  <a:rPr lang="en-US" altLang="ko-KR" sz="2000" i="1" dirty="0">
+                                    <a:solidFill>
+                                      <a:srgbClr val="00B050"/>
+                                    </a:solidFill>
+                                    <a:latin typeface="Cambria Math" panose="02040503050406030204" pitchFamily="18" charset="0"/>
+                                  </a:rPr>
+                                </m:ctrlPr>
+                              </m:sSupPr>
+                              <m:e>
+                                <m:sSub>
+                                  <m:sSubPr>
+                                    <m:ctrlPr>
+                                      <a:rPr lang="ko-KR" altLang="en-US" sz="2000" i="1">
+                                        <a:solidFill>
+                                          <a:srgbClr val="00B050"/>
+                                        </a:solidFill>
+                                        <a:latin typeface="Cambria Math" panose="02040503050406030204" pitchFamily="18" charset="0"/>
+                                      </a:rPr>
+                                    </m:ctrlPr>
+                                  </m:sSubPr>
+                                  <m:e>
+                                    <m:r>
+                                      <a:rPr lang="en-US" altLang="ko-KR" sz="2000" i="1">
+                                        <a:solidFill>
+                                          <a:srgbClr val="00B050"/>
+                                        </a:solidFill>
+                                        <a:latin typeface="Cambria Math" panose="02040503050406030204" pitchFamily="18" charset="0"/>
+                                      </a:rPr>
+                                      <m:t>𝑦</m:t>
+                                    </m:r>
+                                  </m:e>
+                                  <m:sub>
+                                    <m:r>
+                                      <a:rPr lang="en-US" altLang="ko-KR" sz="2000" i="1">
+                                        <a:solidFill>
+                                          <a:srgbClr val="00B050"/>
+                                        </a:solidFill>
+                                        <a:latin typeface="Cambria Math" panose="02040503050406030204" pitchFamily="18" charset="0"/>
+                                      </a:rPr>
+                                      <m:t>𝑘</m:t>
+                                    </m:r>
+                                  </m:sub>
+                                </m:sSub>
+                              </m:e>
+                              <m:sup>
+                                <m:sSub>
+                                  <m:sSubPr>
+                                    <m:ctrlPr>
+                                      <a:rPr lang="ko-KR" altLang="en-US" sz="2000" i="1">
+                                        <a:solidFill>
+                                          <a:srgbClr val="00B050"/>
+                                        </a:solidFill>
+                                        <a:latin typeface="Cambria Math" panose="02040503050406030204" pitchFamily="18" charset="0"/>
+                                      </a:rPr>
+                                    </m:ctrlPr>
+                                  </m:sSubPr>
+                                  <m:e>
+                                    <m:r>
+                                      <a:rPr lang="en-US" altLang="ko-KR" sz="2000" i="1">
+                                        <a:solidFill>
+                                          <a:srgbClr val="00B050"/>
+                                        </a:solidFill>
+                                        <a:latin typeface="Cambria Math" panose="02040503050406030204" pitchFamily="18" charset="0"/>
+                                      </a:rPr>
+                                      <m:t>𝑎</m:t>
+                                    </m:r>
+                                  </m:e>
+                                  <m:sub>
+                                    <m:r>
+                                      <a:rPr lang="en-US" altLang="ko-KR" sz="2000" i="1">
+                                        <a:solidFill>
+                                          <a:srgbClr val="00B050"/>
+                                        </a:solidFill>
+                                        <a:latin typeface="Cambria Math" panose="02040503050406030204" pitchFamily="18" charset="0"/>
+                                      </a:rPr>
+                                      <m:t>𝑘</m:t>
+                                    </m:r>
+                                  </m:sub>
+                                </m:sSub>
+                                <m:r>
+                                  <a:rPr lang="en-US" altLang="ko-KR" sz="2000" i="1">
+                                    <a:solidFill>
+                                      <a:srgbClr val="00B050"/>
+                                    </a:solidFill>
+                                    <a:latin typeface="Cambria Math" panose="02040503050406030204" pitchFamily="18" charset="0"/>
+                                  </a:rPr>
+                                  <m:t>−1</m:t>
+                                </m:r>
+                              </m:sup>
+                            </m:sSup>
+                            <m:sSup>
+                              <m:sSupPr>
+                                <m:ctrlPr>
+                                  <a:rPr lang="en-US" altLang="ko-KR" sz="2000" i="1">
+                                    <a:solidFill>
+                                      <a:srgbClr val="00B050"/>
+                                    </a:solidFill>
+                                    <a:latin typeface="Cambria Math" panose="02040503050406030204" pitchFamily="18" charset="0"/>
+                                  </a:rPr>
+                                </m:ctrlPr>
+                              </m:sSupPr>
+                              <m:e>
+                                <m:r>
+                                  <a:rPr lang="en-US" altLang="ko-KR" sz="2000" i="1">
+                                    <a:solidFill>
+                                      <a:srgbClr val="00B050"/>
+                                    </a:solidFill>
+                                    <a:latin typeface="Cambria Math" panose="02040503050406030204" pitchFamily="18" charset="0"/>
+                                  </a:rPr>
+                                  <m:t>(1−</m:t>
+                                </m:r>
+                                <m:sSub>
+                                  <m:sSubPr>
+                                    <m:ctrlPr>
+                                      <a:rPr lang="ko-KR" altLang="en-US" sz="2000" i="1">
+                                        <a:solidFill>
+                                          <a:srgbClr val="00B050"/>
+                                        </a:solidFill>
+                                        <a:latin typeface="Cambria Math" panose="02040503050406030204" pitchFamily="18" charset="0"/>
+                                      </a:rPr>
+                                    </m:ctrlPr>
+                                  </m:sSubPr>
+                                  <m:e>
+                                    <m:r>
+                                      <a:rPr lang="en-US" altLang="ko-KR" sz="2000" i="1">
+                                        <a:solidFill>
+                                          <a:srgbClr val="00B050"/>
+                                        </a:solidFill>
+                                        <a:latin typeface="Cambria Math" panose="02040503050406030204" pitchFamily="18" charset="0"/>
+                                      </a:rPr>
+                                      <m:t>𝑦</m:t>
+                                    </m:r>
+                                  </m:e>
+                                  <m:sub>
+                                    <m:r>
+                                      <a:rPr lang="en-US" altLang="ko-KR" sz="2000" i="1">
+                                        <a:solidFill>
+                                          <a:srgbClr val="00B050"/>
+                                        </a:solidFill>
+                                        <a:latin typeface="Cambria Math" panose="02040503050406030204" pitchFamily="18" charset="0"/>
+                                      </a:rPr>
+                                      <m:t>1</m:t>
+                                    </m:r>
+                                  </m:sub>
+                                </m:sSub>
+                                <m:r>
+                                  <a:rPr lang="en-US" altLang="ko-KR" sz="2000" i="1">
+                                    <a:solidFill>
+                                      <a:srgbClr val="00B050"/>
+                                    </a:solidFill>
+                                    <a:latin typeface="Cambria Math" panose="02040503050406030204" pitchFamily="18" charset="0"/>
+                                  </a:rPr>
+                                  <m:t>−</m:t>
+                                </m:r>
+                                <m:r>
+                                  <a:rPr lang="en-US" altLang="ko-KR" sz="2000" i="1">
+                                    <a:solidFill>
+                                      <a:srgbClr val="00B050"/>
+                                    </a:solidFill>
+                                    <a:latin typeface="Cambria Math" panose="02040503050406030204" pitchFamily="18" charset="0"/>
+                                    <a:ea typeface="Cambria Math" panose="02040503050406030204" pitchFamily="18" charset="0"/>
+                                  </a:rPr>
+                                  <m:t>⋯−</m:t>
+                                </m:r>
+                                <m:sSub>
+                                  <m:sSubPr>
+                                    <m:ctrlPr>
+                                      <a:rPr lang="ko-KR" altLang="en-US" sz="2000" i="1">
+                                        <a:solidFill>
+                                          <a:srgbClr val="00B050"/>
+                                        </a:solidFill>
+                                        <a:latin typeface="Cambria Math" panose="02040503050406030204" pitchFamily="18" charset="0"/>
+                                      </a:rPr>
+                                    </m:ctrlPr>
+                                  </m:sSubPr>
+                                  <m:e>
+                                    <m:r>
+                                      <a:rPr lang="en-US" altLang="ko-KR" sz="2000" i="1">
+                                        <a:solidFill>
+                                          <a:srgbClr val="00B050"/>
+                                        </a:solidFill>
+                                        <a:latin typeface="Cambria Math" panose="02040503050406030204" pitchFamily="18" charset="0"/>
+                                      </a:rPr>
+                                      <m:t>𝑦</m:t>
+                                    </m:r>
+                                  </m:e>
+                                  <m:sub>
+                                    <m:r>
+                                      <a:rPr lang="en-US" altLang="ko-KR" sz="2000" i="1">
+                                        <a:solidFill>
+                                          <a:srgbClr val="00B050"/>
+                                        </a:solidFill>
+                                        <a:latin typeface="Cambria Math" panose="02040503050406030204" pitchFamily="18" charset="0"/>
+                                      </a:rPr>
+                                      <m:t>𝑘</m:t>
+                                    </m:r>
+                                  </m:sub>
+                                </m:sSub>
+                                <m:r>
+                                  <a:rPr lang="en-US" altLang="ko-KR" sz="2000" i="1">
+                                    <a:solidFill>
+                                      <a:srgbClr val="00B050"/>
+                                    </a:solidFill>
+                                    <a:latin typeface="Cambria Math" panose="02040503050406030204" pitchFamily="18" charset="0"/>
+                                  </a:rPr>
+                                  <m:t>)</m:t>
+                                </m:r>
+                              </m:e>
+                              <m:sup>
+                                <m:sSub>
+                                  <m:sSubPr>
+                                    <m:ctrlPr>
+                                      <a:rPr lang="ko-KR" altLang="en-US" sz="2000" i="1">
+                                        <a:solidFill>
+                                          <a:srgbClr val="00B050"/>
+                                        </a:solidFill>
+                                        <a:latin typeface="Cambria Math" panose="02040503050406030204" pitchFamily="18" charset="0"/>
+                                      </a:rPr>
+                                    </m:ctrlPr>
+                                  </m:sSubPr>
+                                  <m:e>
+                                    <m:r>
+                                      <a:rPr lang="en-US" altLang="ko-KR" sz="2000" i="1">
+                                        <a:solidFill>
+                                          <a:srgbClr val="00B050"/>
+                                        </a:solidFill>
+                                        <a:latin typeface="Cambria Math" panose="02040503050406030204" pitchFamily="18" charset="0"/>
+                                      </a:rPr>
+                                      <m:t>𝑎</m:t>
+                                    </m:r>
+                                  </m:e>
+                                  <m:sub>
+                                    <m:r>
+                                      <a:rPr lang="en-US" altLang="ko-KR" sz="2000" i="1">
+                                        <a:solidFill>
+                                          <a:srgbClr val="00B050"/>
+                                        </a:solidFill>
+                                        <a:latin typeface="Cambria Math" panose="02040503050406030204" pitchFamily="18" charset="0"/>
+                                      </a:rPr>
+                                      <m:t>𝑘</m:t>
+                                    </m:r>
+                                    <m:r>
+                                      <a:rPr lang="en-US" altLang="ko-KR" sz="2000" i="1">
+                                        <a:solidFill>
+                                          <a:srgbClr val="00B050"/>
+                                        </a:solidFill>
+                                        <a:latin typeface="Cambria Math" panose="02040503050406030204" pitchFamily="18" charset="0"/>
+                                      </a:rPr>
+                                      <m:t>+1</m:t>
+                                    </m:r>
+                                  </m:sub>
+                                </m:sSub>
+                                <m:r>
+                                  <a:rPr lang="en-US" altLang="ko-KR" sz="2000" i="1">
+                                    <a:solidFill>
+                                      <a:srgbClr val="00B050"/>
+                                    </a:solidFill>
+                                    <a:latin typeface="Cambria Math" panose="02040503050406030204" pitchFamily="18" charset="0"/>
+                                  </a:rPr>
+                                  <m:t>−1</m:t>
+                                </m:r>
+                              </m:sup>
+                            </m:sSup>
+                            <m:sSup>
+                              <m:sSupPr>
+                                <m:ctrlPr>
+                                  <a:rPr lang="en-US" altLang="ko-KR" sz="2000" i="1">
+                                    <a:solidFill>
+                                      <a:srgbClr val="7030A0"/>
+                                    </a:solidFill>
+                                    <a:latin typeface="Cambria Math" panose="02040503050406030204" pitchFamily="18" charset="0"/>
+                                  </a:rPr>
+                                </m:ctrlPr>
+                              </m:sSupPr>
+                              <m:e>
+                                <m:r>
+                                  <a:rPr lang="en-US" altLang="ko-KR" sz="2000" i="1">
+                                    <a:solidFill>
+                                      <a:srgbClr val="7030A0"/>
+                                    </a:solidFill>
+                                    <a:latin typeface="Cambria Math" panose="02040503050406030204" pitchFamily="18" charset="0"/>
+                                  </a:rPr>
+                                  <m:t>]</m:t>
+                                </m:r>
+                                <m:r>
+                                  <a:rPr lang="en-US" altLang="ko-KR" sz="2000" i="1">
+                                    <a:solidFill>
+                                      <a:srgbClr val="7030A0"/>
+                                    </a:solidFill>
+                                    <a:latin typeface="Cambria Math" panose="02040503050406030204" pitchFamily="18" charset="0"/>
+                                  </a:rPr>
+                                  <m:t>𝑒</m:t>
+                                </m:r>
+                              </m:e>
+                              <m:sup>
+                                <m:r>
+                                  <a:rPr lang="en-US" altLang="ko-KR" sz="2000" i="1">
+                                    <a:solidFill>
+                                      <a:srgbClr val="7030A0"/>
+                                    </a:solidFill>
+                                    <a:latin typeface="Cambria Math" panose="02040503050406030204" pitchFamily="18" charset="0"/>
+                                  </a:rPr>
+                                  <m:t>−</m:t>
+                                </m:r>
+                                <m:sSub>
+                                  <m:sSubPr>
+                                    <m:ctrlPr>
+                                      <a:rPr lang="ko-KR" altLang="en-US" sz="2000" i="1">
+                                        <a:solidFill>
+                                          <a:srgbClr val="7030A0"/>
+                                        </a:solidFill>
+                                        <a:latin typeface="Cambria Math" panose="02040503050406030204" pitchFamily="18" charset="0"/>
+                                      </a:rPr>
+                                    </m:ctrlPr>
+                                  </m:sSubPr>
+                                  <m:e>
+                                    <m:r>
+                                      <a:rPr lang="en-US" altLang="ko-KR" sz="2000" i="1">
+                                        <a:solidFill>
+                                          <a:srgbClr val="7030A0"/>
+                                        </a:solidFill>
+                                        <a:latin typeface="Cambria Math" panose="02040503050406030204" pitchFamily="18" charset="0"/>
+                                      </a:rPr>
+                                      <m:t>𝑦</m:t>
+                                    </m:r>
+                                  </m:e>
+                                  <m:sub>
+                                    <m:r>
+                                      <a:rPr lang="en-US" altLang="ko-KR" sz="2000" i="1">
+                                        <a:solidFill>
+                                          <a:srgbClr val="7030A0"/>
+                                        </a:solidFill>
+                                        <a:latin typeface="Cambria Math" panose="02040503050406030204" pitchFamily="18" charset="0"/>
+                                      </a:rPr>
+                                      <m:t>𝑘</m:t>
+                                    </m:r>
+                                    <m:r>
+                                      <a:rPr lang="en-US" altLang="ko-KR" sz="2000" i="1">
+                                        <a:solidFill>
+                                          <a:srgbClr val="7030A0"/>
+                                        </a:solidFill>
+                                        <a:latin typeface="Cambria Math" panose="02040503050406030204" pitchFamily="18" charset="0"/>
+                                      </a:rPr>
+                                      <m:t>+1</m:t>
+                                    </m:r>
+                                  </m:sub>
+                                </m:sSub>
+                              </m:sup>
+                            </m:sSup>
+                          </m:num>
+                          <m:den>
+                            <m:r>
+                              <a:rPr lang="en-US" altLang="ko-KR" sz="2000" i="1">
+                                <a:latin typeface="Cambria Math" panose="02040503050406030204" pitchFamily="18" charset="0"/>
+                              </a:rPr>
+                              <m:t>𝛤</m:t>
+                            </m:r>
+                            <m:d>
+                              <m:dPr>
+                                <m:ctrlPr>
+                                  <a:rPr lang="en-US" altLang="ko-KR" sz="2000" i="1">
+                                    <a:latin typeface="Cambria Math" panose="02040503050406030204" pitchFamily="18" charset="0"/>
+                                  </a:rPr>
+                                </m:ctrlPr>
+                              </m:dPr>
+                              <m:e>
+                                <m:sSub>
+                                  <m:sSubPr>
+                                    <m:ctrlPr>
+                                      <a:rPr lang="ko-KR" altLang="en-US" sz="2000" i="1">
+                                        <a:latin typeface="Cambria Math" panose="02040503050406030204" pitchFamily="18" charset="0"/>
+                                      </a:rPr>
+                                    </m:ctrlPr>
+                                  </m:sSubPr>
+                                  <m:e>
+                                    <m:r>
+                                      <a:rPr lang="en-US" altLang="ko-KR" sz="2000" i="1">
+                                        <a:latin typeface="Cambria Math" panose="02040503050406030204" pitchFamily="18" charset="0"/>
+                                      </a:rPr>
+                                      <m:t>𝑎</m:t>
+                                    </m:r>
+                                  </m:e>
+                                  <m:sub>
+                                    <m:r>
+                                      <a:rPr lang="en-US" altLang="ko-KR" sz="2000" i="1">
+                                        <a:latin typeface="Cambria Math" panose="02040503050406030204" pitchFamily="18" charset="0"/>
+                                      </a:rPr>
+                                      <m:t>1</m:t>
+                                    </m:r>
+                                  </m:sub>
+                                </m:sSub>
+                              </m:e>
+                            </m:d>
+                            <m:r>
+                              <a:rPr lang="en-US" altLang="ko-KR" sz="2000" i="1">
+                                <a:latin typeface="Cambria Math" panose="02040503050406030204" pitchFamily="18" charset="0"/>
+                              </a:rPr>
+                              <m:t>𝛤</m:t>
+                            </m:r>
+                            <m:d>
+                              <m:dPr>
+                                <m:ctrlPr>
+                                  <a:rPr lang="en-US" altLang="ko-KR" sz="2000" i="1">
+                                    <a:latin typeface="Cambria Math" panose="02040503050406030204" pitchFamily="18" charset="0"/>
+                                  </a:rPr>
+                                </m:ctrlPr>
+                              </m:dPr>
+                              <m:e>
+                                <m:sSub>
+                                  <m:sSubPr>
+                                    <m:ctrlPr>
+                                      <a:rPr lang="ko-KR" altLang="en-US" sz="2000" i="1">
+                                        <a:latin typeface="Cambria Math" panose="02040503050406030204" pitchFamily="18" charset="0"/>
+                                      </a:rPr>
+                                    </m:ctrlPr>
+                                  </m:sSubPr>
+                                  <m:e>
+                                    <m:r>
+                                      <a:rPr lang="en-US" altLang="ko-KR" sz="2000" i="1">
+                                        <a:latin typeface="Cambria Math" panose="02040503050406030204" pitchFamily="18" charset="0"/>
+                                      </a:rPr>
+                                      <m:t>𝑎</m:t>
+                                    </m:r>
+                                  </m:e>
+                                  <m:sub>
+                                    <m:r>
+                                      <a:rPr lang="en-US" altLang="ko-KR" sz="2000" i="1">
+                                        <a:latin typeface="Cambria Math" panose="02040503050406030204" pitchFamily="18" charset="0"/>
+                                      </a:rPr>
+                                      <m:t>2</m:t>
+                                    </m:r>
+                                  </m:sub>
+                                </m:sSub>
+                              </m:e>
+                            </m:d>
+                            <m:r>
+                              <a:rPr lang="en-US" altLang="ko-KR" sz="2000" i="1">
+                                <a:latin typeface="Cambria Math" panose="02040503050406030204" pitchFamily="18" charset="0"/>
+                                <a:ea typeface="Cambria Math" panose="02040503050406030204" pitchFamily="18" charset="0"/>
+                              </a:rPr>
+                              <m:t>⋯</m:t>
+                            </m:r>
+                            <m:r>
+                              <a:rPr lang="en-US" altLang="ko-KR" sz="2000" i="1">
+                                <a:latin typeface="Cambria Math" panose="02040503050406030204" pitchFamily="18" charset="0"/>
+                              </a:rPr>
+                              <m:t>𝛤</m:t>
+                            </m:r>
+                            <m:d>
+                              <m:dPr>
+                                <m:ctrlPr>
+                                  <a:rPr lang="en-US" altLang="ko-KR" sz="2000" i="1">
+                                    <a:latin typeface="Cambria Math" panose="02040503050406030204" pitchFamily="18" charset="0"/>
+                                  </a:rPr>
+                                </m:ctrlPr>
+                              </m:dPr>
+                              <m:e>
+                                <m:sSub>
+                                  <m:sSubPr>
+                                    <m:ctrlPr>
+                                      <a:rPr lang="ko-KR" altLang="en-US" sz="2000" i="1">
+                                        <a:latin typeface="Cambria Math" panose="02040503050406030204" pitchFamily="18" charset="0"/>
+                                      </a:rPr>
+                                    </m:ctrlPr>
+                                  </m:sSubPr>
+                                  <m:e>
+                                    <m:r>
+                                      <a:rPr lang="en-US" altLang="ko-KR" sz="2000" i="1">
+                                        <a:latin typeface="Cambria Math" panose="02040503050406030204" pitchFamily="18" charset="0"/>
+                                      </a:rPr>
+                                      <m:t>𝑎</m:t>
+                                    </m:r>
+                                  </m:e>
+                                  <m:sub>
+                                    <m:r>
+                                      <a:rPr lang="en-US" altLang="ko-KR" sz="2000" i="1">
+                                        <a:latin typeface="Cambria Math" panose="02040503050406030204" pitchFamily="18" charset="0"/>
+                                      </a:rPr>
+                                      <m:t>𝑘</m:t>
+                                    </m:r>
+                                    <m:r>
+                                      <a:rPr lang="en-US" altLang="ko-KR" sz="2000" i="1">
+                                        <a:latin typeface="Cambria Math" panose="02040503050406030204" pitchFamily="18" charset="0"/>
+                                      </a:rPr>
+                                      <m:t>+1</m:t>
+                                    </m:r>
+                                  </m:sub>
+                                </m:sSub>
+                              </m:e>
+                            </m:d>
+                          </m:den>
+                        </m:f>
+                        <m:r>
+                          <a:rPr lang="ko-KR" altLang="en-US" sz="2000" i="1">
+                            <a:latin typeface="Cambria Math" panose="02040503050406030204" pitchFamily="18" charset="0"/>
+                          </a:rPr>
+                          <m:t>ⅆ</m:t>
+                        </m:r>
+                        <m:sSub>
+                          <m:sSubPr>
+                            <m:ctrlPr>
+                              <a:rPr lang="ko-KR" altLang="en-US" sz="2000" i="1">
+                                <a:latin typeface="Cambria Math" panose="02040503050406030204" pitchFamily="18" charset="0"/>
+                              </a:rPr>
+                            </m:ctrlPr>
+                          </m:sSubPr>
+                          <m:e>
+                            <m:r>
+                              <a:rPr lang="en-US" altLang="ko-KR" sz="2000" i="1">
+                                <a:latin typeface="Cambria Math" panose="02040503050406030204" pitchFamily="18" charset="0"/>
+                              </a:rPr>
+                              <m:t>𝑦</m:t>
+                            </m:r>
+                          </m:e>
+                          <m:sub>
+                            <m:r>
+                              <a:rPr lang="en-US" altLang="ko-KR" sz="2000" b="0" i="1" smtClean="0">
+                                <a:latin typeface="Cambria Math" panose="02040503050406030204" pitchFamily="18" charset="0"/>
+                              </a:rPr>
+                              <m:t>𝑘</m:t>
+                            </m:r>
+                            <m:r>
+                              <a:rPr lang="en-US" altLang="ko-KR" sz="2000" b="0" i="1" smtClean="0">
+                                <a:latin typeface="Cambria Math" panose="02040503050406030204" pitchFamily="18" charset="0"/>
+                              </a:rPr>
+                              <m:t>+1</m:t>
+                            </m:r>
+                          </m:sub>
+                        </m:sSub>
+                      </m:e>
+                    </m:nary>
+                  </m:oMath>
+                </a14:m>
+                <a:br>
+                  <a:rPr lang="en-US" altLang="ko-KR" sz="2000" dirty="0"/>
+                </a:br>
+                <a:br>
+                  <a:rPr lang="en-US" altLang="ko-KR" sz="2000" dirty="0"/>
+                </a:br>
+                <a:r>
+                  <a:rPr lang="en-US" altLang="ko-KR" sz="2000" dirty="0"/>
+                  <a:t>= </a:t>
+                </a:r>
+                <a14:m>
+                  <m:oMath xmlns:m="http://schemas.openxmlformats.org/officeDocument/2006/math">
+                    <m:f>
+                      <m:fPr>
+                        <m:ctrlPr>
+                          <a:rPr lang="en-US" altLang="ko-KR" sz="2000" b="0" i="1" smtClean="0">
+                            <a:solidFill>
+                              <a:srgbClr val="00B050"/>
+                            </a:solidFill>
+                            <a:latin typeface="Cambria Math" panose="02040503050406030204" pitchFamily="18" charset="0"/>
+                          </a:rPr>
+                        </m:ctrlPr>
+                      </m:fPr>
+                      <m:num>
+                        <m:r>
+                          <a:rPr lang="en-US" altLang="ko-KR" sz="2000" i="1">
+                            <a:solidFill>
+                              <a:srgbClr val="00B050"/>
+                            </a:solidFill>
+                            <a:latin typeface="Cambria Math" panose="02040503050406030204" pitchFamily="18" charset="0"/>
+                          </a:rPr>
+                          <m:t>[</m:t>
+                        </m:r>
+                        <m:sSup>
+                          <m:sSupPr>
+                            <m:ctrlPr>
+                              <a:rPr lang="en-US" altLang="ko-KR" sz="2000" i="1" dirty="0">
+                                <a:solidFill>
+                                  <a:srgbClr val="00B050"/>
+                                </a:solidFill>
+                                <a:latin typeface="Cambria Math" panose="02040503050406030204" pitchFamily="18" charset="0"/>
+                              </a:rPr>
+                            </m:ctrlPr>
+                          </m:sSupPr>
+                          <m:e>
+                            <m:sSub>
+                              <m:sSubPr>
+                                <m:ctrlPr>
+                                  <a:rPr lang="ko-KR" altLang="en-US" sz="2000" i="1">
+                                    <a:solidFill>
+                                      <a:srgbClr val="00B050"/>
+                                    </a:solidFill>
+                                    <a:latin typeface="Cambria Math" panose="02040503050406030204" pitchFamily="18" charset="0"/>
+                                  </a:rPr>
+                                </m:ctrlPr>
+                              </m:sSubPr>
+                              <m:e>
+                                <m:r>
+                                  <a:rPr lang="en-US" altLang="ko-KR" sz="2000" i="1">
+                                    <a:solidFill>
+                                      <a:srgbClr val="00B050"/>
+                                    </a:solidFill>
+                                    <a:latin typeface="Cambria Math" panose="02040503050406030204" pitchFamily="18" charset="0"/>
+                                  </a:rPr>
+                                  <m:t>𝑦</m:t>
+                                </m:r>
+                              </m:e>
+                              <m:sub>
+                                <m:r>
+                                  <a:rPr lang="en-US" altLang="ko-KR" sz="2000" i="1">
+                                    <a:solidFill>
+                                      <a:srgbClr val="00B050"/>
+                                    </a:solidFill>
+                                    <a:latin typeface="Cambria Math" panose="02040503050406030204" pitchFamily="18" charset="0"/>
+                                  </a:rPr>
+                                  <m:t>1</m:t>
+                                </m:r>
+                              </m:sub>
+                            </m:sSub>
+                          </m:e>
+                          <m:sup>
+                            <m:sSub>
+                              <m:sSubPr>
+                                <m:ctrlPr>
+                                  <a:rPr lang="ko-KR" altLang="en-US" sz="2000" i="1">
+                                    <a:solidFill>
+                                      <a:srgbClr val="00B050"/>
+                                    </a:solidFill>
+                                    <a:latin typeface="Cambria Math" panose="02040503050406030204" pitchFamily="18" charset="0"/>
+                                  </a:rPr>
+                                </m:ctrlPr>
+                              </m:sSubPr>
+                              <m:e>
+                                <m:r>
+                                  <a:rPr lang="en-US" altLang="ko-KR" sz="2000" i="1">
+                                    <a:solidFill>
+                                      <a:srgbClr val="00B050"/>
+                                    </a:solidFill>
+                                    <a:latin typeface="Cambria Math" panose="02040503050406030204" pitchFamily="18" charset="0"/>
+                                  </a:rPr>
+                                  <m:t>𝑎</m:t>
+                                </m:r>
+                              </m:e>
+                              <m:sub>
+                                <m:r>
+                                  <a:rPr lang="en-US" altLang="ko-KR" sz="2000" i="1">
+                                    <a:solidFill>
+                                      <a:srgbClr val="00B050"/>
+                                    </a:solidFill>
+                                    <a:latin typeface="Cambria Math" panose="02040503050406030204" pitchFamily="18" charset="0"/>
+                                  </a:rPr>
+                                  <m:t>1</m:t>
+                                </m:r>
+                              </m:sub>
+                            </m:sSub>
+                            <m:r>
+                              <a:rPr lang="en-US" altLang="ko-KR" sz="2000" i="1">
+                                <a:solidFill>
+                                  <a:srgbClr val="00B050"/>
+                                </a:solidFill>
+                                <a:latin typeface="Cambria Math" panose="02040503050406030204" pitchFamily="18" charset="0"/>
+                              </a:rPr>
+                              <m:t>−1</m:t>
+                            </m:r>
+                          </m:sup>
+                        </m:sSup>
+                        <m:r>
+                          <a:rPr lang="en-US" altLang="ko-KR" sz="2000" i="1">
+                            <a:solidFill>
+                              <a:srgbClr val="00B050"/>
+                            </a:solidFill>
+                            <a:latin typeface="Cambria Math" panose="02040503050406030204" pitchFamily="18" charset="0"/>
+                            <a:ea typeface="Cambria Math" panose="02040503050406030204" pitchFamily="18" charset="0"/>
+                          </a:rPr>
+                          <m:t>⋯</m:t>
+                        </m:r>
+                        <m:sSup>
+                          <m:sSupPr>
+                            <m:ctrlPr>
+                              <a:rPr lang="en-US" altLang="ko-KR" sz="2000" i="1" dirty="0">
+                                <a:solidFill>
+                                  <a:srgbClr val="00B050"/>
+                                </a:solidFill>
+                                <a:latin typeface="Cambria Math" panose="02040503050406030204" pitchFamily="18" charset="0"/>
+                              </a:rPr>
+                            </m:ctrlPr>
+                          </m:sSupPr>
+                          <m:e>
+                            <m:sSub>
+                              <m:sSubPr>
+                                <m:ctrlPr>
+                                  <a:rPr lang="ko-KR" altLang="en-US" sz="2000" i="1">
+                                    <a:solidFill>
+                                      <a:srgbClr val="00B050"/>
+                                    </a:solidFill>
+                                    <a:latin typeface="Cambria Math" panose="02040503050406030204" pitchFamily="18" charset="0"/>
+                                  </a:rPr>
+                                </m:ctrlPr>
+                              </m:sSubPr>
+                              <m:e>
+                                <m:r>
+                                  <a:rPr lang="en-US" altLang="ko-KR" sz="2000" i="1">
+                                    <a:solidFill>
+                                      <a:srgbClr val="00B050"/>
+                                    </a:solidFill>
+                                    <a:latin typeface="Cambria Math" panose="02040503050406030204" pitchFamily="18" charset="0"/>
+                                  </a:rPr>
+                                  <m:t>𝑦</m:t>
+                                </m:r>
+                              </m:e>
+                              <m:sub>
+                                <m:r>
+                                  <a:rPr lang="en-US" altLang="ko-KR" sz="2000" i="1">
+                                    <a:solidFill>
+                                      <a:srgbClr val="00B050"/>
+                                    </a:solidFill>
+                                    <a:latin typeface="Cambria Math" panose="02040503050406030204" pitchFamily="18" charset="0"/>
+                                  </a:rPr>
+                                  <m:t>𝑘</m:t>
+                                </m:r>
+                              </m:sub>
+                            </m:sSub>
+                          </m:e>
+                          <m:sup>
+                            <m:sSub>
+                              <m:sSubPr>
+                                <m:ctrlPr>
+                                  <a:rPr lang="ko-KR" altLang="en-US" sz="2000" i="1">
+                                    <a:solidFill>
+                                      <a:srgbClr val="00B050"/>
+                                    </a:solidFill>
+                                    <a:latin typeface="Cambria Math" panose="02040503050406030204" pitchFamily="18" charset="0"/>
+                                  </a:rPr>
+                                </m:ctrlPr>
+                              </m:sSubPr>
+                              <m:e>
+                                <m:r>
+                                  <a:rPr lang="en-US" altLang="ko-KR" sz="2000" i="1">
+                                    <a:solidFill>
+                                      <a:srgbClr val="00B050"/>
+                                    </a:solidFill>
+                                    <a:latin typeface="Cambria Math" panose="02040503050406030204" pitchFamily="18" charset="0"/>
+                                  </a:rPr>
+                                  <m:t>𝑎</m:t>
+                                </m:r>
+                              </m:e>
+                              <m:sub>
+                                <m:r>
+                                  <a:rPr lang="en-US" altLang="ko-KR" sz="2000" i="1">
+                                    <a:solidFill>
+                                      <a:srgbClr val="00B050"/>
+                                    </a:solidFill>
+                                    <a:latin typeface="Cambria Math" panose="02040503050406030204" pitchFamily="18" charset="0"/>
+                                  </a:rPr>
+                                  <m:t>𝑘</m:t>
+                                </m:r>
+                              </m:sub>
+                            </m:sSub>
+                            <m:r>
+                              <a:rPr lang="en-US" altLang="ko-KR" sz="2000" i="1">
+                                <a:solidFill>
+                                  <a:srgbClr val="00B050"/>
+                                </a:solidFill>
+                                <a:latin typeface="Cambria Math" panose="02040503050406030204" pitchFamily="18" charset="0"/>
+                              </a:rPr>
+                              <m:t>−1</m:t>
+                            </m:r>
+                          </m:sup>
+                        </m:sSup>
+                        <m:sSup>
+                          <m:sSupPr>
+                            <m:ctrlPr>
+                              <a:rPr lang="en-US" altLang="ko-KR" sz="2000" i="1">
+                                <a:solidFill>
+                                  <a:srgbClr val="00B050"/>
+                                </a:solidFill>
+                                <a:latin typeface="Cambria Math" panose="02040503050406030204" pitchFamily="18" charset="0"/>
+                              </a:rPr>
+                            </m:ctrlPr>
+                          </m:sSupPr>
+                          <m:e>
+                            <m:d>
+                              <m:dPr>
+                                <m:ctrlPr>
+                                  <a:rPr lang="en-US" altLang="ko-KR" sz="2000" i="1">
+                                    <a:solidFill>
+                                      <a:srgbClr val="00B050"/>
+                                    </a:solidFill>
+                                    <a:latin typeface="Cambria Math" panose="02040503050406030204" pitchFamily="18" charset="0"/>
+                                  </a:rPr>
+                                </m:ctrlPr>
+                              </m:dPr>
+                              <m:e>
+                                <m:r>
+                                  <a:rPr lang="en-US" altLang="ko-KR" sz="2000" i="1">
+                                    <a:solidFill>
+                                      <a:srgbClr val="00B050"/>
+                                    </a:solidFill>
+                                    <a:latin typeface="Cambria Math" panose="02040503050406030204" pitchFamily="18" charset="0"/>
+                                  </a:rPr>
+                                  <m:t>1−</m:t>
+                                </m:r>
+                                <m:sSub>
+                                  <m:sSubPr>
+                                    <m:ctrlPr>
+                                      <a:rPr lang="ko-KR" altLang="en-US" sz="2000" i="1">
+                                        <a:solidFill>
+                                          <a:srgbClr val="00B050"/>
+                                        </a:solidFill>
+                                        <a:latin typeface="Cambria Math" panose="02040503050406030204" pitchFamily="18" charset="0"/>
+                                      </a:rPr>
+                                    </m:ctrlPr>
+                                  </m:sSubPr>
+                                  <m:e>
+                                    <m:r>
+                                      <a:rPr lang="en-US" altLang="ko-KR" sz="2000" i="1">
+                                        <a:solidFill>
+                                          <a:srgbClr val="00B050"/>
+                                        </a:solidFill>
+                                        <a:latin typeface="Cambria Math" panose="02040503050406030204" pitchFamily="18" charset="0"/>
+                                      </a:rPr>
+                                      <m:t>𝑦</m:t>
+                                    </m:r>
+                                  </m:e>
+                                  <m:sub>
+                                    <m:r>
+                                      <a:rPr lang="en-US" altLang="ko-KR" sz="2000" i="1">
+                                        <a:solidFill>
+                                          <a:srgbClr val="00B050"/>
+                                        </a:solidFill>
+                                        <a:latin typeface="Cambria Math" panose="02040503050406030204" pitchFamily="18" charset="0"/>
+                                      </a:rPr>
+                                      <m:t>1</m:t>
+                                    </m:r>
+                                  </m:sub>
+                                </m:sSub>
+                                <m:r>
+                                  <a:rPr lang="en-US" altLang="ko-KR" sz="2000" i="1">
+                                    <a:solidFill>
+                                      <a:srgbClr val="00B050"/>
+                                    </a:solidFill>
+                                    <a:latin typeface="Cambria Math" panose="02040503050406030204" pitchFamily="18" charset="0"/>
+                                  </a:rPr>
+                                  <m:t>−</m:t>
+                                </m:r>
+                                <m:r>
+                                  <a:rPr lang="en-US" altLang="ko-KR" sz="2000" i="1">
+                                    <a:solidFill>
+                                      <a:srgbClr val="00B050"/>
+                                    </a:solidFill>
+                                    <a:latin typeface="Cambria Math" panose="02040503050406030204" pitchFamily="18" charset="0"/>
+                                    <a:ea typeface="Cambria Math" panose="02040503050406030204" pitchFamily="18" charset="0"/>
+                                  </a:rPr>
+                                  <m:t>⋯−</m:t>
+                                </m:r>
+                                <m:sSub>
+                                  <m:sSubPr>
+                                    <m:ctrlPr>
+                                      <a:rPr lang="ko-KR" altLang="en-US" sz="2000" i="1">
+                                        <a:solidFill>
+                                          <a:srgbClr val="00B050"/>
+                                        </a:solidFill>
+                                        <a:latin typeface="Cambria Math" panose="02040503050406030204" pitchFamily="18" charset="0"/>
+                                      </a:rPr>
+                                    </m:ctrlPr>
+                                  </m:sSubPr>
+                                  <m:e>
+                                    <m:r>
+                                      <a:rPr lang="en-US" altLang="ko-KR" sz="2000" i="1">
+                                        <a:solidFill>
+                                          <a:srgbClr val="00B050"/>
+                                        </a:solidFill>
+                                        <a:latin typeface="Cambria Math" panose="02040503050406030204" pitchFamily="18" charset="0"/>
+                                      </a:rPr>
+                                      <m:t>𝑦</m:t>
+                                    </m:r>
+                                  </m:e>
+                                  <m:sub>
+                                    <m:r>
+                                      <a:rPr lang="en-US" altLang="ko-KR" sz="2000" i="1">
+                                        <a:solidFill>
+                                          <a:srgbClr val="00B050"/>
+                                        </a:solidFill>
+                                        <a:latin typeface="Cambria Math" panose="02040503050406030204" pitchFamily="18" charset="0"/>
+                                      </a:rPr>
+                                      <m:t>𝑘</m:t>
+                                    </m:r>
+                                  </m:sub>
+                                </m:sSub>
+                              </m:e>
+                            </m:d>
+                          </m:e>
+                          <m:sup>
+                            <m:sSub>
+                              <m:sSubPr>
+                                <m:ctrlPr>
+                                  <a:rPr lang="ko-KR" altLang="en-US" sz="2000" i="1">
+                                    <a:solidFill>
+                                      <a:srgbClr val="00B050"/>
+                                    </a:solidFill>
+                                    <a:latin typeface="Cambria Math" panose="02040503050406030204" pitchFamily="18" charset="0"/>
+                                  </a:rPr>
+                                </m:ctrlPr>
+                              </m:sSubPr>
+                              <m:e>
+                                <m:r>
+                                  <a:rPr lang="en-US" altLang="ko-KR" sz="2000" i="1">
+                                    <a:solidFill>
+                                      <a:srgbClr val="00B050"/>
+                                    </a:solidFill>
+                                    <a:latin typeface="Cambria Math" panose="02040503050406030204" pitchFamily="18" charset="0"/>
+                                  </a:rPr>
+                                  <m:t>𝑎</m:t>
+                                </m:r>
+                              </m:e>
+                              <m:sub>
+                                <m:r>
+                                  <a:rPr lang="en-US" altLang="ko-KR" sz="2000" i="1">
+                                    <a:solidFill>
+                                      <a:srgbClr val="00B050"/>
+                                    </a:solidFill>
+                                    <a:latin typeface="Cambria Math" panose="02040503050406030204" pitchFamily="18" charset="0"/>
+                                  </a:rPr>
+                                  <m:t>𝑘</m:t>
+                                </m:r>
+                                <m:r>
+                                  <a:rPr lang="en-US" altLang="ko-KR" sz="2000" i="1">
+                                    <a:solidFill>
+                                      <a:srgbClr val="00B050"/>
+                                    </a:solidFill>
+                                    <a:latin typeface="Cambria Math" panose="02040503050406030204" pitchFamily="18" charset="0"/>
+                                  </a:rPr>
+                                  <m:t>+1</m:t>
+                                </m:r>
+                              </m:sub>
+                            </m:sSub>
+                            <m:r>
+                              <a:rPr lang="en-US" altLang="ko-KR" sz="2000" i="1">
+                                <a:solidFill>
+                                  <a:srgbClr val="00B050"/>
+                                </a:solidFill>
+                                <a:latin typeface="Cambria Math" panose="02040503050406030204" pitchFamily="18" charset="0"/>
+                              </a:rPr>
+                              <m:t>−1</m:t>
+                            </m:r>
+                          </m:sup>
+                        </m:sSup>
+                        <m:r>
+                          <a:rPr lang="en-US" altLang="ko-KR" sz="2000" b="0" i="1" smtClean="0">
+                            <a:solidFill>
+                              <a:srgbClr val="00B050"/>
+                            </a:solidFill>
+                            <a:latin typeface="Cambria Math" panose="02040503050406030204" pitchFamily="18" charset="0"/>
+                          </a:rPr>
+                          <m:t>]</m:t>
+                        </m:r>
+                      </m:num>
+                      <m:den>
+                        <m:r>
+                          <a:rPr lang="en-US" altLang="ko-KR" sz="2000" i="1">
+                            <a:latin typeface="Cambria Math" panose="02040503050406030204" pitchFamily="18" charset="0"/>
+                          </a:rPr>
+                          <m:t>𝛤</m:t>
+                        </m:r>
+                        <m:d>
+                          <m:dPr>
+                            <m:ctrlPr>
+                              <a:rPr lang="en-US" altLang="ko-KR" sz="2000" i="1">
+                                <a:latin typeface="Cambria Math" panose="02040503050406030204" pitchFamily="18" charset="0"/>
+                              </a:rPr>
+                            </m:ctrlPr>
+                          </m:dPr>
+                          <m:e>
+                            <m:sSub>
+                              <m:sSubPr>
+                                <m:ctrlPr>
+                                  <a:rPr lang="ko-KR" altLang="en-US" sz="2000" i="1">
+                                    <a:latin typeface="Cambria Math" panose="02040503050406030204" pitchFamily="18" charset="0"/>
+                                  </a:rPr>
+                                </m:ctrlPr>
+                              </m:sSubPr>
+                              <m:e>
+                                <m:r>
+                                  <a:rPr lang="en-US" altLang="ko-KR" sz="2000" i="1">
+                                    <a:latin typeface="Cambria Math" panose="02040503050406030204" pitchFamily="18" charset="0"/>
+                                  </a:rPr>
+                                  <m:t>𝑎</m:t>
+                                </m:r>
+                              </m:e>
+                              <m:sub>
+                                <m:r>
+                                  <a:rPr lang="en-US" altLang="ko-KR" sz="2000" i="1">
+                                    <a:latin typeface="Cambria Math" panose="02040503050406030204" pitchFamily="18" charset="0"/>
+                                  </a:rPr>
+                                  <m:t>1</m:t>
+                                </m:r>
+                              </m:sub>
+                            </m:sSub>
+                          </m:e>
+                        </m:d>
+                        <m:r>
+                          <a:rPr lang="en-US" altLang="ko-KR" sz="2000" i="1">
+                            <a:latin typeface="Cambria Math" panose="02040503050406030204" pitchFamily="18" charset="0"/>
+                          </a:rPr>
+                          <m:t>𝛤</m:t>
+                        </m:r>
+                        <m:d>
+                          <m:dPr>
+                            <m:ctrlPr>
+                              <a:rPr lang="en-US" altLang="ko-KR" sz="2000" i="1">
+                                <a:latin typeface="Cambria Math" panose="02040503050406030204" pitchFamily="18" charset="0"/>
+                              </a:rPr>
+                            </m:ctrlPr>
+                          </m:dPr>
+                          <m:e>
+                            <m:sSub>
+                              <m:sSubPr>
+                                <m:ctrlPr>
+                                  <a:rPr lang="ko-KR" altLang="en-US" sz="2000" i="1">
+                                    <a:latin typeface="Cambria Math" panose="02040503050406030204" pitchFamily="18" charset="0"/>
+                                  </a:rPr>
+                                </m:ctrlPr>
+                              </m:sSubPr>
+                              <m:e>
+                                <m:r>
+                                  <a:rPr lang="en-US" altLang="ko-KR" sz="2000" i="1">
+                                    <a:latin typeface="Cambria Math" panose="02040503050406030204" pitchFamily="18" charset="0"/>
+                                  </a:rPr>
+                                  <m:t>𝑎</m:t>
+                                </m:r>
+                              </m:e>
+                              <m:sub>
+                                <m:r>
+                                  <a:rPr lang="en-US" altLang="ko-KR" sz="2000" i="1">
+                                    <a:latin typeface="Cambria Math" panose="02040503050406030204" pitchFamily="18" charset="0"/>
+                                  </a:rPr>
+                                  <m:t>2</m:t>
+                                </m:r>
+                              </m:sub>
+                            </m:sSub>
+                          </m:e>
+                        </m:d>
+                        <m:r>
+                          <a:rPr lang="en-US" altLang="ko-KR" sz="2000" i="1">
+                            <a:latin typeface="Cambria Math" panose="02040503050406030204" pitchFamily="18" charset="0"/>
+                            <a:ea typeface="Cambria Math" panose="02040503050406030204" pitchFamily="18" charset="0"/>
+                          </a:rPr>
+                          <m:t>⋯</m:t>
+                        </m:r>
+                        <m:r>
+                          <a:rPr lang="en-US" altLang="ko-KR" sz="2000" i="1">
+                            <a:latin typeface="Cambria Math" panose="02040503050406030204" pitchFamily="18" charset="0"/>
+                          </a:rPr>
+                          <m:t>𝛤</m:t>
+                        </m:r>
+                        <m:d>
+                          <m:dPr>
+                            <m:ctrlPr>
+                              <a:rPr lang="en-US" altLang="ko-KR" sz="2000" i="1">
+                                <a:latin typeface="Cambria Math" panose="02040503050406030204" pitchFamily="18" charset="0"/>
+                              </a:rPr>
+                            </m:ctrlPr>
+                          </m:dPr>
+                          <m:e>
+                            <m:sSub>
+                              <m:sSubPr>
+                                <m:ctrlPr>
+                                  <a:rPr lang="ko-KR" altLang="en-US" sz="2000" i="1">
+                                    <a:latin typeface="Cambria Math" panose="02040503050406030204" pitchFamily="18" charset="0"/>
+                                  </a:rPr>
+                                </m:ctrlPr>
+                              </m:sSubPr>
+                              <m:e>
+                                <m:r>
+                                  <a:rPr lang="en-US" altLang="ko-KR" sz="2000" i="1">
+                                    <a:latin typeface="Cambria Math" panose="02040503050406030204" pitchFamily="18" charset="0"/>
+                                  </a:rPr>
+                                  <m:t>𝑎</m:t>
+                                </m:r>
+                              </m:e>
+                              <m:sub>
+                                <m:r>
+                                  <a:rPr lang="en-US" altLang="ko-KR" sz="2000" i="1">
+                                    <a:latin typeface="Cambria Math" panose="02040503050406030204" pitchFamily="18" charset="0"/>
+                                  </a:rPr>
+                                  <m:t>𝑘</m:t>
+                                </m:r>
+                                <m:r>
+                                  <a:rPr lang="en-US" altLang="ko-KR" sz="2000" i="1">
+                                    <a:latin typeface="Cambria Math" panose="02040503050406030204" pitchFamily="18" charset="0"/>
+                                  </a:rPr>
+                                  <m:t>+1</m:t>
+                                </m:r>
+                              </m:sub>
+                            </m:sSub>
+                          </m:e>
+                        </m:d>
+                      </m:den>
+                    </m:f>
+                    <m:nary>
+                      <m:naryPr>
+                        <m:limLoc m:val="undOvr"/>
+                        <m:grow m:val="on"/>
+                        <m:ctrlPr>
+                          <a:rPr lang="ko-KR" altLang="en-US" sz="2000" i="1">
+                            <a:latin typeface="Cambria Math" panose="02040503050406030204" pitchFamily="18" charset="0"/>
+                          </a:rPr>
+                        </m:ctrlPr>
+                      </m:naryPr>
+                      <m:sub>
+                        <m:r>
+                          <a:rPr lang="en-US" altLang="ko-KR" sz="2000" i="1">
+                            <a:latin typeface="Cambria Math" panose="02040503050406030204" pitchFamily="18" charset="0"/>
+                          </a:rPr>
+                          <m:t>0</m:t>
+                        </m:r>
+                      </m:sub>
+                      <m:sup>
+                        <m:r>
+                          <a:rPr lang="ko-KR" altLang="en-US" sz="2000" i="1">
+                            <a:latin typeface="Cambria Math" panose="02040503050406030204" pitchFamily="18" charset="0"/>
+                          </a:rPr>
+                          <m:t>∞</m:t>
+                        </m:r>
+                      </m:sup>
+                      <m:e>
+                        <m:sSup>
+                          <m:sSupPr>
+                            <m:ctrlPr>
+                              <a:rPr lang="en-US" altLang="ko-KR" sz="2000" i="1" dirty="0">
+                                <a:solidFill>
+                                  <a:srgbClr val="C00000"/>
+                                </a:solidFill>
+                                <a:latin typeface="Cambria Math" panose="02040503050406030204" pitchFamily="18" charset="0"/>
+                              </a:rPr>
+                            </m:ctrlPr>
+                          </m:sSupPr>
+                          <m:e>
+                            <m:sSub>
+                              <m:sSubPr>
+                                <m:ctrlPr>
+                                  <a:rPr lang="ko-KR" altLang="en-US" sz="2000" i="1">
+                                    <a:solidFill>
+                                      <a:srgbClr val="C00000"/>
+                                    </a:solidFill>
+                                    <a:latin typeface="Cambria Math" panose="02040503050406030204" pitchFamily="18" charset="0"/>
+                                  </a:rPr>
+                                </m:ctrlPr>
+                              </m:sSubPr>
+                              <m:e>
+                                <m:r>
+                                  <a:rPr lang="en-US" altLang="ko-KR" sz="2000" i="1">
+                                    <a:solidFill>
+                                      <a:srgbClr val="C00000"/>
+                                    </a:solidFill>
+                                    <a:latin typeface="Cambria Math" panose="02040503050406030204" pitchFamily="18" charset="0"/>
+                                  </a:rPr>
+                                  <m:t>𝑦</m:t>
+                                </m:r>
+                              </m:e>
+                              <m:sub>
+                                <m:r>
+                                  <a:rPr lang="en-US" altLang="ko-KR" sz="2000" i="1">
+                                    <a:solidFill>
+                                      <a:srgbClr val="C00000"/>
+                                    </a:solidFill>
+                                    <a:latin typeface="Cambria Math" panose="02040503050406030204" pitchFamily="18" charset="0"/>
+                                  </a:rPr>
+                                  <m:t>𝑘</m:t>
+                                </m:r>
+                                <m:r>
+                                  <a:rPr lang="en-US" altLang="ko-KR" sz="2000" i="1">
+                                    <a:solidFill>
+                                      <a:srgbClr val="C00000"/>
+                                    </a:solidFill>
+                                    <a:latin typeface="Cambria Math" panose="02040503050406030204" pitchFamily="18" charset="0"/>
+                                  </a:rPr>
+                                  <m:t>+1</m:t>
+                                </m:r>
+                              </m:sub>
+                            </m:sSub>
+                          </m:e>
+                          <m:sup>
+                            <m:sSub>
+                              <m:sSubPr>
+                                <m:ctrlPr>
+                                  <a:rPr lang="ko-KR" altLang="en-US" sz="2000" i="1">
+                                    <a:solidFill>
+                                      <a:srgbClr val="C00000"/>
+                                    </a:solidFill>
+                                    <a:latin typeface="Cambria Math" panose="02040503050406030204" pitchFamily="18" charset="0"/>
+                                  </a:rPr>
+                                </m:ctrlPr>
+                              </m:sSubPr>
+                              <m:e>
+                                <m:r>
+                                  <a:rPr lang="en-US" altLang="ko-KR" sz="2000" i="1">
+                                    <a:solidFill>
+                                      <a:srgbClr val="C00000"/>
+                                    </a:solidFill>
+                                    <a:latin typeface="Cambria Math" panose="02040503050406030204" pitchFamily="18" charset="0"/>
+                                  </a:rPr>
+                                  <m:t>𝑎</m:t>
+                                </m:r>
+                              </m:e>
+                              <m:sub>
+                                <m:r>
+                                  <a:rPr lang="en-US" altLang="ko-KR" sz="2000" i="1">
+                                    <a:solidFill>
+                                      <a:srgbClr val="C00000"/>
+                                    </a:solidFill>
+                                    <a:latin typeface="Cambria Math" panose="02040503050406030204" pitchFamily="18" charset="0"/>
+                                  </a:rPr>
+                                  <m:t>1</m:t>
+                                </m:r>
+                              </m:sub>
+                            </m:sSub>
+                            <m:r>
+                              <a:rPr lang="en-US" altLang="ko-KR" sz="2000" i="1">
+                                <a:solidFill>
+                                  <a:srgbClr val="C00000"/>
+                                </a:solidFill>
+                                <a:latin typeface="Cambria Math" panose="02040503050406030204" pitchFamily="18" charset="0"/>
+                              </a:rPr>
+                              <m:t>+</m:t>
+                            </m:r>
+                            <m:r>
+                              <a:rPr lang="en-US" altLang="ko-KR" sz="2000" i="1">
+                                <a:solidFill>
+                                  <a:srgbClr val="C00000"/>
+                                </a:solidFill>
+                                <a:latin typeface="Cambria Math" panose="02040503050406030204" pitchFamily="18" charset="0"/>
+                                <a:ea typeface="Cambria Math" panose="02040503050406030204" pitchFamily="18" charset="0"/>
+                              </a:rPr>
+                              <m:t>⋯+</m:t>
+                            </m:r>
+                            <m:sSub>
+                              <m:sSubPr>
+                                <m:ctrlPr>
+                                  <a:rPr lang="ko-KR" altLang="en-US" sz="2000" i="1">
+                                    <a:solidFill>
+                                      <a:srgbClr val="C00000"/>
+                                    </a:solidFill>
+                                    <a:latin typeface="Cambria Math" panose="02040503050406030204" pitchFamily="18" charset="0"/>
+                                  </a:rPr>
+                                </m:ctrlPr>
+                              </m:sSubPr>
+                              <m:e>
+                                <m:r>
+                                  <a:rPr lang="en-US" altLang="ko-KR" sz="2000" i="1">
+                                    <a:solidFill>
+                                      <a:srgbClr val="C00000"/>
+                                    </a:solidFill>
+                                    <a:latin typeface="Cambria Math" panose="02040503050406030204" pitchFamily="18" charset="0"/>
+                                  </a:rPr>
+                                  <m:t>𝑎</m:t>
+                                </m:r>
+                              </m:e>
+                              <m:sub>
+                                <m:r>
+                                  <a:rPr lang="en-US" altLang="ko-KR" sz="2000" i="1">
+                                    <a:solidFill>
+                                      <a:srgbClr val="C00000"/>
+                                    </a:solidFill>
+                                    <a:latin typeface="Cambria Math" panose="02040503050406030204" pitchFamily="18" charset="0"/>
+                                  </a:rPr>
+                                  <m:t>𝑘</m:t>
+                                </m:r>
+                                <m:r>
+                                  <a:rPr lang="en-US" altLang="ko-KR" sz="2000" i="1">
+                                    <a:solidFill>
+                                      <a:srgbClr val="C00000"/>
+                                    </a:solidFill>
+                                    <a:latin typeface="Cambria Math" panose="02040503050406030204" pitchFamily="18" charset="0"/>
+                                  </a:rPr>
+                                  <m:t>+1</m:t>
+                                </m:r>
+                              </m:sub>
+                            </m:sSub>
+                            <m:r>
+                              <a:rPr lang="en-US" altLang="ko-KR" sz="2000" i="1">
+                                <a:solidFill>
+                                  <a:srgbClr val="C00000"/>
+                                </a:solidFill>
+                                <a:latin typeface="Cambria Math" panose="02040503050406030204" pitchFamily="18" charset="0"/>
+                              </a:rPr>
+                              <m:t>−1</m:t>
+                            </m:r>
+                          </m:sup>
+                        </m:sSup>
+                        <m:sSup>
+                          <m:sSupPr>
+                            <m:ctrlPr>
+                              <a:rPr lang="en-US" altLang="ko-KR" sz="2000" i="1">
+                                <a:solidFill>
+                                  <a:srgbClr val="7030A0"/>
+                                </a:solidFill>
+                                <a:latin typeface="Cambria Math" panose="02040503050406030204" pitchFamily="18" charset="0"/>
+                              </a:rPr>
+                            </m:ctrlPr>
+                          </m:sSupPr>
+                          <m:e>
+                            <m:r>
+                              <a:rPr lang="en-US" altLang="ko-KR" sz="2000" i="1">
+                                <a:solidFill>
+                                  <a:srgbClr val="7030A0"/>
+                                </a:solidFill>
+                                <a:latin typeface="Cambria Math" panose="02040503050406030204" pitchFamily="18" charset="0"/>
+                              </a:rPr>
+                              <m:t>𝑒</m:t>
+                            </m:r>
+                          </m:e>
+                          <m:sup>
+                            <m:r>
+                              <a:rPr lang="en-US" altLang="ko-KR" sz="2000" i="1">
+                                <a:solidFill>
+                                  <a:srgbClr val="7030A0"/>
+                                </a:solidFill>
+                                <a:latin typeface="Cambria Math" panose="02040503050406030204" pitchFamily="18" charset="0"/>
+                              </a:rPr>
+                              <m:t>−</m:t>
+                            </m:r>
+                            <m:sSub>
+                              <m:sSubPr>
+                                <m:ctrlPr>
+                                  <a:rPr lang="ko-KR" altLang="en-US" sz="2000" i="1">
+                                    <a:solidFill>
+                                      <a:srgbClr val="7030A0"/>
+                                    </a:solidFill>
+                                    <a:latin typeface="Cambria Math" panose="02040503050406030204" pitchFamily="18" charset="0"/>
+                                  </a:rPr>
+                                </m:ctrlPr>
+                              </m:sSubPr>
+                              <m:e>
+                                <m:r>
+                                  <a:rPr lang="en-US" altLang="ko-KR" sz="2000" i="1">
+                                    <a:solidFill>
+                                      <a:srgbClr val="7030A0"/>
+                                    </a:solidFill>
+                                    <a:latin typeface="Cambria Math" panose="02040503050406030204" pitchFamily="18" charset="0"/>
+                                  </a:rPr>
+                                  <m:t>𝑦</m:t>
+                                </m:r>
+                              </m:e>
+                              <m:sub>
+                                <m:r>
+                                  <a:rPr lang="en-US" altLang="ko-KR" sz="2000" i="1">
+                                    <a:solidFill>
+                                      <a:srgbClr val="7030A0"/>
+                                    </a:solidFill>
+                                    <a:latin typeface="Cambria Math" panose="02040503050406030204" pitchFamily="18" charset="0"/>
+                                  </a:rPr>
+                                  <m:t>𝑘</m:t>
+                                </m:r>
+                                <m:r>
+                                  <a:rPr lang="en-US" altLang="ko-KR" sz="2000" i="1">
+                                    <a:solidFill>
+                                      <a:srgbClr val="7030A0"/>
+                                    </a:solidFill>
+                                    <a:latin typeface="Cambria Math" panose="02040503050406030204" pitchFamily="18" charset="0"/>
+                                  </a:rPr>
+                                  <m:t>+1</m:t>
+                                </m:r>
+                              </m:sub>
+                            </m:sSub>
+                          </m:sup>
+                        </m:sSup>
+                        <m:r>
+                          <a:rPr lang="ko-KR" altLang="en-US" sz="2000" i="1">
+                            <a:latin typeface="Cambria Math" panose="02040503050406030204" pitchFamily="18" charset="0"/>
+                          </a:rPr>
+                          <m:t>ⅆ</m:t>
+                        </m:r>
+                        <m:sSub>
+                          <m:sSubPr>
+                            <m:ctrlPr>
+                              <a:rPr lang="ko-KR" altLang="en-US" sz="2000" i="1">
+                                <a:latin typeface="Cambria Math" panose="02040503050406030204" pitchFamily="18" charset="0"/>
+                              </a:rPr>
+                            </m:ctrlPr>
+                          </m:sSubPr>
+                          <m:e>
+                            <m:r>
+                              <a:rPr lang="en-US" altLang="ko-KR" sz="2000" i="1">
+                                <a:latin typeface="Cambria Math" panose="02040503050406030204" pitchFamily="18" charset="0"/>
+                              </a:rPr>
+                              <m:t>𝑦</m:t>
+                            </m:r>
+                          </m:e>
+                          <m:sub>
+                            <m:r>
+                              <a:rPr lang="en-US" altLang="ko-KR" sz="2000" i="1">
+                                <a:latin typeface="Cambria Math" panose="02040503050406030204" pitchFamily="18" charset="0"/>
+                              </a:rPr>
+                              <m:t>𝑘</m:t>
+                            </m:r>
+                            <m:r>
+                              <a:rPr lang="en-US" altLang="ko-KR" sz="2000" i="1">
+                                <a:latin typeface="Cambria Math" panose="02040503050406030204" pitchFamily="18" charset="0"/>
+                              </a:rPr>
+                              <m:t>+1</m:t>
+                            </m:r>
+                          </m:sub>
+                        </m:sSub>
+                      </m:e>
+                    </m:nary>
+                  </m:oMath>
+                </a14:m>
+                <a:br>
+                  <a:rPr lang="en-US" altLang="ko-KR" sz="2000" dirty="0"/>
+                </a:br>
+                <a:br>
+                  <a:rPr lang="en-US" altLang="ko-KR" sz="2000" dirty="0"/>
+                </a:br>
+                <a:r>
+                  <a:rPr lang="en-US" altLang="ko-KR" sz="2000" dirty="0"/>
+                  <a:t>= </a:t>
+                </a:r>
+                <a14:m>
+                  <m:oMath xmlns:m="http://schemas.openxmlformats.org/officeDocument/2006/math">
+                    <m:f>
+                      <m:fPr>
+                        <m:ctrlPr>
+                          <a:rPr lang="en-US" altLang="ko-KR" sz="2000" b="0" i="0" smtClean="0">
+                            <a:latin typeface="Cambria Math" panose="02040503050406030204" pitchFamily="18" charset="0"/>
+                          </a:rPr>
+                        </m:ctrlPr>
+                      </m:fPr>
+                      <m:num>
+                        <m:r>
+                          <a:rPr lang="en-US" altLang="ko-KR" sz="2000" i="1" smtClean="0">
+                            <a:solidFill>
+                              <a:schemeClr val="accent2">
+                                <a:lumMod val="75000"/>
+                              </a:schemeClr>
+                            </a:solidFill>
+                            <a:latin typeface="Cambria Math" panose="02040503050406030204" pitchFamily="18" charset="0"/>
+                          </a:rPr>
+                          <m:t>𝛤</m:t>
+                        </m:r>
+                        <m:d>
+                          <m:dPr>
+                            <m:ctrlPr>
+                              <a:rPr lang="en-US" altLang="ko-KR" sz="2000" i="1">
+                                <a:solidFill>
+                                  <a:schemeClr val="accent2">
+                                    <a:lumMod val="75000"/>
+                                  </a:schemeClr>
+                                </a:solidFill>
+                                <a:latin typeface="Cambria Math" panose="02040503050406030204" pitchFamily="18" charset="0"/>
+                              </a:rPr>
+                            </m:ctrlPr>
+                          </m:dPr>
+                          <m:e>
+                            <m:sSub>
+                              <m:sSubPr>
+                                <m:ctrlPr>
+                                  <a:rPr lang="ko-KR" altLang="en-US" sz="2000" i="1">
+                                    <a:solidFill>
+                                      <a:schemeClr val="accent2">
+                                        <a:lumMod val="75000"/>
+                                      </a:schemeClr>
+                                    </a:solidFill>
+                                    <a:latin typeface="Cambria Math" panose="02040503050406030204" pitchFamily="18" charset="0"/>
+                                  </a:rPr>
+                                </m:ctrlPr>
+                              </m:sSubPr>
+                              <m:e>
+                                <m:r>
+                                  <a:rPr lang="en-US" altLang="ko-KR" sz="2000" i="1">
+                                    <a:solidFill>
+                                      <a:schemeClr val="accent2">
+                                        <a:lumMod val="75000"/>
+                                      </a:schemeClr>
+                                    </a:solidFill>
+                                    <a:latin typeface="Cambria Math" panose="02040503050406030204" pitchFamily="18" charset="0"/>
+                                  </a:rPr>
+                                  <m:t>𝑎</m:t>
+                                </m:r>
+                              </m:e>
+                              <m:sub>
+                                <m:r>
+                                  <a:rPr lang="en-US" altLang="ko-KR" sz="2000" i="1">
+                                    <a:solidFill>
+                                      <a:schemeClr val="accent2">
+                                        <a:lumMod val="75000"/>
+                                      </a:schemeClr>
+                                    </a:solidFill>
+                                    <a:latin typeface="Cambria Math" panose="02040503050406030204" pitchFamily="18" charset="0"/>
+                                  </a:rPr>
+                                  <m:t>1</m:t>
+                                </m:r>
+                              </m:sub>
+                            </m:sSub>
+                            <m:r>
+                              <a:rPr lang="en-US" altLang="ko-KR" sz="2000" b="0" i="1" smtClean="0">
+                                <a:solidFill>
+                                  <a:schemeClr val="accent2">
+                                    <a:lumMod val="75000"/>
+                                  </a:schemeClr>
+                                </a:solidFill>
+                                <a:latin typeface="Cambria Math" panose="02040503050406030204" pitchFamily="18" charset="0"/>
+                              </a:rPr>
+                              <m:t>+</m:t>
+                            </m:r>
+                            <m:sSub>
+                              <m:sSubPr>
+                                <m:ctrlPr>
+                                  <a:rPr lang="ko-KR" altLang="en-US" sz="2000" i="1">
+                                    <a:solidFill>
+                                      <a:schemeClr val="accent2">
+                                        <a:lumMod val="75000"/>
+                                      </a:schemeClr>
+                                    </a:solidFill>
+                                    <a:latin typeface="Cambria Math" panose="02040503050406030204" pitchFamily="18" charset="0"/>
+                                  </a:rPr>
+                                </m:ctrlPr>
+                              </m:sSubPr>
+                              <m:e>
+                                <m:r>
+                                  <a:rPr lang="en-US" altLang="ko-KR" sz="2000" i="1">
+                                    <a:solidFill>
+                                      <a:schemeClr val="accent2">
+                                        <a:lumMod val="75000"/>
+                                      </a:schemeClr>
+                                    </a:solidFill>
+                                    <a:latin typeface="Cambria Math" panose="02040503050406030204" pitchFamily="18" charset="0"/>
+                                  </a:rPr>
+                                  <m:t>𝑎</m:t>
+                                </m:r>
+                              </m:e>
+                              <m:sub>
+                                <m:r>
+                                  <a:rPr lang="en-US" altLang="ko-KR" sz="2000" i="1">
+                                    <a:solidFill>
+                                      <a:schemeClr val="accent2">
+                                        <a:lumMod val="75000"/>
+                                      </a:schemeClr>
+                                    </a:solidFill>
+                                    <a:latin typeface="Cambria Math" panose="02040503050406030204" pitchFamily="18" charset="0"/>
+                                  </a:rPr>
+                                  <m:t>2</m:t>
+                                </m:r>
+                              </m:sub>
+                            </m:sSub>
+                            <m:r>
+                              <a:rPr lang="en-US" altLang="ko-KR" sz="2000" b="0" i="1" smtClean="0">
+                                <a:solidFill>
+                                  <a:schemeClr val="accent2">
+                                    <a:lumMod val="75000"/>
+                                  </a:schemeClr>
+                                </a:solidFill>
+                                <a:latin typeface="Cambria Math" panose="02040503050406030204" pitchFamily="18" charset="0"/>
+                              </a:rPr>
+                              <m:t>+</m:t>
+                            </m:r>
+                            <m:r>
+                              <a:rPr lang="en-US" altLang="ko-KR" sz="2000" i="1">
+                                <a:solidFill>
+                                  <a:schemeClr val="accent2">
+                                    <a:lumMod val="75000"/>
+                                  </a:schemeClr>
+                                </a:solidFill>
+                                <a:latin typeface="Cambria Math" panose="02040503050406030204" pitchFamily="18" charset="0"/>
+                                <a:ea typeface="Cambria Math" panose="02040503050406030204" pitchFamily="18" charset="0"/>
+                              </a:rPr>
+                              <m:t>⋯</m:t>
+                            </m:r>
+                            <m:r>
+                              <a:rPr lang="en-US" altLang="ko-KR" sz="2000" b="0" i="1" smtClean="0">
+                                <a:solidFill>
+                                  <a:schemeClr val="accent2">
+                                    <a:lumMod val="75000"/>
+                                  </a:schemeClr>
+                                </a:solidFill>
+                                <a:latin typeface="Cambria Math" panose="02040503050406030204" pitchFamily="18" charset="0"/>
+                                <a:ea typeface="Cambria Math" panose="02040503050406030204" pitchFamily="18" charset="0"/>
+                              </a:rPr>
+                              <m:t>+</m:t>
+                            </m:r>
+                            <m:sSub>
+                              <m:sSubPr>
+                                <m:ctrlPr>
+                                  <a:rPr lang="ko-KR" altLang="en-US" sz="2000" i="1">
+                                    <a:solidFill>
+                                      <a:schemeClr val="accent2">
+                                        <a:lumMod val="75000"/>
+                                      </a:schemeClr>
+                                    </a:solidFill>
+                                    <a:latin typeface="Cambria Math" panose="02040503050406030204" pitchFamily="18" charset="0"/>
+                                  </a:rPr>
+                                </m:ctrlPr>
+                              </m:sSubPr>
+                              <m:e>
+                                <m:r>
+                                  <a:rPr lang="en-US" altLang="ko-KR" sz="2000" i="1">
+                                    <a:solidFill>
+                                      <a:schemeClr val="accent2">
+                                        <a:lumMod val="75000"/>
+                                      </a:schemeClr>
+                                    </a:solidFill>
+                                    <a:latin typeface="Cambria Math" panose="02040503050406030204" pitchFamily="18" charset="0"/>
+                                  </a:rPr>
+                                  <m:t>𝑎</m:t>
+                                </m:r>
+                              </m:e>
+                              <m:sub>
+                                <m:r>
+                                  <a:rPr lang="en-US" altLang="ko-KR" sz="2000" i="1">
+                                    <a:solidFill>
+                                      <a:schemeClr val="accent2">
+                                        <a:lumMod val="75000"/>
+                                      </a:schemeClr>
+                                    </a:solidFill>
+                                    <a:latin typeface="Cambria Math" panose="02040503050406030204" pitchFamily="18" charset="0"/>
+                                  </a:rPr>
+                                  <m:t>𝑘</m:t>
+                                </m:r>
+                                <m:r>
+                                  <a:rPr lang="en-US" altLang="ko-KR" sz="2000" i="1">
+                                    <a:solidFill>
+                                      <a:schemeClr val="accent2">
+                                        <a:lumMod val="75000"/>
+                                      </a:schemeClr>
+                                    </a:solidFill>
+                                    <a:latin typeface="Cambria Math" panose="02040503050406030204" pitchFamily="18" charset="0"/>
+                                  </a:rPr>
+                                  <m:t>+1</m:t>
+                                </m:r>
+                              </m:sub>
+                            </m:sSub>
+                          </m:e>
+                        </m:d>
+                      </m:num>
+                      <m:den>
+                        <m:r>
+                          <a:rPr lang="en-US" altLang="ko-KR" sz="2000" i="1">
+                            <a:latin typeface="Cambria Math" panose="02040503050406030204" pitchFamily="18" charset="0"/>
+                          </a:rPr>
+                          <m:t>𝛤</m:t>
+                        </m:r>
+                        <m:d>
+                          <m:dPr>
+                            <m:ctrlPr>
+                              <a:rPr lang="en-US" altLang="ko-KR" sz="2000" i="1">
+                                <a:latin typeface="Cambria Math" panose="02040503050406030204" pitchFamily="18" charset="0"/>
+                              </a:rPr>
+                            </m:ctrlPr>
+                          </m:dPr>
+                          <m:e>
+                            <m:sSub>
+                              <m:sSubPr>
+                                <m:ctrlPr>
+                                  <a:rPr lang="ko-KR" altLang="en-US" sz="2000" i="1">
+                                    <a:latin typeface="Cambria Math" panose="02040503050406030204" pitchFamily="18" charset="0"/>
+                                  </a:rPr>
+                                </m:ctrlPr>
+                              </m:sSubPr>
+                              <m:e>
+                                <m:r>
+                                  <a:rPr lang="en-US" altLang="ko-KR" sz="2000" i="1">
+                                    <a:latin typeface="Cambria Math" panose="02040503050406030204" pitchFamily="18" charset="0"/>
+                                  </a:rPr>
+                                  <m:t>𝑎</m:t>
+                                </m:r>
+                              </m:e>
+                              <m:sub>
+                                <m:r>
+                                  <a:rPr lang="en-US" altLang="ko-KR" sz="2000" i="1">
+                                    <a:latin typeface="Cambria Math" panose="02040503050406030204" pitchFamily="18" charset="0"/>
+                                  </a:rPr>
+                                  <m:t>1</m:t>
+                                </m:r>
+                              </m:sub>
+                            </m:sSub>
+                          </m:e>
+                        </m:d>
+                        <m:r>
+                          <a:rPr lang="en-US" altLang="ko-KR" sz="2000" i="1">
+                            <a:latin typeface="Cambria Math" panose="02040503050406030204" pitchFamily="18" charset="0"/>
+                          </a:rPr>
+                          <m:t>𝛤</m:t>
+                        </m:r>
+                        <m:d>
+                          <m:dPr>
+                            <m:ctrlPr>
+                              <a:rPr lang="en-US" altLang="ko-KR" sz="2000" i="1">
+                                <a:latin typeface="Cambria Math" panose="02040503050406030204" pitchFamily="18" charset="0"/>
+                              </a:rPr>
+                            </m:ctrlPr>
+                          </m:dPr>
+                          <m:e>
+                            <m:sSub>
+                              <m:sSubPr>
+                                <m:ctrlPr>
+                                  <a:rPr lang="ko-KR" altLang="en-US" sz="2000" i="1">
+                                    <a:latin typeface="Cambria Math" panose="02040503050406030204" pitchFamily="18" charset="0"/>
+                                  </a:rPr>
+                                </m:ctrlPr>
+                              </m:sSubPr>
+                              <m:e>
+                                <m:r>
+                                  <a:rPr lang="en-US" altLang="ko-KR" sz="2000" i="1">
+                                    <a:latin typeface="Cambria Math" panose="02040503050406030204" pitchFamily="18" charset="0"/>
+                                  </a:rPr>
+                                  <m:t>𝑎</m:t>
+                                </m:r>
+                              </m:e>
+                              <m:sub>
+                                <m:r>
+                                  <a:rPr lang="en-US" altLang="ko-KR" sz="2000" i="1">
+                                    <a:latin typeface="Cambria Math" panose="02040503050406030204" pitchFamily="18" charset="0"/>
+                                  </a:rPr>
+                                  <m:t>2</m:t>
+                                </m:r>
+                              </m:sub>
+                            </m:sSub>
+                          </m:e>
+                        </m:d>
+                        <m:r>
+                          <a:rPr lang="en-US" altLang="ko-KR" sz="2000" i="1">
+                            <a:latin typeface="Cambria Math" panose="02040503050406030204" pitchFamily="18" charset="0"/>
+                            <a:ea typeface="Cambria Math" panose="02040503050406030204" pitchFamily="18" charset="0"/>
+                          </a:rPr>
+                          <m:t>⋯</m:t>
+                        </m:r>
+                        <m:r>
+                          <a:rPr lang="en-US" altLang="ko-KR" sz="2000" i="1">
+                            <a:latin typeface="Cambria Math" panose="02040503050406030204" pitchFamily="18" charset="0"/>
+                          </a:rPr>
+                          <m:t>𝛤</m:t>
+                        </m:r>
+                        <m:d>
+                          <m:dPr>
+                            <m:ctrlPr>
+                              <a:rPr lang="en-US" altLang="ko-KR" sz="2000" i="1">
+                                <a:latin typeface="Cambria Math" panose="02040503050406030204" pitchFamily="18" charset="0"/>
+                              </a:rPr>
+                            </m:ctrlPr>
+                          </m:dPr>
+                          <m:e>
+                            <m:sSub>
+                              <m:sSubPr>
+                                <m:ctrlPr>
+                                  <a:rPr lang="ko-KR" altLang="en-US" sz="2000" i="1">
+                                    <a:latin typeface="Cambria Math" panose="02040503050406030204" pitchFamily="18" charset="0"/>
+                                  </a:rPr>
+                                </m:ctrlPr>
+                              </m:sSubPr>
+                              <m:e>
+                                <m:r>
+                                  <a:rPr lang="en-US" altLang="ko-KR" sz="2000" i="1">
+                                    <a:latin typeface="Cambria Math" panose="02040503050406030204" pitchFamily="18" charset="0"/>
+                                  </a:rPr>
+                                  <m:t>𝑎</m:t>
+                                </m:r>
+                              </m:e>
+                              <m:sub>
+                                <m:r>
+                                  <a:rPr lang="en-US" altLang="ko-KR" sz="2000" i="1">
+                                    <a:latin typeface="Cambria Math" panose="02040503050406030204" pitchFamily="18" charset="0"/>
+                                  </a:rPr>
+                                  <m:t>𝑘</m:t>
+                                </m:r>
+                                <m:r>
+                                  <a:rPr lang="en-US" altLang="ko-KR" sz="2000" i="1">
+                                    <a:latin typeface="Cambria Math" panose="02040503050406030204" pitchFamily="18" charset="0"/>
+                                  </a:rPr>
+                                  <m:t>+1</m:t>
+                                </m:r>
+                              </m:sub>
+                            </m:sSub>
+                          </m:e>
+                        </m:d>
+                      </m:den>
+                    </m:f>
+                  </m:oMath>
+                </a14:m>
+                <a:r>
+                  <a:rPr lang="en-US" altLang="ko-KR" sz="2000" dirty="0">
+                    <a:solidFill>
+                      <a:srgbClr val="00B050"/>
+                    </a:solidFill>
+                  </a:rPr>
+                  <a:t> </a:t>
+                </a:r>
+                <a14:m>
+                  <m:oMath xmlns:m="http://schemas.openxmlformats.org/officeDocument/2006/math">
+                    <m:sSup>
+                      <m:sSupPr>
+                        <m:ctrlPr>
+                          <a:rPr lang="en-US" altLang="ko-KR" sz="2000" i="1" dirty="0">
+                            <a:solidFill>
+                              <a:srgbClr val="00B050"/>
+                            </a:solidFill>
+                            <a:latin typeface="Cambria Math" panose="02040503050406030204" pitchFamily="18" charset="0"/>
+                          </a:rPr>
+                        </m:ctrlPr>
+                      </m:sSupPr>
+                      <m:e>
+                        <m:sSub>
+                          <m:sSubPr>
+                            <m:ctrlPr>
+                              <a:rPr lang="ko-KR" altLang="en-US" sz="2000" i="1">
+                                <a:solidFill>
+                                  <a:srgbClr val="00B050"/>
+                                </a:solidFill>
+                                <a:latin typeface="Cambria Math" panose="02040503050406030204" pitchFamily="18" charset="0"/>
+                              </a:rPr>
+                            </m:ctrlPr>
+                          </m:sSubPr>
+                          <m:e>
+                            <m:r>
+                              <a:rPr lang="en-US" altLang="ko-KR" sz="2000" i="1">
+                                <a:solidFill>
+                                  <a:srgbClr val="00B050"/>
+                                </a:solidFill>
+                                <a:latin typeface="Cambria Math" panose="02040503050406030204" pitchFamily="18" charset="0"/>
+                              </a:rPr>
+                              <m:t>𝑦</m:t>
+                            </m:r>
+                          </m:e>
+                          <m:sub>
+                            <m:r>
+                              <a:rPr lang="en-US" altLang="ko-KR" sz="2000" i="1">
+                                <a:solidFill>
+                                  <a:srgbClr val="00B050"/>
+                                </a:solidFill>
+                                <a:latin typeface="Cambria Math" panose="02040503050406030204" pitchFamily="18" charset="0"/>
+                              </a:rPr>
+                              <m:t>1</m:t>
+                            </m:r>
+                          </m:sub>
+                        </m:sSub>
+                      </m:e>
+                      <m:sup>
+                        <m:sSub>
+                          <m:sSubPr>
+                            <m:ctrlPr>
+                              <a:rPr lang="ko-KR" altLang="en-US" sz="2000" i="1">
+                                <a:solidFill>
+                                  <a:srgbClr val="00B050"/>
+                                </a:solidFill>
+                                <a:latin typeface="Cambria Math" panose="02040503050406030204" pitchFamily="18" charset="0"/>
+                              </a:rPr>
+                            </m:ctrlPr>
+                          </m:sSubPr>
+                          <m:e>
+                            <m:r>
+                              <a:rPr lang="en-US" altLang="ko-KR" sz="2000" i="1">
+                                <a:solidFill>
+                                  <a:srgbClr val="00B050"/>
+                                </a:solidFill>
+                                <a:latin typeface="Cambria Math" panose="02040503050406030204" pitchFamily="18" charset="0"/>
+                              </a:rPr>
+                              <m:t>𝑎</m:t>
+                            </m:r>
+                          </m:e>
+                          <m:sub>
+                            <m:r>
+                              <a:rPr lang="en-US" altLang="ko-KR" sz="2000" i="1">
+                                <a:solidFill>
+                                  <a:srgbClr val="00B050"/>
+                                </a:solidFill>
+                                <a:latin typeface="Cambria Math" panose="02040503050406030204" pitchFamily="18" charset="0"/>
+                              </a:rPr>
+                              <m:t>1</m:t>
+                            </m:r>
+                          </m:sub>
+                        </m:sSub>
+                        <m:r>
+                          <a:rPr lang="en-US" altLang="ko-KR" sz="2000" i="1">
+                            <a:solidFill>
+                              <a:srgbClr val="00B050"/>
+                            </a:solidFill>
+                            <a:latin typeface="Cambria Math" panose="02040503050406030204" pitchFamily="18" charset="0"/>
+                          </a:rPr>
+                          <m:t>−1</m:t>
+                        </m:r>
+                      </m:sup>
+                    </m:sSup>
+                    <m:r>
+                      <a:rPr lang="en-US" altLang="ko-KR" sz="2000" i="1">
+                        <a:solidFill>
+                          <a:srgbClr val="00B050"/>
+                        </a:solidFill>
+                        <a:latin typeface="Cambria Math" panose="02040503050406030204" pitchFamily="18" charset="0"/>
+                        <a:ea typeface="Cambria Math" panose="02040503050406030204" pitchFamily="18" charset="0"/>
+                      </a:rPr>
+                      <m:t>⋯</m:t>
+                    </m:r>
+                    <m:sSup>
+                      <m:sSupPr>
+                        <m:ctrlPr>
+                          <a:rPr lang="en-US" altLang="ko-KR" sz="2000" i="1" dirty="0">
+                            <a:solidFill>
+                              <a:srgbClr val="00B050"/>
+                            </a:solidFill>
+                            <a:latin typeface="Cambria Math" panose="02040503050406030204" pitchFamily="18" charset="0"/>
+                          </a:rPr>
+                        </m:ctrlPr>
+                      </m:sSupPr>
+                      <m:e>
+                        <m:sSub>
+                          <m:sSubPr>
+                            <m:ctrlPr>
+                              <a:rPr lang="ko-KR" altLang="en-US" sz="2000" i="1">
+                                <a:solidFill>
+                                  <a:srgbClr val="00B050"/>
+                                </a:solidFill>
+                                <a:latin typeface="Cambria Math" panose="02040503050406030204" pitchFamily="18" charset="0"/>
+                              </a:rPr>
+                            </m:ctrlPr>
+                          </m:sSubPr>
+                          <m:e>
+                            <m:r>
+                              <a:rPr lang="en-US" altLang="ko-KR" sz="2000" i="1">
+                                <a:solidFill>
+                                  <a:srgbClr val="00B050"/>
+                                </a:solidFill>
+                                <a:latin typeface="Cambria Math" panose="02040503050406030204" pitchFamily="18" charset="0"/>
+                              </a:rPr>
+                              <m:t>𝑦</m:t>
+                            </m:r>
+                          </m:e>
+                          <m:sub>
+                            <m:r>
+                              <a:rPr lang="en-US" altLang="ko-KR" sz="2000" i="1">
+                                <a:solidFill>
+                                  <a:srgbClr val="00B050"/>
+                                </a:solidFill>
+                                <a:latin typeface="Cambria Math" panose="02040503050406030204" pitchFamily="18" charset="0"/>
+                              </a:rPr>
+                              <m:t>𝑘</m:t>
+                            </m:r>
+                          </m:sub>
+                        </m:sSub>
+                      </m:e>
+                      <m:sup>
+                        <m:sSub>
+                          <m:sSubPr>
+                            <m:ctrlPr>
+                              <a:rPr lang="ko-KR" altLang="en-US" sz="2000" i="1">
+                                <a:solidFill>
+                                  <a:srgbClr val="00B050"/>
+                                </a:solidFill>
+                                <a:latin typeface="Cambria Math" panose="02040503050406030204" pitchFamily="18" charset="0"/>
+                              </a:rPr>
+                            </m:ctrlPr>
+                          </m:sSubPr>
+                          <m:e>
+                            <m:r>
+                              <a:rPr lang="en-US" altLang="ko-KR" sz="2000" i="1">
+                                <a:solidFill>
+                                  <a:srgbClr val="00B050"/>
+                                </a:solidFill>
+                                <a:latin typeface="Cambria Math" panose="02040503050406030204" pitchFamily="18" charset="0"/>
+                              </a:rPr>
+                              <m:t>𝑎</m:t>
+                            </m:r>
+                          </m:e>
+                          <m:sub>
+                            <m:r>
+                              <a:rPr lang="en-US" altLang="ko-KR" sz="2000" i="1">
+                                <a:solidFill>
+                                  <a:srgbClr val="00B050"/>
+                                </a:solidFill>
+                                <a:latin typeface="Cambria Math" panose="02040503050406030204" pitchFamily="18" charset="0"/>
+                              </a:rPr>
+                              <m:t>𝑘</m:t>
+                            </m:r>
+                          </m:sub>
+                        </m:sSub>
+                        <m:r>
+                          <a:rPr lang="en-US" altLang="ko-KR" sz="2000" i="1">
+                            <a:solidFill>
+                              <a:srgbClr val="00B050"/>
+                            </a:solidFill>
+                            <a:latin typeface="Cambria Math" panose="02040503050406030204" pitchFamily="18" charset="0"/>
+                          </a:rPr>
+                          <m:t>−1</m:t>
+                        </m:r>
+                      </m:sup>
+                    </m:sSup>
+                    <m:sSup>
+                      <m:sSupPr>
+                        <m:ctrlPr>
+                          <a:rPr lang="en-US" altLang="ko-KR" sz="2000" i="1">
+                            <a:solidFill>
+                              <a:srgbClr val="00B050"/>
+                            </a:solidFill>
+                            <a:latin typeface="Cambria Math" panose="02040503050406030204" pitchFamily="18" charset="0"/>
+                          </a:rPr>
+                        </m:ctrlPr>
+                      </m:sSupPr>
+                      <m:e>
+                        <m:d>
+                          <m:dPr>
+                            <m:ctrlPr>
+                              <a:rPr lang="en-US" altLang="ko-KR" sz="2000" i="1">
+                                <a:solidFill>
+                                  <a:srgbClr val="00B050"/>
+                                </a:solidFill>
+                                <a:latin typeface="Cambria Math" panose="02040503050406030204" pitchFamily="18" charset="0"/>
+                              </a:rPr>
+                            </m:ctrlPr>
+                          </m:dPr>
+                          <m:e>
+                            <m:r>
+                              <a:rPr lang="en-US" altLang="ko-KR" sz="2000" i="1">
+                                <a:solidFill>
+                                  <a:srgbClr val="00B050"/>
+                                </a:solidFill>
+                                <a:latin typeface="Cambria Math" panose="02040503050406030204" pitchFamily="18" charset="0"/>
+                              </a:rPr>
+                              <m:t>1−</m:t>
+                            </m:r>
+                            <m:sSub>
+                              <m:sSubPr>
+                                <m:ctrlPr>
+                                  <a:rPr lang="ko-KR" altLang="en-US" sz="2000" i="1">
+                                    <a:solidFill>
+                                      <a:srgbClr val="00B050"/>
+                                    </a:solidFill>
+                                    <a:latin typeface="Cambria Math" panose="02040503050406030204" pitchFamily="18" charset="0"/>
+                                  </a:rPr>
+                                </m:ctrlPr>
+                              </m:sSubPr>
+                              <m:e>
+                                <m:r>
+                                  <a:rPr lang="en-US" altLang="ko-KR" sz="2000" i="1">
+                                    <a:solidFill>
+                                      <a:srgbClr val="00B050"/>
+                                    </a:solidFill>
+                                    <a:latin typeface="Cambria Math" panose="02040503050406030204" pitchFamily="18" charset="0"/>
+                                  </a:rPr>
+                                  <m:t>𝑦</m:t>
+                                </m:r>
+                              </m:e>
+                              <m:sub>
+                                <m:r>
+                                  <a:rPr lang="en-US" altLang="ko-KR" sz="2000" i="1">
+                                    <a:solidFill>
+                                      <a:srgbClr val="00B050"/>
+                                    </a:solidFill>
+                                    <a:latin typeface="Cambria Math" panose="02040503050406030204" pitchFamily="18" charset="0"/>
+                                  </a:rPr>
+                                  <m:t>1</m:t>
+                                </m:r>
+                              </m:sub>
+                            </m:sSub>
+                            <m:r>
+                              <a:rPr lang="en-US" altLang="ko-KR" sz="2000" i="1">
+                                <a:solidFill>
+                                  <a:srgbClr val="00B050"/>
+                                </a:solidFill>
+                                <a:latin typeface="Cambria Math" panose="02040503050406030204" pitchFamily="18" charset="0"/>
+                              </a:rPr>
+                              <m:t>−</m:t>
+                            </m:r>
+                            <m:r>
+                              <a:rPr lang="en-US" altLang="ko-KR" sz="2000" i="1">
+                                <a:solidFill>
+                                  <a:srgbClr val="00B050"/>
+                                </a:solidFill>
+                                <a:latin typeface="Cambria Math" panose="02040503050406030204" pitchFamily="18" charset="0"/>
+                                <a:ea typeface="Cambria Math" panose="02040503050406030204" pitchFamily="18" charset="0"/>
+                              </a:rPr>
+                              <m:t>⋯−</m:t>
+                            </m:r>
+                            <m:sSub>
+                              <m:sSubPr>
+                                <m:ctrlPr>
+                                  <a:rPr lang="ko-KR" altLang="en-US" sz="2000" i="1">
+                                    <a:solidFill>
+                                      <a:srgbClr val="00B050"/>
+                                    </a:solidFill>
+                                    <a:latin typeface="Cambria Math" panose="02040503050406030204" pitchFamily="18" charset="0"/>
+                                  </a:rPr>
+                                </m:ctrlPr>
+                              </m:sSubPr>
+                              <m:e>
+                                <m:r>
+                                  <a:rPr lang="en-US" altLang="ko-KR" sz="2000" i="1">
+                                    <a:solidFill>
+                                      <a:srgbClr val="00B050"/>
+                                    </a:solidFill>
+                                    <a:latin typeface="Cambria Math" panose="02040503050406030204" pitchFamily="18" charset="0"/>
+                                  </a:rPr>
+                                  <m:t>𝑦</m:t>
+                                </m:r>
+                              </m:e>
+                              <m:sub>
+                                <m:r>
+                                  <a:rPr lang="en-US" altLang="ko-KR" sz="2000" i="1">
+                                    <a:solidFill>
+                                      <a:srgbClr val="00B050"/>
+                                    </a:solidFill>
+                                    <a:latin typeface="Cambria Math" panose="02040503050406030204" pitchFamily="18" charset="0"/>
+                                  </a:rPr>
+                                  <m:t>𝑘</m:t>
+                                </m:r>
+                              </m:sub>
+                            </m:sSub>
+                          </m:e>
+                        </m:d>
+                      </m:e>
+                      <m:sup>
+                        <m:sSub>
+                          <m:sSubPr>
+                            <m:ctrlPr>
+                              <a:rPr lang="ko-KR" altLang="en-US" sz="2000" i="1">
+                                <a:solidFill>
+                                  <a:srgbClr val="00B050"/>
+                                </a:solidFill>
+                                <a:latin typeface="Cambria Math" panose="02040503050406030204" pitchFamily="18" charset="0"/>
+                              </a:rPr>
+                            </m:ctrlPr>
+                          </m:sSubPr>
+                          <m:e>
+                            <m:r>
+                              <a:rPr lang="en-US" altLang="ko-KR" sz="2000" i="1">
+                                <a:solidFill>
+                                  <a:srgbClr val="00B050"/>
+                                </a:solidFill>
+                                <a:latin typeface="Cambria Math" panose="02040503050406030204" pitchFamily="18" charset="0"/>
+                              </a:rPr>
+                              <m:t>𝑎</m:t>
+                            </m:r>
+                          </m:e>
+                          <m:sub>
+                            <m:r>
+                              <a:rPr lang="en-US" altLang="ko-KR" sz="2000" i="1">
+                                <a:solidFill>
+                                  <a:srgbClr val="00B050"/>
+                                </a:solidFill>
+                                <a:latin typeface="Cambria Math" panose="02040503050406030204" pitchFamily="18" charset="0"/>
+                              </a:rPr>
+                              <m:t>𝑘</m:t>
+                            </m:r>
+                            <m:r>
+                              <a:rPr lang="en-US" altLang="ko-KR" sz="2000" i="1">
+                                <a:solidFill>
+                                  <a:srgbClr val="00B050"/>
+                                </a:solidFill>
+                                <a:latin typeface="Cambria Math" panose="02040503050406030204" pitchFamily="18" charset="0"/>
+                              </a:rPr>
+                              <m:t>+1</m:t>
+                            </m:r>
+                          </m:sub>
+                        </m:sSub>
+                        <m:r>
+                          <a:rPr lang="en-US" altLang="ko-KR" sz="2000" i="1">
+                            <a:solidFill>
+                              <a:srgbClr val="00B050"/>
+                            </a:solidFill>
+                            <a:latin typeface="Cambria Math" panose="02040503050406030204" pitchFamily="18" charset="0"/>
+                          </a:rPr>
+                          <m:t>−1</m:t>
+                        </m:r>
+                      </m:sup>
+                    </m:sSup>
+                  </m:oMath>
+                </a14:m>
+                <a:endParaRPr lang="en-US" altLang="ko-KR" sz="2000" dirty="0"/>
+              </a:p>
+            </p:txBody>
+          </p:sp>
+        </mc:Choice>
+        <mc:Fallback>
+          <p:sp>
+            <p:nvSpPr>
+              <p:cNvPr id="3" name="내용 개체 틀 2">
+                <a:extLst>
+                  <a:ext uri="{FF2B5EF4-FFF2-40B4-BE49-F238E27FC236}">
+                    <a16:creationId xmlns:a16="http://schemas.microsoft.com/office/drawing/2014/main" id="{B244F9A7-8D58-42D5-99D8-3723021977D4}"/>
+                  </a:ext>
+                </a:extLst>
+              </p:cNvPr>
+              <p:cNvSpPr>
+                <a:spLocks noGrp="1" noRot="1" noChangeAspect="1" noMove="1" noResize="1" noEditPoints="1" noAdjustHandles="1" noChangeArrowheads="1" noChangeShapeType="1" noTextEdit="1"/>
+              </p:cNvSpPr>
+              <p:nvPr>
+                <p:ph idx="1"/>
+              </p:nvPr>
+            </p:nvSpPr>
+            <p:spPr>
+              <a:blipFill>
+                <a:blip r:embed="rId2"/>
+                <a:stretch>
+                  <a:fillRect l="-638" t="-1401"/>
+                </a:stretch>
+              </a:blipFill>
+            </p:spPr>
+            <p:txBody>
+              <a:bodyPr/>
+              <a:lstStyle/>
+              <a:p>
+                <a:r>
+                  <a:rPr lang="ko-KR" altLang="en-US">
+                    <a:noFill/>
+                  </a:rPr>
+                  <a:t> </a:t>
+                </a:r>
+              </a:p>
+            </p:txBody>
+          </p:sp>
+        </mc:Fallback>
+      </mc:AlternateContent>
+    </p:spTree>
+    <p:extLst>
+      <p:ext uri="{BB962C8B-B14F-4D97-AF65-F5344CB8AC3E}">
+        <p14:creationId xmlns:p14="http://schemas.microsoft.com/office/powerpoint/2010/main" val="195424144"/>
       </p:ext>
     </p:extLst>
   </p:cSld>
